--- a/02 - Setting up your computer cont.pptx
+++ b/02 - Setting up your computer cont.pptx
@@ -3,17 +3,25 @@
 <p:presentation xmlns:a="http://schemas.openxmlformats.org/drawingml/2006/main" xmlns:p="http://schemas.openxmlformats.org/presentationml/2006/main" xmlns:r="http://schemas.openxmlformats.org/officeDocument/2006/relationships">
   <p:sldMasterIdLst>
     <p:sldMasterId id="2147483648" r:id="rId2"/>
+    <p:sldMasterId id="2147483661" r:id="rId3"/>
+    <p:sldMasterId id="2147483674" r:id="rId4"/>
   </p:sldMasterIdLst>
   <p:notesMasterIdLst>
-    <p:notesMasterId r:id="rId3"/>
+    <p:notesMasterId r:id="rId5"/>
   </p:notesMasterIdLst>
   <p:sldIdLst>
-    <p:sldId id="256" r:id="rId4"/>
-    <p:sldId id="257" r:id="rId5"/>
-    <p:sldId id="258" r:id="rId6"/>
-    <p:sldId id="259" r:id="rId7"/>
-    <p:sldId id="260" r:id="rId8"/>
-    <p:sldId id="261" r:id="rId9"/>
+    <p:sldId id="256" r:id="rId6"/>
+    <p:sldId id="257" r:id="rId7"/>
+    <p:sldId id="258" r:id="rId8"/>
+    <p:sldId id="259" r:id="rId9"/>
+    <p:sldId id="260" r:id="rId10"/>
+    <p:sldId id="261" r:id="rId11"/>
+    <p:sldId id="262" r:id="rId12"/>
+    <p:sldId id="263" r:id="rId13"/>
+    <p:sldId id="264" r:id="rId14"/>
+    <p:sldId id="265" r:id="rId15"/>
+    <p:sldId id="266" r:id="rId16"/>
+    <p:sldId id="267" r:id="rId17"/>
   </p:sldIdLst>
   <p:sldSz cx="10080625" cy="7559675"/>
   <p:notesSz cx="7772400" cy="10058400"/>
@@ -39,7 +47,7 @@
       </p:grpSpPr>
       <p:sp>
         <p:nvSpPr>
-          <p:cNvPr id="39" name="PlaceHolder 1"/>
+          <p:cNvPr id="108" name="PlaceHolder 1"/>
           <p:cNvSpPr>
             <a:spLocks noGrp="1"/>
           </p:cNvSpPr>
@@ -71,7 +79,7 @@
       </p:sp>
       <p:sp>
         <p:nvSpPr>
-          <p:cNvPr id="40" name="PlaceHolder 2"/>
+          <p:cNvPr id="109" name="PlaceHolder 2"/>
           <p:cNvSpPr>
             <a:spLocks noGrp="1"/>
           </p:cNvSpPr>
@@ -103,7 +111,7 @@
       </p:sp>
       <p:sp>
         <p:nvSpPr>
-          <p:cNvPr id="41" name="PlaceHolder 3"/>
+          <p:cNvPr id="110" name="PlaceHolder 3"/>
           <p:cNvSpPr>
             <a:spLocks noGrp="1"/>
           </p:cNvSpPr>
@@ -136,7 +144,7 @@
       </p:sp>
       <p:sp>
         <p:nvSpPr>
-          <p:cNvPr id="42" name="PlaceHolder 4"/>
+          <p:cNvPr id="111" name="PlaceHolder 4"/>
           <p:cNvSpPr>
             <a:spLocks noGrp="1"/>
           </p:cNvSpPr>
@@ -168,7 +176,7 @@
       </p:sp>
       <p:sp>
         <p:nvSpPr>
-          <p:cNvPr id="43" name="PlaceHolder 5"/>
+          <p:cNvPr id="112" name="PlaceHolder 5"/>
           <p:cNvSpPr>
             <a:spLocks noGrp="1"/>
           </p:cNvSpPr>
@@ -189,7 +197,7 @@
           <a:bodyPr lIns="0" rIns="0" tIns="0" bIns="0" anchor="b"/>
           <a:p>
             <a:pPr algn="r"/>
-            <a:fld id="{1BE6AA52-196A-4BC5-82D8-CAEFFFF120A5}" type="slidenum">
+            <a:fld id="{74F67E91-DA79-43E6-A3BC-C8260B7542E3}" type="slidenum">
               <a:rPr lang="en-US" sz="1400">
                 <a:latin typeface="Times New Roman"/>
               </a:rPr>
@@ -224,7 +232,7 @@
       </p:grpSpPr>
       <p:sp>
         <p:nvSpPr>
-          <p:cNvPr id="81" name="PlaceHolder 1"/>
+          <p:cNvPr id="168" name="PlaceHolder 1"/>
           <p:cNvSpPr>
             <a:spLocks noGrp="1"/>
           </p:cNvSpPr>
@@ -235,7 +243,7 @@
         <p:spPr>
           <a:xfrm>
             <a:off x="777240" y="4777560"/>
-            <a:ext cx="6217560" cy="6304680"/>
+            <a:ext cx="6217200" cy="6304320"/>
           </a:xfrm>
           <a:prstGeom prst="rect">
             <a:avLst/>
@@ -647,7 +655,7 @@
       </p:grpSpPr>
       <p:sp>
         <p:nvSpPr>
-          <p:cNvPr id="82" name="PlaceHolder 1"/>
+          <p:cNvPr id="169" name="PlaceHolder 1"/>
           <p:cNvSpPr>
             <a:spLocks noGrp="1"/>
           </p:cNvSpPr>
@@ -658,7 +666,7 @@
         <p:spPr>
           <a:xfrm>
             <a:off x="777240" y="4777560"/>
-            <a:ext cx="6217560" cy="6304680"/>
+            <a:ext cx="6217200" cy="6304320"/>
           </a:xfrm>
           <a:prstGeom prst="rect">
             <a:avLst/>
@@ -1070,7 +1078,7 @@
       </p:grpSpPr>
       <p:sp>
         <p:nvSpPr>
-          <p:cNvPr id="83" name="PlaceHolder 1"/>
+          <p:cNvPr id="170" name="PlaceHolder 1"/>
           <p:cNvSpPr>
             <a:spLocks noGrp="1"/>
           </p:cNvSpPr>
@@ -1081,7 +1089,7 @@
         <p:spPr>
           <a:xfrm>
             <a:off x="777240" y="4777560"/>
-            <a:ext cx="6217560" cy="4525920"/>
+            <a:ext cx="6217200" cy="4525560"/>
           </a:xfrm>
           <a:prstGeom prst="rect">
             <a:avLst/>
@@ -1161,7 +1169,7 @@
       </p:grpSpPr>
       <p:sp>
         <p:nvSpPr>
-          <p:cNvPr id="26" name="PlaceHolder 1"/>
+          <p:cNvPr id="23" name="PlaceHolder 1"/>
           <p:cNvSpPr>
             <a:spLocks noGrp="1"/>
           </p:cNvSpPr>
@@ -1172,7 +1180,7 @@
         <p:spPr>
           <a:xfrm>
             <a:off x="504000" y="301320"/>
-            <a:ext cx="9071640" cy="1262520"/>
+            <a:ext cx="9071280" cy="1262520"/>
           </a:xfrm>
           <a:prstGeom prst="rect">
             <a:avLst/>
@@ -1188,7 +1196,7 @@
       </p:sp>
       <p:sp>
         <p:nvSpPr>
-          <p:cNvPr id="27" name="PlaceHolder 2"/>
+          <p:cNvPr id="24" name="PlaceHolder 2"/>
           <p:cNvSpPr>
             <a:spLocks noGrp="1"/>
           </p:cNvSpPr>
@@ -1199,7 +1207,7 @@
         <p:spPr>
           <a:xfrm>
             <a:off x="504000" y="1769040"/>
-            <a:ext cx="9071640" cy="2091240"/>
+            <a:ext cx="9071280" cy="2090880"/>
           </a:xfrm>
           <a:prstGeom prst="rect">
             <a:avLst/>
@@ -1214,7 +1222,7 @@
       </p:sp>
       <p:sp>
         <p:nvSpPr>
-          <p:cNvPr id="28" name="PlaceHolder 3"/>
+          <p:cNvPr id="25" name="PlaceHolder 3"/>
           <p:cNvSpPr>
             <a:spLocks noGrp="1"/>
           </p:cNvSpPr>
@@ -1224,8 +1232,8 @@
         </p:nvSpPr>
         <p:spPr>
           <a:xfrm>
-            <a:off x="504000" y="4059360"/>
-            <a:ext cx="9071640" cy="2091240"/>
+            <a:off x="504000" y="4059000"/>
+            <a:ext cx="9071280" cy="2090880"/>
           </a:xfrm>
           <a:prstGeom prst="rect">
             <a:avLst/>
@@ -1262,7 +1270,7 @@
       </p:grpSpPr>
       <p:sp>
         <p:nvSpPr>
-          <p:cNvPr id="29" name="PlaceHolder 1"/>
+          <p:cNvPr id="26" name="PlaceHolder 1"/>
           <p:cNvSpPr>
             <a:spLocks noGrp="1"/>
           </p:cNvSpPr>
@@ -1273,7 +1281,7 @@
         <p:spPr>
           <a:xfrm>
             <a:off x="504000" y="301320"/>
-            <a:ext cx="9071640" cy="1262520"/>
+            <a:ext cx="9071280" cy="1262520"/>
           </a:xfrm>
           <a:prstGeom prst="rect">
             <a:avLst/>
@@ -1289,7 +1297,7 @@
       </p:sp>
       <p:sp>
         <p:nvSpPr>
-          <p:cNvPr id="30" name="PlaceHolder 2"/>
+          <p:cNvPr id="27" name="PlaceHolder 2"/>
           <p:cNvSpPr>
             <a:spLocks noGrp="1"/>
           </p:cNvSpPr>
@@ -1300,7 +1308,7 @@
         <p:spPr>
           <a:xfrm>
             <a:off x="504000" y="1769040"/>
-            <a:ext cx="4426920" cy="2091240"/>
+            <a:ext cx="4426560" cy="2090880"/>
           </a:xfrm>
           <a:prstGeom prst="rect">
             <a:avLst/>
@@ -1315,7 +1323,7 @@
       </p:sp>
       <p:sp>
         <p:nvSpPr>
-          <p:cNvPr id="31" name="PlaceHolder 3"/>
+          <p:cNvPr id="28" name="PlaceHolder 3"/>
           <p:cNvSpPr>
             <a:spLocks noGrp="1"/>
           </p:cNvSpPr>
@@ -1325,8 +1333,8 @@
         </p:nvSpPr>
         <p:spPr>
           <a:xfrm>
-            <a:off x="5152680" y="1769040"/>
-            <a:ext cx="4426920" cy="2091240"/>
+            <a:off x="5152320" y="1769040"/>
+            <a:ext cx="4426560" cy="2090880"/>
           </a:xfrm>
           <a:prstGeom prst="rect">
             <a:avLst/>
@@ -1341,7 +1349,7 @@
       </p:sp>
       <p:sp>
         <p:nvSpPr>
-          <p:cNvPr id="32" name="PlaceHolder 4"/>
+          <p:cNvPr id="29" name="PlaceHolder 4"/>
           <p:cNvSpPr>
             <a:spLocks noGrp="1"/>
           </p:cNvSpPr>
@@ -1351,8 +1359,8 @@
         </p:nvSpPr>
         <p:spPr>
           <a:xfrm>
-            <a:off x="5152680" y="4059360"/>
-            <a:ext cx="4426920" cy="2091240"/>
+            <a:off x="5152320" y="4059000"/>
+            <a:ext cx="4426560" cy="2090880"/>
           </a:xfrm>
           <a:prstGeom prst="rect">
             <a:avLst/>
@@ -1367,7 +1375,7 @@
       </p:sp>
       <p:sp>
         <p:nvSpPr>
-          <p:cNvPr id="33" name="PlaceHolder 5"/>
+          <p:cNvPr id="30" name="PlaceHolder 5"/>
           <p:cNvSpPr>
             <a:spLocks noGrp="1"/>
           </p:cNvSpPr>
@@ -1377,8 +1385,8 @@
         </p:nvSpPr>
         <p:spPr>
           <a:xfrm>
-            <a:off x="504000" y="4059360"/>
-            <a:ext cx="4426920" cy="2091240"/>
+            <a:off x="504000" y="4059000"/>
+            <a:ext cx="4426560" cy="2090880"/>
           </a:xfrm>
           <a:prstGeom prst="rect">
             <a:avLst/>
@@ -1415,7 +1423,7 @@
       </p:grpSpPr>
       <p:sp>
         <p:nvSpPr>
-          <p:cNvPr id="34" name="PlaceHolder 1"/>
+          <p:cNvPr id="31" name="PlaceHolder 1"/>
           <p:cNvSpPr>
             <a:spLocks noGrp="1"/>
           </p:cNvSpPr>
@@ -1426,7 +1434,7 @@
         <p:spPr>
           <a:xfrm>
             <a:off x="504000" y="301320"/>
-            <a:ext cx="9071640" cy="1262520"/>
+            <a:ext cx="9071280" cy="1262520"/>
           </a:xfrm>
           <a:prstGeom prst="rect">
             <a:avLst/>
@@ -1442,7 +1450,7 @@
       </p:sp>
       <p:sp>
         <p:nvSpPr>
-          <p:cNvPr id="35" name="PlaceHolder 2"/>
+          <p:cNvPr id="32" name="PlaceHolder 2"/>
           <p:cNvSpPr>
             <a:spLocks noGrp="1"/>
           </p:cNvSpPr>
@@ -1453,7 +1461,7 @@
         <p:spPr>
           <a:xfrm>
             <a:off x="504000" y="1769040"/>
-            <a:ext cx="9071640" cy="4384440"/>
+            <a:ext cx="9071280" cy="4384080"/>
           </a:xfrm>
           <a:prstGeom prst="rect">
             <a:avLst/>
@@ -1468,7 +1476,7 @@
       </p:sp>
       <p:sp>
         <p:nvSpPr>
-          <p:cNvPr id="36" name="PlaceHolder 3"/>
+          <p:cNvPr id="33" name="PlaceHolder 3"/>
           <p:cNvSpPr>
             <a:spLocks noGrp="1"/>
           </p:cNvSpPr>
@@ -1479,7 +1487,7 @@
         <p:spPr>
           <a:xfrm>
             <a:off x="504000" y="1769040"/>
-            <a:ext cx="9071640" cy="4384440"/>
+            <a:ext cx="9071280" cy="4384080"/>
           </a:xfrm>
           <a:prstGeom prst="rect">
             <a:avLst/>
@@ -1494,7 +1502,7 @@
       </p:sp>
       <p:pic>
         <p:nvPicPr>
-          <p:cNvPr id="37" name="" descr=""/>
+          <p:cNvPr id="34" name="" descr=""/>
           <p:cNvPicPr/>
           <p:nvPr/>
         </p:nvPicPr>
@@ -1506,8 +1514,8 @@
         </p:blipFill>
         <p:spPr>
           <a:xfrm>
-            <a:off x="2292120" y="1768680"/>
-            <a:ext cx="5495040" cy="4384440"/>
+            <a:off x="2292120" y="1769040"/>
+            <a:ext cx="5494680" cy="4384080"/>
           </a:xfrm>
           <a:prstGeom prst="rect">
             <a:avLst/>
@@ -1519,7 +1527,7 @@
       </p:pic>
       <p:pic>
         <p:nvPicPr>
-          <p:cNvPr id="38" name="" descr=""/>
+          <p:cNvPr id="35" name="" descr=""/>
           <p:cNvPicPr/>
           <p:nvPr/>
         </p:nvPicPr>
@@ -1531,8 +1539,8 @@
         </p:blipFill>
         <p:spPr>
           <a:xfrm>
-            <a:off x="2292120" y="1768680"/>
-            <a:ext cx="5495040" cy="4384440"/>
+            <a:off x="2292120" y="1769040"/>
+            <a:ext cx="5494680" cy="4384080"/>
           </a:xfrm>
           <a:prstGeom prst="rect">
             <a:avLst/>
@@ -1542,6 +1550,505 @@
           </a:ln>
         </p:spPr>
       </p:pic>
+    </p:spTree>
+  </p:cSld>
+</p:sldLayout>
+</file>
+
+<file path=ppt/slideLayouts/slideLayout13.xml><?xml version="1.0" encoding="utf-8"?>
+<p:sldLayout xmlns:a="http://schemas.openxmlformats.org/drawingml/2006/main" xmlns:p="http://schemas.openxmlformats.org/presentationml/2006/main" xmlns:r="http://schemas.openxmlformats.org/officeDocument/2006/relationships" type="blank" preserve="1">
+  <p:cSld name="Blank Slide">
+    <p:spTree>
+      <p:nvGrpSpPr>
+        <p:cNvPr id="1" name=""/>
+        <p:cNvGrpSpPr/>
+        <p:nvPr/>
+      </p:nvGrpSpPr>
+      <p:grpSpPr>
+        <a:xfrm>
+          <a:off x="0" y="0"/>
+          <a:ext cx="0" cy="0"/>
+          <a:chOff x="0" y="0"/>
+          <a:chExt cx="0" cy="0"/>
+        </a:xfrm>
+      </p:grpSpPr>
+    </p:spTree>
+  </p:cSld>
+</p:sldLayout>
+</file>
+
+<file path=ppt/slideLayouts/slideLayout14.xml><?xml version="1.0" encoding="utf-8"?>
+<p:sldLayout xmlns:a="http://schemas.openxmlformats.org/drawingml/2006/main" xmlns:p="http://schemas.openxmlformats.org/presentationml/2006/main" xmlns:r="http://schemas.openxmlformats.org/officeDocument/2006/relationships" type="tx" preserve="1">
+  <p:cSld name="Title Slide">
+    <p:spTree>
+      <p:nvGrpSpPr>
+        <p:cNvPr id="1" name=""/>
+        <p:cNvGrpSpPr/>
+        <p:nvPr/>
+      </p:nvGrpSpPr>
+      <p:grpSpPr>
+        <a:xfrm>
+          <a:off x="0" y="0"/>
+          <a:ext cx="0" cy="0"/>
+          <a:chOff x="0" y="0"/>
+          <a:chExt cx="0" cy="0"/>
+        </a:xfrm>
+      </p:grpSpPr>
+      <p:sp>
+        <p:nvSpPr>
+          <p:cNvPr id="38" name="PlaceHolder 1"/>
+          <p:cNvSpPr>
+            <a:spLocks noGrp="1"/>
+          </p:cNvSpPr>
+          <p:nvPr>
+            <p:ph type="title"/>
+          </p:nvPr>
+        </p:nvSpPr>
+        <p:spPr>
+          <a:xfrm>
+            <a:off x="504000" y="301320"/>
+            <a:ext cx="9071280" cy="1262520"/>
+          </a:xfrm>
+          <a:prstGeom prst="rect">
+            <a:avLst/>
+          </a:prstGeom>
+        </p:spPr>
+        <p:txBody>
+          <a:bodyPr lIns="0" rIns="0" tIns="0" bIns="0" anchor="ctr"/>
+          <a:p>
+            <a:pPr algn="ctr"/>
+            <a:endParaRPr/>
+          </a:p>
+        </p:txBody>
+      </p:sp>
+      <p:sp>
+        <p:nvSpPr>
+          <p:cNvPr id="39" name="PlaceHolder 2"/>
+          <p:cNvSpPr>
+            <a:spLocks noGrp="1"/>
+          </p:cNvSpPr>
+          <p:nvPr>
+            <p:ph type="subTitle"/>
+          </p:nvPr>
+        </p:nvSpPr>
+        <p:spPr>
+          <a:xfrm>
+            <a:off x="504000" y="1769040"/>
+            <a:ext cx="9071280" cy="4384440"/>
+          </a:xfrm>
+          <a:prstGeom prst="rect">
+            <a:avLst/>
+          </a:prstGeom>
+        </p:spPr>
+        <p:txBody>
+          <a:bodyPr lIns="0" rIns="0" tIns="0" bIns="0" anchor="ctr"/>
+          <a:p>
+            <a:pPr algn="ctr"/>
+            <a:endParaRPr/>
+          </a:p>
+        </p:txBody>
+      </p:sp>
+    </p:spTree>
+  </p:cSld>
+</p:sldLayout>
+</file>
+
+<file path=ppt/slideLayouts/slideLayout15.xml><?xml version="1.0" encoding="utf-8"?>
+<p:sldLayout xmlns:a="http://schemas.openxmlformats.org/drawingml/2006/main" xmlns:p="http://schemas.openxmlformats.org/presentationml/2006/main" xmlns:r="http://schemas.openxmlformats.org/officeDocument/2006/relationships" type="obj" preserve="1">
+  <p:cSld name="Title, Content">
+    <p:spTree>
+      <p:nvGrpSpPr>
+        <p:cNvPr id="1" name=""/>
+        <p:cNvGrpSpPr/>
+        <p:nvPr/>
+      </p:nvGrpSpPr>
+      <p:grpSpPr>
+        <a:xfrm>
+          <a:off x="0" y="0"/>
+          <a:ext cx="0" cy="0"/>
+          <a:chOff x="0" y="0"/>
+          <a:chExt cx="0" cy="0"/>
+        </a:xfrm>
+      </p:grpSpPr>
+      <p:sp>
+        <p:nvSpPr>
+          <p:cNvPr id="40" name="PlaceHolder 1"/>
+          <p:cNvSpPr>
+            <a:spLocks noGrp="1"/>
+          </p:cNvSpPr>
+          <p:nvPr>
+            <p:ph type="title"/>
+          </p:nvPr>
+        </p:nvSpPr>
+        <p:spPr>
+          <a:xfrm>
+            <a:off x="504000" y="301320"/>
+            <a:ext cx="9071280" cy="1262520"/>
+          </a:xfrm>
+          <a:prstGeom prst="rect">
+            <a:avLst/>
+          </a:prstGeom>
+        </p:spPr>
+        <p:txBody>
+          <a:bodyPr lIns="0" rIns="0" tIns="0" bIns="0" anchor="ctr"/>
+          <a:p>
+            <a:pPr algn="ctr"/>
+            <a:endParaRPr/>
+          </a:p>
+        </p:txBody>
+      </p:sp>
+      <p:sp>
+        <p:nvSpPr>
+          <p:cNvPr id="41" name="PlaceHolder 2"/>
+          <p:cNvSpPr>
+            <a:spLocks noGrp="1"/>
+          </p:cNvSpPr>
+          <p:nvPr>
+            <p:ph type="body"/>
+          </p:nvPr>
+        </p:nvSpPr>
+        <p:spPr>
+          <a:xfrm>
+            <a:off x="504000" y="1769040"/>
+            <a:ext cx="9071280" cy="4384080"/>
+          </a:xfrm>
+          <a:prstGeom prst="rect">
+            <a:avLst/>
+          </a:prstGeom>
+        </p:spPr>
+        <p:txBody>
+          <a:bodyPr lIns="0" rIns="0" tIns="0" bIns="0"/>
+          <a:p>
+            <a:endParaRPr/>
+          </a:p>
+        </p:txBody>
+      </p:sp>
+    </p:spTree>
+  </p:cSld>
+</p:sldLayout>
+</file>
+
+<file path=ppt/slideLayouts/slideLayout16.xml><?xml version="1.0" encoding="utf-8"?>
+<p:sldLayout xmlns:a="http://schemas.openxmlformats.org/drawingml/2006/main" xmlns:p="http://schemas.openxmlformats.org/presentationml/2006/main" xmlns:r="http://schemas.openxmlformats.org/officeDocument/2006/relationships" type="twoObj" preserve="1">
+  <p:cSld name="Title, 2 Content">
+    <p:spTree>
+      <p:nvGrpSpPr>
+        <p:cNvPr id="1" name=""/>
+        <p:cNvGrpSpPr/>
+        <p:nvPr/>
+      </p:nvGrpSpPr>
+      <p:grpSpPr>
+        <a:xfrm>
+          <a:off x="0" y="0"/>
+          <a:ext cx="0" cy="0"/>
+          <a:chOff x="0" y="0"/>
+          <a:chExt cx="0" cy="0"/>
+        </a:xfrm>
+      </p:grpSpPr>
+      <p:sp>
+        <p:nvSpPr>
+          <p:cNvPr id="42" name="PlaceHolder 1"/>
+          <p:cNvSpPr>
+            <a:spLocks noGrp="1"/>
+          </p:cNvSpPr>
+          <p:nvPr>
+            <p:ph type="title"/>
+          </p:nvPr>
+        </p:nvSpPr>
+        <p:spPr>
+          <a:xfrm>
+            <a:off x="504000" y="301320"/>
+            <a:ext cx="9071280" cy="1262520"/>
+          </a:xfrm>
+          <a:prstGeom prst="rect">
+            <a:avLst/>
+          </a:prstGeom>
+        </p:spPr>
+        <p:txBody>
+          <a:bodyPr lIns="0" rIns="0" tIns="0" bIns="0" anchor="ctr"/>
+          <a:p>
+            <a:pPr algn="ctr"/>
+            <a:endParaRPr/>
+          </a:p>
+        </p:txBody>
+      </p:sp>
+      <p:sp>
+        <p:nvSpPr>
+          <p:cNvPr id="43" name="PlaceHolder 2"/>
+          <p:cNvSpPr>
+            <a:spLocks noGrp="1"/>
+          </p:cNvSpPr>
+          <p:nvPr>
+            <p:ph type="body"/>
+          </p:nvPr>
+        </p:nvSpPr>
+        <p:spPr>
+          <a:xfrm>
+            <a:off x="504000" y="1769040"/>
+            <a:ext cx="4426560" cy="4384080"/>
+          </a:xfrm>
+          <a:prstGeom prst="rect">
+            <a:avLst/>
+          </a:prstGeom>
+        </p:spPr>
+        <p:txBody>
+          <a:bodyPr lIns="0" rIns="0" tIns="0" bIns="0"/>
+          <a:p>
+            <a:endParaRPr/>
+          </a:p>
+        </p:txBody>
+      </p:sp>
+      <p:sp>
+        <p:nvSpPr>
+          <p:cNvPr id="44" name="PlaceHolder 3"/>
+          <p:cNvSpPr>
+            <a:spLocks noGrp="1"/>
+          </p:cNvSpPr>
+          <p:nvPr>
+            <p:ph type="body"/>
+          </p:nvPr>
+        </p:nvSpPr>
+        <p:spPr>
+          <a:xfrm>
+            <a:off x="5152320" y="1769040"/>
+            <a:ext cx="4426560" cy="4384080"/>
+          </a:xfrm>
+          <a:prstGeom prst="rect">
+            <a:avLst/>
+          </a:prstGeom>
+        </p:spPr>
+        <p:txBody>
+          <a:bodyPr lIns="0" rIns="0" tIns="0" bIns="0"/>
+          <a:p>
+            <a:endParaRPr/>
+          </a:p>
+        </p:txBody>
+      </p:sp>
+    </p:spTree>
+  </p:cSld>
+</p:sldLayout>
+</file>
+
+<file path=ppt/slideLayouts/slideLayout17.xml><?xml version="1.0" encoding="utf-8"?>
+<p:sldLayout xmlns:a="http://schemas.openxmlformats.org/drawingml/2006/main" xmlns:p="http://schemas.openxmlformats.org/presentationml/2006/main" xmlns:r="http://schemas.openxmlformats.org/officeDocument/2006/relationships" type="titleOnly" preserve="1">
+  <p:cSld name="Title Only">
+    <p:spTree>
+      <p:nvGrpSpPr>
+        <p:cNvPr id="1" name=""/>
+        <p:cNvGrpSpPr/>
+        <p:nvPr/>
+      </p:nvGrpSpPr>
+      <p:grpSpPr>
+        <a:xfrm>
+          <a:off x="0" y="0"/>
+          <a:ext cx="0" cy="0"/>
+          <a:chOff x="0" y="0"/>
+          <a:chExt cx="0" cy="0"/>
+        </a:xfrm>
+      </p:grpSpPr>
+      <p:sp>
+        <p:nvSpPr>
+          <p:cNvPr id="45" name="PlaceHolder 1"/>
+          <p:cNvSpPr>
+            <a:spLocks noGrp="1"/>
+          </p:cNvSpPr>
+          <p:nvPr>
+            <p:ph type="title"/>
+          </p:nvPr>
+        </p:nvSpPr>
+        <p:spPr>
+          <a:xfrm>
+            <a:off x="504000" y="301320"/>
+            <a:ext cx="9071280" cy="1262520"/>
+          </a:xfrm>
+          <a:prstGeom prst="rect">
+            <a:avLst/>
+          </a:prstGeom>
+        </p:spPr>
+        <p:txBody>
+          <a:bodyPr lIns="0" rIns="0" tIns="0" bIns="0" anchor="ctr"/>
+          <a:p>
+            <a:pPr algn="ctr"/>
+            <a:endParaRPr/>
+          </a:p>
+        </p:txBody>
+      </p:sp>
+    </p:spTree>
+  </p:cSld>
+</p:sldLayout>
+</file>
+
+<file path=ppt/slideLayouts/slideLayout18.xml><?xml version="1.0" encoding="utf-8"?>
+<p:sldLayout xmlns:a="http://schemas.openxmlformats.org/drawingml/2006/main" xmlns:p="http://schemas.openxmlformats.org/presentationml/2006/main" xmlns:r="http://schemas.openxmlformats.org/officeDocument/2006/relationships" type="objOnly" preserve="1">
+  <p:cSld name="Centered Text">
+    <p:spTree>
+      <p:nvGrpSpPr>
+        <p:cNvPr id="1" name=""/>
+        <p:cNvGrpSpPr/>
+        <p:nvPr/>
+      </p:nvGrpSpPr>
+      <p:grpSpPr>
+        <a:xfrm>
+          <a:off x="0" y="0"/>
+          <a:ext cx="0" cy="0"/>
+          <a:chOff x="0" y="0"/>
+          <a:chExt cx="0" cy="0"/>
+        </a:xfrm>
+      </p:grpSpPr>
+      <p:sp>
+        <p:nvSpPr>
+          <p:cNvPr id="46" name="PlaceHolder 1"/>
+          <p:cNvSpPr>
+            <a:spLocks noGrp="1"/>
+          </p:cNvSpPr>
+          <p:nvPr>
+            <p:ph type="subTitle"/>
+          </p:nvPr>
+        </p:nvSpPr>
+        <p:spPr>
+          <a:xfrm>
+            <a:off x="504000" y="301320"/>
+            <a:ext cx="9071280" cy="5852160"/>
+          </a:xfrm>
+          <a:prstGeom prst="rect">
+            <a:avLst/>
+          </a:prstGeom>
+        </p:spPr>
+        <p:txBody>
+          <a:bodyPr lIns="0" rIns="0" tIns="0" bIns="0" anchor="ctr"/>
+          <a:p>
+            <a:pPr algn="ctr"/>
+            <a:endParaRPr/>
+          </a:p>
+        </p:txBody>
+      </p:sp>
+    </p:spTree>
+  </p:cSld>
+</p:sldLayout>
+</file>
+
+<file path=ppt/slideLayouts/slideLayout19.xml><?xml version="1.0" encoding="utf-8"?>
+<p:sldLayout xmlns:a="http://schemas.openxmlformats.org/drawingml/2006/main" xmlns:p="http://schemas.openxmlformats.org/presentationml/2006/main" xmlns:r="http://schemas.openxmlformats.org/officeDocument/2006/relationships" type="twoObjAndObj" preserve="1">
+  <p:cSld name="Title, 2 Content and Content">
+    <p:spTree>
+      <p:nvGrpSpPr>
+        <p:cNvPr id="1" name=""/>
+        <p:cNvGrpSpPr/>
+        <p:nvPr/>
+      </p:nvGrpSpPr>
+      <p:grpSpPr>
+        <a:xfrm>
+          <a:off x="0" y="0"/>
+          <a:ext cx="0" cy="0"/>
+          <a:chOff x="0" y="0"/>
+          <a:chExt cx="0" cy="0"/>
+        </a:xfrm>
+      </p:grpSpPr>
+      <p:sp>
+        <p:nvSpPr>
+          <p:cNvPr id="47" name="PlaceHolder 1"/>
+          <p:cNvSpPr>
+            <a:spLocks noGrp="1"/>
+          </p:cNvSpPr>
+          <p:nvPr>
+            <p:ph type="title"/>
+          </p:nvPr>
+        </p:nvSpPr>
+        <p:spPr>
+          <a:xfrm>
+            <a:off x="504000" y="301320"/>
+            <a:ext cx="9071280" cy="1262520"/>
+          </a:xfrm>
+          <a:prstGeom prst="rect">
+            <a:avLst/>
+          </a:prstGeom>
+        </p:spPr>
+        <p:txBody>
+          <a:bodyPr lIns="0" rIns="0" tIns="0" bIns="0" anchor="ctr"/>
+          <a:p>
+            <a:pPr algn="ctr"/>
+            <a:endParaRPr/>
+          </a:p>
+        </p:txBody>
+      </p:sp>
+      <p:sp>
+        <p:nvSpPr>
+          <p:cNvPr id="48" name="PlaceHolder 2"/>
+          <p:cNvSpPr>
+            <a:spLocks noGrp="1"/>
+          </p:cNvSpPr>
+          <p:nvPr>
+            <p:ph type="body"/>
+          </p:nvPr>
+        </p:nvSpPr>
+        <p:spPr>
+          <a:xfrm>
+            <a:off x="504000" y="1769040"/>
+            <a:ext cx="4426560" cy="2090880"/>
+          </a:xfrm>
+          <a:prstGeom prst="rect">
+            <a:avLst/>
+          </a:prstGeom>
+        </p:spPr>
+        <p:txBody>
+          <a:bodyPr lIns="0" rIns="0" tIns="0" bIns="0"/>
+          <a:p>
+            <a:endParaRPr/>
+          </a:p>
+        </p:txBody>
+      </p:sp>
+      <p:sp>
+        <p:nvSpPr>
+          <p:cNvPr id="49" name="PlaceHolder 3"/>
+          <p:cNvSpPr>
+            <a:spLocks noGrp="1"/>
+          </p:cNvSpPr>
+          <p:nvPr>
+            <p:ph type="body"/>
+          </p:nvPr>
+        </p:nvSpPr>
+        <p:spPr>
+          <a:xfrm>
+            <a:off x="504000" y="4059000"/>
+            <a:ext cx="4426560" cy="2090880"/>
+          </a:xfrm>
+          <a:prstGeom prst="rect">
+            <a:avLst/>
+          </a:prstGeom>
+        </p:spPr>
+        <p:txBody>
+          <a:bodyPr lIns="0" rIns="0" tIns="0" bIns="0"/>
+          <a:p>
+            <a:endParaRPr/>
+          </a:p>
+        </p:txBody>
+      </p:sp>
+      <p:sp>
+        <p:nvSpPr>
+          <p:cNvPr id="50" name="PlaceHolder 4"/>
+          <p:cNvSpPr>
+            <a:spLocks noGrp="1"/>
+          </p:cNvSpPr>
+          <p:nvPr>
+            <p:ph type="body"/>
+          </p:nvPr>
+        </p:nvSpPr>
+        <p:spPr>
+          <a:xfrm>
+            <a:off x="5152320" y="1769040"/>
+            <a:ext cx="4426560" cy="4384080"/>
+          </a:xfrm>
+          <a:prstGeom prst="rect">
+            <a:avLst/>
+          </a:prstGeom>
+        </p:spPr>
+        <p:txBody>
+          <a:bodyPr lIns="0" rIns="0" tIns="0" bIns="0"/>
+          <a:p>
+            <a:endParaRPr/>
+          </a:p>
+        </p:txBody>
+      </p:sp>
     </p:spTree>
   </p:cSld>
 </p:sldLayout>
@@ -1566,7 +2073,7 @@
       </p:grpSpPr>
       <p:sp>
         <p:nvSpPr>
-          <p:cNvPr id="5" name="PlaceHolder 1"/>
+          <p:cNvPr id="2" name="PlaceHolder 1"/>
           <p:cNvSpPr>
             <a:spLocks noGrp="1"/>
           </p:cNvSpPr>
@@ -1577,7 +2084,7 @@
         <p:spPr>
           <a:xfrm>
             <a:off x="504000" y="301320"/>
-            <a:ext cx="9071640" cy="1262520"/>
+            <a:ext cx="9071280" cy="1262520"/>
           </a:xfrm>
           <a:prstGeom prst="rect">
             <a:avLst/>
@@ -1593,7 +2100,7 @@
       </p:sp>
       <p:sp>
         <p:nvSpPr>
-          <p:cNvPr id="6" name="PlaceHolder 2"/>
+          <p:cNvPr id="3" name="PlaceHolder 2"/>
           <p:cNvSpPr>
             <a:spLocks noGrp="1"/>
           </p:cNvSpPr>
@@ -1604,7 +2111,989 @@
         <p:spPr>
           <a:xfrm>
             <a:off x="504000" y="1769040"/>
-            <a:ext cx="9071640" cy="4384800"/>
+            <a:ext cx="9071280" cy="4384440"/>
+          </a:xfrm>
+          <a:prstGeom prst="rect">
+            <a:avLst/>
+          </a:prstGeom>
+        </p:spPr>
+        <p:txBody>
+          <a:bodyPr lIns="0" rIns="0" tIns="0" bIns="0" anchor="ctr"/>
+          <a:p>
+            <a:pPr algn="ctr"/>
+            <a:endParaRPr/>
+          </a:p>
+        </p:txBody>
+      </p:sp>
+    </p:spTree>
+  </p:cSld>
+</p:sldLayout>
+</file>
+
+<file path=ppt/slideLayouts/slideLayout20.xml><?xml version="1.0" encoding="utf-8"?>
+<p:sldLayout xmlns:a="http://schemas.openxmlformats.org/drawingml/2006/main" xmlns:p="http://schemas.openxmlformats.org/presentationml/2006/main" xmlns:r="http://schemas.openxmlformats.org/officeDocument/2006/relationships" type="objAndTwoObj" preserve="1">
+  <p:cSld name="Title Content and 2 Content">
+    <p:spTree>
+      <p:nvGrpSpPr>
+        <p:cNvPr id="1" name=""/>
+        <p:cNvGrpSpPr/>
+        <p:nvPr/>
+      </p:nvGrpSpPr>
+      <p:grpSpPr>
+        <a:xfrm>
+          <a:off x="0" y="0"/>
+          <a:ext cx="0" cy="0"/>
+          <a:chOff x="0" y="0"/>
+          <a:chExt cx="0" cy="0"/>
+        </a:xfrm>
+      </p:grpSpPr>
+      <p:sp>
+        <p:nvSpPr>
+          <p:cNvPr id="51" name="PlaceHolder 1"/>
+          <p:cNvSpPr>
+            <a:spLocks noGrp="1"/>
+          </p:cNvSpPr>
+          <p:nvPr>
+            <p:ph type="title"/>
+          </p:nvPr>
+        </p:nvSpPr>
+        <p:spPr>
+          <a:xfrm>
+            <a:off x="504000" y="301320"/>
+            <a:ext cx="9071280" cy="1262520"/>
+          </a:xfrm>
+          <a:prstGeom prst="rect">
+            <a:avLst/>
+          </a:prstGeom>
+        </p:spPr>
+        <p:txBody>
+          <a:bodyPr lIns="0" rIns="0" tIns="0" bIns="0" anchor="ctr"/>
+          <a:p>
+            <a:pPr algn="ctr"/>
+            <a:endParaRPr/>
+          </a:p>
+        </p:txBody>
+      </p:sp>
+      <p:sp>
+        <p:nvSpPr>
+          <p:cNvPr id="52" name="PlaceHolder 2"/>
+          <p:cNvSpPr>
+            <a:spLocks noGrp="1"/>
+          </p:cNvSpPr>
+          <p:nvPr>
+            <p:ph type="body"/>
+          </p:nvPr>
+        </p:nvSpPr>
+        <p:spPr>
+          <a:xfrm>
+            <a:off x="504000" y="1769040"/>
+            <a:ext cx="4426560" cy="4384080"/>
+          </a:xfrm>
+          <a:prstGeom prst="rect">
+            <a:avLst/>
+          </a:prstGeom>
+        </p:spPr>
+        <p:txBody>
+          <a:bodyPr lIns="0" rIns="0" tIns="0" bIns="0"/>
+          <a:p>
+            <a:endParaRPr/>
+          </a:p>
+        </p:txBody>
+      </p:sp>
+      <p:sp>
+        <p:nvSpPr>
+          <p:cNvPr id="53" name="PlaceHolder 3"/>
+          <p:cNvSpPr>
+            <a:spLocks noGrp="1"/>
+          </p:cNvSpPr>
+          <p:nvPr>
+            <p:ph type="body"/>
+          </p:nvPr>
+        </p:nvSpPr>
+        <p:spPr>
+          <a:xfrm>
+            <a:off x="5152320" y="1769040"/>
+            <a:ext cx="4426560" cy="2090880"/>
+          </a:xfrm>
+          <a:prstGeom prst="rect">
+            <a:avLst/>
+          </a:prstGeom>
+        </p:spPr>
+        <p:txBody>
+          <a:bodyPr lIns="0" rIns="0" tIns="0" bIns="0"/>
+          <a:p>
+            <a:endParaRPr/>
+          </a:p>
+        </p:txBody>
+      </p:sp>
+      <p:sp>
+        <p:nvSpPr>
+          <p:cNvPr id="54" name="PlaceHolder 4"/>
+          <p:cNvSpPr>
+            <a:spLocks noGrp="1"/>
+          </p:cNvSpPr>
+          <p:nvPr>
+            <p:ph type="body"/>
+          </p:nvPr>
+        </p:nvSpPr>
+        <p:spPr>
+          <a:xfrm>
+            <a:off x="5152320" y="4059000"/>
+            <a:ext cx="4426560" cy="2090880"/>
+          </a:xfrm>
+          <a:prstGeom prst="rect">
+            <a:avLst/>
+          </a:prstGeom>
+        </p:spPr>
+        <p:txBody>
+          <a:bodyPr lIns="0" rIns="0" tIns="0" bIns="0"/>
+          <a:p>
+            <a:endParaRPr/>
+          </a:p>
+        </p:txBody>
+      </p:sp>
+    </p:spTree>
+  </p:cSld>
+</p:sldLayout>
+</file>
+
+<file path=ppt/slideLayouts/slideLayout21.xml><?xml version="1.0" encoding="utf-8"?>
+<p:sldLayout xmlns:a="http://schemas.openxmlformats.org/drawingml/2006/main" xmlns:p="http://schemas.openxmlformats.org/presentationml/2006/main" xmlns:r="http://schemas.openxmlformats.org/officeDocument/2006/relationships" type="twoObjOverTx" preserve="1">
+  <p:cSld name="Title, 2 Content over Content">
+    <p:spTree>
+      <p:nvGrpSpPr>
+        <p:cNvPr id="1" name=""/>
+        <p:cNvGrpSpPr/>
+        <p:nvPr/>
+      </p:nvGrpSpPr>
+      <p:grpSpPr>
+        <a:xfrm>
+          <a:off x="0" y="0"/>
+          <a:ext cx="0" cy="0"/>
+          <a:chOff x="0" y="0"/>
+          <a:chExt cx="0" cy="0"/>
+        </a:xfrm>
+      </p:grpSpPr>
+      <p:sp>
+        <p:nvSpPr>
+          <p:cNvPr id="55" name="PlaceHolder 1"/>
+          <p:cNvSpPr>
+            <a:spLocks noGrp="1"/>
+          </p:cNvSpPr>
+          <p:nvPr>
+            <p:ph type="title"/>
+          </p:nvPr>
+        </p:nvSpPr>
+        <p:spPr>
+          <a:xfrm>
+            <a:off x="504000" y="301320"/>
+            <a:ext cx="9071280" cy="1262520"/>
+          </a:xfrm>
+          <a:prstGeom prst="rect">
+            <a:avLst/>
+          </a:prstGeom>
+        </p:spPr>
+        <p:txBody>
+          <a:bodyPr lIns="0" rIns="0" tIns="0" bIns="0" anchor="ctr"/>
+          <a:p>
+            <a:pPr algn="ctr"/>
+            <a:endParaRPr/>
+          </a:p>
+        </p:txBody>
+      </p:sp>
+      <p:sp>
+        <p:nvSpPr>
+          <p:cNvPr id="56" name="PlaceHolder 2"/>
+          <p:cNvSpPr>
+            <a:spLocks noGrp="1"/>
+          </p:cNvSpPr>
+          <p:nvPr>
+            <p:ph type="body"/>
+          </p:nvPr>
+        </p:nvSpPr>
+        <p:spPr>
+          <a:xfrm>
+            <a:off x="504000" y="1769040"/>
+            <a:ext cx="4426560" cy="2090880"/>
+          </a:xfrm>
+          <a:prstGeom prst="rect">
+            <a:avLst/>
+          </a:prstGeom>
+        </p:spPr>
+        <p:txBody>
+          <a:bodyPr lIns="0" rIns="0" tIns="0" bIns="0"/>
+          <a:p>
+            <a:endParaRPr/>
+          </a:p>
+        </p:txBody>
+      </p:sp>
+      <p:sp>
+        <p:nvSpPr>
+          <p:cNvPr id="57" name="PlaceHolder 3"/>
+          <p:cNvSpPr>
+            <a:spLocks noGrp="1"/>
+          </p:cNvSpPr>
+          <p:nvPr>
+            <p:ph type="body"/>
+          </p:nvPr>
+        </p:nvSpPr>
+        <p:spPr>
+          <a:xfrm>
+            <a:off x="5152320" y="1769040"/>
+            <a:ext cx="4426560" cy="2090880"/>
+          </a:xfrm>
+          <a:prstGeom prst="rect">
+            <a:avLst/>
+          </a:prstGeom>
+        </p:spPr>
+        <p:txBody>
+          <a:bodyPr lIns="0" rIns="0" tIns="0" bIns="0"/>
+          <a:p>
+            <a:endParaRPr/>
+          </a:p>
+        </p:txBody>
+      </p:sp>
+      <p:sp>
+        <p:nvSpPr>
+          <p:cNvPr id="58" name="PlaceHolder 4"/>
+          <p:cNvSpPr>
+            <a:spLocks noGrp="1"/>
+          </p:cNvSpPr>
+          <p:nvPr>
+            <p:ph type="body"/>
+          </p:nvPr>
+        </p:nvSpPr>
+        <p:spPr>
+          <a:xfrm>
+            <a:off x="504000" y="4059000"/>
+            <a:ext cx="9071280" cy="2090880"/>
+          </a:xfrm>
+          <a:prstGeom prst="rect">
+            <a:avLst/>
+          </a:prstGeom>
+        </p:spPr>
+        <p:txBody>
+          <a:bodyPr lIns="0" rIns="0" tIns="0" bIns="0"/>
+          <a:p>
+            <a:endParaRPr/>
+          </a:p>
+        </p:txBody>
+      </p:sp>
+    </p:spTree>
+  </p:cSld>
+</p:sldLayout>
+</file>
+
+<file path=ppt/slideLayouts/slideLayout22.xml><?xml version="1.0" encoding="utf-8"?>
+<p:sldLayout xmlns:a="http://schemas.openxmlformats.org/drawingml/2006/main" xmlns:p="http://schemas.openxmlformats.org/presentationml/2006/main" xmlns:r="http://schemas.openxmlformats.org/officeDocument/2006/relationships" type="objOverTx" preserve="1">
+  <p:cSld name="Title, Content over Content">
+    <p:spTree>
+      <p:nvGrpSpPr>
+        <p:cNvPr id="1" name=""/>
+        <p:cNvGrpSpPr/>
+        <p:nvPr/>
+      </p:nvGrpSpPr>
+      <p:grpSpPr>
+        <a:xfrm>
+          <a:off x="0" y="0"/>
+          <a:ext cx="0" cy="0"/>
+          <a:chOff x="0" y="0"/>
+          <a:chExt cx="0" cy="0"/>
+        </a:xfrm>
+      </p:grpSpPr>
+      <p:sp>
+        <p:nvSpPr>
+          <p:cNvPr id="59" name="PlaceHolder 1"/>
+          <p:cNvSpPr>
+            <a:spLocks noGrp="1"/>
+          </p:cNvSpPr>
+          <p:nvPr>
+            <p:ph type="title"/>
+          </p:nvPr>
+        </p:nvSpPr>
+        <p:spPr>
+          <a:xfrm>
+            <a:off x="504000" y="301320"/>
+            <a:ext cx="9071280" cy="1262520"/>
+          </a:xfrm>
+          <a:prstGeom prst="rect">
+            <a:avLst/>
+          </a:prstGeom>
+        </p:spPr>
+        <p:txBody>
+          <a:bodyPr lIns="0" rIns="0" tIns="0" bIns="0" anchor="ctr"/>
+          <a:p>
+            <a:pPr algn="ctr"/>
+            <a:endParaRPr/>
+          </a:p>
+        </p:txBody>
+      </p:sp>
+      <p:sp>
+        <p:nvSpPr>
+          <p:cNvPr id="60" name="PlaceHolder 2"/>
+          <p:cNvSpPr>
+            <a:spLocks noGrp="1"/>
+          </p:cNvSpPr>
+          <p:nvPr>
+            <p:ph type="body"/>
+          </p:nvPr>
+        </p:nvSpPr>
+        <p:spPr>
+          <a:xfrm>
+            <a:off x="504000" y="1769040"/>
+            <a:ext cx="9071280" cy="2090880"/>
+          </a:xfrm>
+          <a:prstGeom prst="rect">
+            <a:avLst/>
+          </a:prstGeom>
+        </p:spPr>
+        <p:txBody>
+          <a:bodyPr lIns="0" rIns="0" tIns="0" bIns="0"/>
+          <a:p>
+            <a:endParaRPr/>
+          </a:p>
+        </p:txBody>
+      </p:sp>
+      <p:sp>
+        <p:nvSpPr>
+          <p:cNvPr id="61" name="PlaceHolder 3"/>
+          <p:cNvSpPr>
+            <a:spLocks noGrp="1"/>
+          </p:cNvSpPr>
+          <p:nvPr>
+            <p:ph type="body"/>
+          </p:nvPr>
+        </p:nvSpPr>
+        <p:spPr>
+          <a:xfrm>
+            <a:off x="504000" y="4059000"/>
+            <a:ext cx="9071280" cy="2090880"/>
+          </a:xfrm>
+          <a:prstGeom prst="rect">
+            <a:avLst/>
+          </a:prstGeom>
+        </p:spPr>
+        <p:txBody>
+          <a:bodyPr lIns="0" rIns="0" tIns="0" bIns="0"/>
+          <a:p>
+            <a:endParaRPr/>
+          </a:p>
+        </p:txBody>
+      </p:sp>
+    </p:spTree>
+  </p:cSld>
+</p:sldLayout>
+</file>
+
+<file path=ppt/slideLayouts/slideLayout23.xml><?xml version="1.0" encoding="utf-8"?>
+<p:sldLayout xmlns:a="http://schemas.openxmlformats.org/drawingml/2006/main" xmlns:p="http://schemas.openxmlformats.org/presentationml/2006/main" xmlns:r="http://schemas.openxmlformats.org/officeDocument/2006/relationships" type="fourObj" preserve="1">
+  <p:cSld name="Title, 4 Content">
+    <p:spTree>
+      <p:nvGrpSpPr>
+        <p:cNvPr id="1" name=""/>
+        <p:cNvGrpSpPr/>
+        <p:nvPr/>
+      </p:nvGrpSpPr>
+      <p:grpSpPr>
+        <a:xfrm>
+          <a:off x="0" y="0"/>
+          <a:ext cx="0" cy="0"/>
+          <a:chOff x="0" y="0"/>
+          <a:chExt cx="0" cy="0"/>
+        </a:xfrm>
+      </p:grpSpPr>
+      <p:sp>
+        <p:nvSpPr>
+          <p:cNvPr id="62" name="PlaceHolder 1"/>
+          <p:cNvSpPr>
+            <a:spLocks noGrp="1"/>
+          </p:cNvSpPr>
+          <p:nvPr>
+            <p:ph type="title"/>
+          </p:nvPr>
+        </p:nvSpPr>
+        <p:spPr>
+          <a:xfrm>
+            <a:off x="504000" y="301320"/>
+            <a:ext cx="9071280" cy="1262520"/>
+          </a:xfrm>
+          <a:prstGeom prst="rect">
+            <a:avLst/>
+          </a:prstGeom>
+        </p:spPr>
+        <p:txBody>
+          <a:bodyPr lIns="0" rIns="0" tIns="0" bIns="0" anchor="ctr"/>
+          <a:p>
+            <a:pPr algn="ctr"/>
+            <a:endParaRPr/>
+          </a:p>
+        </p:txBody>
+      </p:sp>
+      <p:sp>
+        <p:nvSpPr>
+          <p:cNvPr id="63" name="PlaceHolder 2"/>
+          <p:cNvSpPr>
+            <a:spLocks noGrp="1"/>
+          </p:cNvSpPr>
+          <p:nvPr>
+            <p:ph type="body"/>
+          </p:nvPr>
+        </p:nvSpPr>
+        <p:spPr>
+          <a:xfrm>
+            <a:off x="504000" y="1769040"/>
+            <a:ext cx="4426560" cy="2090880"/>
+          </a:xfrm>
+          <a:prstGeom prst="rect">
+            <a:avLst/>
+          </a:prstGeom>
+        </p:spPr>
+        <p:txBody>
+          <a:bodyPr lIns="0" rIns="0" tIns="0" bIns="0"/>
+          <a:p>
+            <a:endParaRPr/>
+          </a:p>
+        </p:txBody>
+      </p:sp>
+      <p:sp>
+        <p:nvSpPr>
+          <p:cNvPr id="64" name="PlaceHolder 3"/>
+          <p:cNvSpPr>
+            <a:spLocks noGrp="1"/>
+          </p:cNvSpPr>
+          <p:nvPr>
+            <p:ph type="body"/>
+          </p:nvPr>
+        </p:nvSpPr>
+        <p:spPr>
+          <a:xfrm>
+            <a:off x="5152320" y="1769040"/>
+            <a:ext cx="4426560" cy="2090880"/>
+          </a:xfrm>
+          <a:prstGeom prst="rect">
+            <a:avLst/>
+          </a:prstGeom>
+        </p:spPr>
+        <p:txBody>
+          <a:bodyPr lIns="0" rIns="0" tIns="0" bIns="0"/>
+          <a:p>
+            <a:endParaRPr/>
+          </a:p>
+        </p:txBody>
+      </p:sp>
+      <p:sp>
+        <p:nvSpPr>
+          <p:cNvPr id="65" name="PlaceHolder 4"/>
+          <p:cNvSpPr>
+            <a:spLocks noGrp="1"/>
+          </p:cNvSpPr>
+          <p:nvPr>
+            <p:ph type="body"/>
+          </p:nvPr>
+        </p:nvSpPr>
+        <p:spPr>
+          <a:xfrm>
+            <a:off x="5152320" y="4059000"/>
+            <a:ext cx="4426560" cy="2090880"/>
+          </a:xfrm>
+          <a:prstGeom prst="rect">
+            <a:avLst/>
+          </a:prstGeom>
+        </p:spPr>
+        <p:txBody>
+          <a:bodyPr lIns="0" rIns="0" tIns="0" bIns="0"/>
+          <a:p>
+            <a:endParaRPr/>
+          </a:p>
+        </p:txBody>
+      </p:sp>
+      <p:sp>
+        <p:nvSpPr>
+          <p:cNvPr id="66" name="PlaceHolder 5"/>
+          <p:cNvSpPr>
+            <a:spLocks noGrp="1"/>
+          </p:cNvSpPr>
+          <p:nvPr>
+            <p:ph type="body"/>
+          </p:nvPr>
+        </p:nvSpPr>
+        <p:spPr>
+          <a:xfrm>
+            <a:off x="504000" y="4059000"/>
+            <a:ext cx="4426560" cy="2090880"/>
+          </a:xfrm>
+          <a:prstGeom prst="rect">
+            <a:avLst/>
+          </a:prstGeom>
+        </p:spPr>
+        <p:txBody>
+          <a:bodyPr lIns="0" rIns="0" tIns="0" bIns="0"/>
+          <a:p>
+            <a:endParaRPr/>
+          </a:p>
+        </p:txBody>
+      </p:sp>
+    </p:spTree>
+  </p:cSld>
+</p:sldLayout>
+</file>
+
+<file path=ppt/slideLayouts/slideLayout24.xml><?xml version="1.0" encoding="utf-8"?>
+<p:sldLayout xmlns:a="http://schemas.openxmlformats.org/drawingml/2006/main" xmlns:p="http://schemas.openxmlformats.org/presentationml/2006/main" xmlns:r="http://schemas.openxmlformats.org/officeDocument/2006/relationships" type="blank" preserve="1">
+  <p:cSld name="Title, 6 Content">
+    <p:spTree>
+      <p:nvGrpSpPr>
+        <p:cNvPr id="1" name=""/>
+        <p:cNvGrpSpPr/>
+        <p:nvPr/>
+      </p:nvGrpSpPr>
+      <p:grpSpPr>
+        <a:xfrm>
+          <a:off x="0" y="0"/>
+          <a:ext cx="0" cy="0"/>
+          <a:chOff x="0" y="0"/>
+          <a:chExt cx="0" cy="0"/>
+        </a:xfrm>
+      </p:grpSpPr>
+      <p:sp>
+        <p:nvSpPr>
+          <p:cNvPr id="67" name="PlaceHolder 1"/>
+          <p:cNvSpPr>
+            <a:spLocks noGrp="1"/>
+          </p:cNvSpPr>
+          <p:nvPr>
+            <p:ph type="title"/>
+          </p:nvPr>
+        </p:nvSpPr>
+        <p:spPr>
+          <a:xfrm>
+            <a:off x="504000" y="301320"/>
+            <a:ext cx="9071280" cy="1262520"/>
+          </a:xfrm>
+          <a:prstGeom prst="rect">
+            <a:avLst/>
+          </a:prstGeom>
+        </p:spPr>
+        <p:txBody>
+          <a:bodyPr lIns="0" rIns="0" tIns="0" bIns="0" anchor="ctr"/>
+          <a:p>
+            <a:pPr algn="ctr"/>
+            <a:endParaRPr/>
+          </a:p>
+        </p:txBody>
+      </p:sp>
+      <p:sp>
+        <p:nvSpPr>
+          <p:cNvPr id="68" name="PlaceHolder 2"/>
+          <p:cNvSpPr>
+            <a:spLocks noGrp="1"/>
+          </p:cNvSpPr>
+          <p:nvPr>
+            <p:ph type="body"/>
+          </p:nvPr>
+        </p:nvSpPr>
+        <p:spPr>
+          <a:xfrm>
+            <a:off x="504000" y="1769040"/>
+            <a:ext cx="9071280" cy="4384080"/>
+          </a:xfrm>
+          <a:prstGeom prst="rect">
+            <a:avLst/>
+          </a:prstGeom>
+        </p:spPr>
+        <p:txBody>
+          <a:bodyPr lIns="0" rIns="0" tIns="0" bIns="0"/>
+          <a:p>
+            <a:endParaRPr/>
+          </a:p>
+        </p:txBody>
+      </p:sp>
+      <p:sp>
+        <p:nvSpPr>
+          <p:cNvPr id="69" name="PlaceHolder 3"/>
+          <p:cNvSpPr>
+            <a:spLocks noGrp="1"/>
+          </p:cNvSpPr>
+          <p:nvPr>
+            <p:ph type="body"/>
+          </p:nvPr>
+        </p:nvSpPr>
+        <p:spPr>
+          <a:xfrm>
+            <a:off x="504000" y="1769040"/>
+            <a:ext cx="9071280" cy="4384080"/>
+          </a:xfrm>
+          <a:prstGeom prst="rect">
+            <a:avLst/>
+          </a:prstGeom>
+        </p:spPr>
+        <p:txBody>
+          <a:bodyPr lIns="0" rIns="0" tIns="0" bIns="0"/>
+          <a:p>
+            <a:endParaRPr/>
+          </a:p>
+        </p:txBody>
+      </p:sp>
+      <p:pic>
+        <p:nvPicPr>
+          <p:cNvPr id="70" name="" descr=""/>
+          <p:cNvPicPr/>
+          <p:nvPr/>
+        </p:nvPicPr>
+        <p:blipFill>
+          <a:blip r:embed="rId2"/>
+          <a:stretch>
+            <a:fillRect/>
+          </a:stretch>
+        </p:blipFill>
+        <p:spPr>
+          <a:xfrm>
+            <a:off x="2292120" y="1769040"/>
+            <a:ext cx="5494680" cy="4384080"/>
+          </a:xfrm>
+          <a:prstGeom prst="rect">
+            <a:avLst/>
+          </a:prstGeom>
+          <a:ln>
+            <a:noFill/>
+          </a:ln>
+        </p:spPr>
+      </p:pic>
+      <p:pic>
+        <p:nvPicPr>
+          <p:cNvPr id="71" name="" descr=""/>
+          <p:cNvPicPr/>
+          <p:nvPr/>
+        </p:nvPicPr>
+        <p:blipFill>
+          <a:blip r:embed="rId3"/>
+          <a:stretch>
+            <a:fillRect/>
+          </a:stretch>
+        </p:blipFill>
+        <p:spPr>
+          <a:xfrm>
+            <a:off x="2292120" y="1769040"/>
+            <a:ext cx="5494680" cy="4384080"/>
+          </a:xfrm>
+          <a:prstGeom prst="rect">
+            <a:avLst/>
+          </a:prstGeom>
+          <a:ln>
+            <a:noFill/>
+          </a:ln>
+        </p:spPr>
+      </p:pic>
+    </p:spTree>
+  </p:cSld>
+</p:sldLayout>
+</file>
+
+<file path=ppt/slideLayouts/slideLayout25.xml><?xml version="1.0" encoding="utf-8"?>
+<p:sldLayout xmlns:a="http://schemas.openxmlformats.org/drawingml/2006/main" xmlns:p="http://schemas.openxmlformats.org/presentationml/2006/main" xmlns:r="http://schemas.openxmlformats.org/officeDocument/2006/relationships" type="blank" preserve="1">
+  <p:cSld name="Blank Slide">
+    <p:spTree>
+      <p:nvGrpSpPr>
+        <p:cNvPr id="1" name=""/>
+        <p:cNvGrpSpPr/>
+        <p:nvPr/>
+      </p:nvGrpSpPr>
+      <p:grpSpPr>
+        <a:xfrm>
+          <a:off x="0" y="0"/>
+          <a:ext cx="0" cy="0"/>
+          <a:chOff x="0" y="0"/>
+          <a:chExt cx="0" cy="0"/>
+        </a:xfrm>
+      </p:grpSpPr>
+    </p:spTree>
+  </p:cSld>
+</p:sldLayout>
+</file>
+
+<file path=ppt/slideLayouts/slideLayout26.xml><?xml version="1.0" encoding="utf-8"?>
+<p:sldLayout xmlns:a="http://schemas.openxmlformats.org/drawingml/2006/main" xmlns:p="http://schemas.openxmlformats.org/presentationml/2006/main" xmlns:r="http://schemas.openxmlformats.org/officeDocument/2006/relationships" type="tx" preserve="1">
+  <p:cSld name="Title Slide">
+    <p:spTree>
+      <p:nvGrpSpPr>
+        <p:cNvPr id="1" name=""/>
+        <p:cNvGrpSpPr/>
+        <p:nvPr/>
+      </p:nvGrpSpPr>
+      <p:grpSpPr>
+        <a:xfrm>
+          <a:off x="0" y="0"/>
+          <a:ext cx="0" cy="0"/>
+          <a:chOff x="0" y="0"/>
+          <a:chExt cx="0" cy="0"/>
+        </a:xfrm>
+      </p:grpSpPr>
+      <p:sp>
+        <p:nvSpPr>
+          <p:cNvPr id="74" name="PlaceHolder 1"/>
+          <p:cNvSpPr>
+            <a:spLocks noGrp="1"/>
+          </p:cNvSpPr>
+          <p:nvPr>
+            <p:ph type="title"/>
+          </p:nvPr>
+        </p:nvSpPr>
+        <p:spPr>
+          <a:xfrm>
+            <a:off x="504000" y="301320"/>
+            <a:ext cx="9071280" cy="1262520"/>
+          </a:xfrm>
+          <a:prstGeom prst="rect">
+            <a:avLst/>
+          </a:prstGeom>
+        </p:spPr>
+        <p:txBody>
+          <a:bodyPr lIns="0" rIns="0" tIns="0" bIns="0" anchor="ctr"/>
+          <a:p>
+            <a:pPr algn="ctr"/>
+            <a:endParaRPr/>
+          </a:p>
+        </p:txBody>
+      </p:sp>
+      <p:sp>
+        <p:nvSpPr>
+          <p:cNvPr id="75" name="PlaceHolder 2"/>
+          <p:cNvSpPr>
+            <a:spLocks noGrp="1"/>
+          </p:cNvSpPr>
+          <p:nvPr>
+            <p:ph type="subTitle"/>
+          </p:nvPr>
+        </p:nvSpPr>
+        <p:spPr>
+          <a:xfrm>
+            <a:off x="504000" y="1769040"/>
+            <a:ext cx="9071280" cy="4384440"/>
+          </a:xfrm>
+          <a:prstGeom prst="rect">
+            <a:avLst/>
+          </a:prstGeom>
+        </p:spPr>
+        <p:txBody>
+          <a:bodyPr lIns="0" rIns="0" tIns="0" bIns="0" anchor="ctr"/>
+          <a:p>
+            <a:pPr algn="ctr"/>
+            <a:endParaRPr/>
+          </a:p>
+        </p:txBody>
+      </p:sp>
+    </p:spTree>
+  </p:cSld>
+</p:sldLayout>
+</file>
+
+<file path=ppt/slideLayouts/slideLayout27.xml><?xml version="1.0" encoding="utf-8"?>
+<p:sldLayout xmlns:a="http://schemas.openxmlformats.org/drawingml/2006/main" xmlns:p="http://schemas.openxmlformats.org/presentationml/2006/main" xmlns:r="http://schemas.openxmlformats.org/officeDocument/2006/relationships" type="obj" preserve="1">
+  <p:cSld name="Title, Content">
+    <p:spTree>
+      <p:nvGrpSpPr>
+        <p:cNvPr id="1" name=""/>
+        <p:cNvGrpSpPr/>
+        <p:nvPr/>
+      </p:nvGrpSpPr>
+      <p:grpSpPr>
+        <a:xfrm>
+          <a:off x="0" y="0"/>
+          <a:ext cx="0" cy="0"/>
+          <a:chOff x="0" y="0"/>
+          <a:chExt cx="0" cy="0"/>
+        </a:xfrm>
+      </p:grpSpPr>
+      <p:sp>
+        <p:nvSpPr>
+          <p:cNvPr id="76" name="PlaceHolder 1"/>
+          <p:cNvSpPr>
+            <a:spLocks noGrp="1"/>
+          </p:cNvSpPr>
+          <p:nvPr>
+            <p:ph type="title"/>
+          </p:nvPr>
+        </p:nvSpPr>
+        <p:spPr>
+          <a:xfrm>
+            <a:off x="504000" y="301320"/>
+            <a:ext cx="9071280" cy="1262520"/>
+          </a:xfrm>
+          <a:prstGeom prst="rect">
+            <a:avLst/>
+          </a:prstGeom>
+        </p:spPr>
+        <p:txBody>
+          <a:bodyPr lIns="0" rIns="0" tIns="0" bIns="0" anchor="ctr"/>
+          <a:p>
+            <a:pPr algn="ctr"/>
+            <a:endParaRPr/>
+          </a:p>
+        </p:txBody>
+      </p:sp>
+      <p:sp>
+        <p:nvSpPr>
+          <p:cNvPr id="77" name="PlaceHolder 2"/>
+          <p:cNvSpPr>
+            <a:spLocks noGrp="1"/>
+          </p:cNvSpPr>
+          <p:nvPr>
+            <p:ph type="body"/>
+          </p:nvPr>
+        </p:nvSpPr>
+        <p:spPr>
+          <a:xfrm>
+            <a:off x="504000" y="1769040"/>
+            <a:ext cx="9071280" cy="4384080"/>
+          </a:xfrm>
+          <a:prstGeom prst="rect">
+            <a:avLst/>
+          </a:prstGeom>
+        </p:spPr>
+        <p:txBody>
+          <a:bodyPr lIns="0" rIns="0" tIns="0" bIns="0"/>
+          <a:p>
+            <a:endParaRPr/>
+          </a:p>
+        </p:txBody>
+      </p:sp>
+    </p:spTree>
+  </p:cSld>
+</p:sldLayout>
+</file>
+
+<file path=ppt/slideLayouts/slideLayout28.xml><?xml version="1.0" encoding="utf-8"?>
+<p:sldLayout xmlns:a="http://schemas.openxmlformats.org/drawingml/2006/main" xmlns:p="http://schemas.openxmlformats.org/presentationml/2006/main" xmlns:r="http://schemas.openxmlformats.org/officeDocument/2006/relationships" type="twoObj" preserve="1">
+  <p:cSld name="Title, 2 Content">
+    <p:spTree>
+      <p:nvGrpSpPr>
+        <p:cNvPr id="1" name=""/>
+        <p:cNvGrpSpPr/>
+        <p:nvPr/>
+      </p:nvGrpSpPr>
+      <p:grpSpPr>
+        <a:xfrm>
+          <a:off x="0" y="0"/>
+          <a:ext cx="0" cy="0"/>
+          <a:chOff x="0" y="0"/>
+          <a:chExt cx="0" cy="0"/>
+        </a:xfrm>
+      </p:grpSpPr>
+      <p:sp>
+        <p:nvSpPr>
+          <p:cNvPr id="78" name="PlaceHolder 1"/>
+          <p:cNvSpPr>
+            <a:spLocks noGrp="1"/>
+          </p:cNvSpPr>
+          <p:nvPr>
+            <p:ph type="title"/>
+          </p:nvPr>
+        </p:nvSpPr>
+        <p:spPr>
+          <a:xfrm>
+            <a:off x="504000" y="301320"/>
+            <a:ext cx="9071280" cy="1262520"/>
+          </a:xfrm>
+          <a:prstGeom prst="rect">
+            <a:avLst/>
+          </a:prstGeom>
+        </p:spPr>
+        <p:txBody>
+          <a:bodyPr lIns="0" rIns="0" tIns="0" bIns="0" anchor="ctr"/>
+          <a:p>
+            <a:pPr algn="ctr"/>
+            <a:endParaRPr/>
+          </a:p>
+        </p:txBody>
+      </p:sp>
+      <p:sp>
+        <p:nvSpPr>
+          <p:cNvPr id="79" name="PlaceHolder 2"/>
+          <p:cNvSpPr>
+            <a:spLocks noGrp="1"/>
+          </p:cNvSpPr>
+          <p:nvPr>
+            <p:ph type="body"/>
+          </p:nvPr>
+        </p:nvSpPr>
+        <p:spPr>
+          <a:xfrm>
+            <a:off x="504000" y="1769040"/>
+            <a:ext cx="4426560" cy="4384080"/>
+          </a:xfrm>
+          <a:prstGeom prst="rect">
+            <a:avLst/>
+          </a:prstGeom>
+        </p:spPr>
+        <p:txBody>
+          <a:bodyPr lIns="0" rIns="0" tIns="0" bIns="0"/>
+          <a:p>
+            <a:endParaRPr/>
+          </a:p>
+        </p:txBody>
+      </p:sp>
+      <p:sp>
+        <p:nvSpPr>
+          <p:cNvPr id="80" name="PlaceHolder 3"/>
+          <p:cNvSpPr>
+            <a:spLocks noGrp="1"/>
+          </p:cNvSpPr>
+          <p:nvPr>
+            <p:ph type="body"/>
+          </p:nvPr>
+        </p:nvSpPr>
+        <p:spPr>
+          <a:xfrm>
+            <a:off x="5152320" y="1769040"/>
+            <a:ext cx="4426560" cy="4384080"/>
+          </a:xfrm>
+          <a:prstGeom prst="rect">
+            <a:avLst/>
+          </a:prstGeom>
+        </p:spPr>
+        <p:txBody>
+          <a:bodyPr lIns="0" rIns="0" tIns="0" bIns="0"/>
+          <a:p>
+            <a:endParaRPr/>
+          </a:p>
+        </p:txBody>
+      </p:sp>
+    </p:spTree>
+  </p:cSld>
+</p:sldLayout>
+</file>
+
+<file path=ppt/slideLayouts/slideLayout29.xml><?xml version="1.0" encoding="utf-8"?>
+<p:sldLayout xmlns:a="http://schemas.openxmlformats.org/drawingml/2006/main" xmlns:p="http://schemas.openxmlformats.org/presentationml/2006/main" xmlns:r="http://schemas.openxmlformats.org/officeDocument/2006/relationships" type="titleOnly" preserve="1">
+  <p:cSld name="Title Only">
+    <p:spTree>
+      <p:nvGrpSpPr>
+        <p:cNvPr id="1" name=""/>
+        <p:cNvGrpSpPr/>
+        <p:nvPr/>
+      </p:nvGrpSpPr>
+      <p:grpSpPr>
+        <a:xfrm>
+          <a:off x="0" y="0"/>
+          <a:ext cx="0" cy="0"/>
+          <a:chOff x="0" y="0"/>
+          <a:chExt cx="0" cy="0"/>
+        </a:xfrm>
+      </p:grpSpPr>
+      <p:sp>
+        <p:nvSpPr>
+          <p:cNvPr id="81" name="PlaceHolder 1"/>
+          <p:cNvSpPr>
+            <a:spLocks noGrp="1"/>
+          </p:cNvSpPr>
+          <p:nvPr>
+            <p:ph type="title"/>
+          </p:nvPr>
+        </p:nvSpPr>
+        <p:spPr>
+          <a:xfrm>
+            <a:off x="504000" y="301320"/>
+            <a:ext cx="9071280" cy="1262520"/>
           </a:xfrm>
           <a:prstGeom prst="rect">
             <a:avLst/>
@@ -1642,7 +3131,7 @@
       </p:grpSpPr>
       <p:sp>
         <p:nvSpPr>
-          <p:cNvPr id="7" name="PlaceHolder 1"/>
+          <p:cNvPr id="4" name="PlaceHolder 1"/>
           <p:cNvSpPr>
             <a:spLocks noGrp="1"/>
           </p:cNvSpPr>
@@ -1653,7 +3142,7 @@
         <p:spPr>
           <a:xfrm>
             <a:off x="504000" y="301320"/>
-            <a:ext cx="9071640" cy="1262520"/>
+            <a:ext cx="9071280" cy="1262520"/>
           </a:xfrm>
           <a:prstGeom prst="rect">
             <a:avLst/>
@@ -1669,7 +3158,7 @@
       </p:sp>
       <p:sp>
         <p:nvSpPr>
-          <p:cNvPr id="8" name="PlaceHolder 2"/>
+          <p:cNvPr id="5" name="PlaceHolder 2"/>
           <p:cNvSpPr>
             <a:spLocks noGrp="1"/>
           </p:cNvSpPr>
@@ -1680,7 +3169,7 @@
         <p:spPr>
           <a:xfrm>
             <a:off x="504000" y="1769040"/>
-            <a:ext cx="9071640" cy="4384440"/>
+            <a:ext cx="9071280" cy="4384080"/>
           </a:xfrm>
           <a:prstGeom prst="rect">
             <a:avLst/>
@@ -1693,6 +3182,841 @@
           </a:p>
         </p:txBody>
       </p:sp>
+    </p:spTree>
+  </p:cSld>
+</p:sldLayout>
+</file>
+
+<file path=ppt/slideLayouts/slideLayout30.xml><?xml version="1.0" encoding="utf-8"?>
+<p:sldLayout xmlns:a="http://schemas.openxmlformats.org/drawingml/2006/main" xmlns:p="http://schemas.openxmlformats.org/presentationml/2006/main" xmlns:r="http://schemas.openxmlformats.org/officeDocument/2006/relationships" type="objOnly" preserve="1">
+  <p:cSld name="Centered Text">
+    <p:spTree>
+      <p:nvGrpSpPr>
+        <p:cNvPr id="1" name=""/>
+        <p:cNvGrpSpPr/>
+        <p:nvPr/>
+      </p:nvGrpSpPr>
+      <p:grpSpPr>
+        <a:xfrm>
+          <a:off x="0" y="0"/>
+          <a:ext cx="0" cy="0"/>
+          <a:chOff x="0" y="0"/>
+          <a:chExt cx="0" cy="0"/>
+        </a:xfrm>
+      </p:grpSpPr>
+      <p:sp>
+        <p:nvSpPr>
+          <p:cNvPr id="82" name="PlaceHolder 1"/>
+          <p:cNvSpPr>
+            <a:spLocks noGrp="1"/>
+          </p:cNvSpPr>
+          <p:nvPr>
+            <p:ph type="subTitle"/>
+          </p:nvPr>
+        </p:nvSpPr>
+        <p:spPr>
+          <a:xfrm>
+            <a:off x="504000" y="301320"/>
+            <a:ext cx="9071280" cy="5852160"/>
+          </a:xfrm>
+          <a:prstGeom prst="rect">
+            <a:avLst/>
+          </a:prstGeom>
+        </p:spPr>
+        <p:txBody>
+          <a:bodyPr lIns="0" rIns="0" tIns="0" bIns="0" anchor="ctr"/>
+          <a:p>
+            <a:pPr algn="ctr"/>
+            <a:endParaRPr/>
+          </a:p>
+        </p:txBody>
+      </p:sp>
+    </p:spTree>
+  </p:cSld>
+</p:sldLayout>
+</file>
+
+<file path=ppt/slideLayouts/slideLayout31.xml><?xml version="1.0" encoding="utf-8"?>
+<p:sldLayout xmlns:a="http://schemas.openxmlformats.org/drawingml/2006/main" xmlns:p="http://schemas.openxmlformats.org/presentationml/2006/main" xmlns:r="http://schemas.openxmlformats.org/officeDocument/2006/relationships" type="twoObjAndObj" preserve="1">
+  <p:cSld name="Title, 2 Content and Content">
+    <p:spTree>
+      <p:nvGrpSpPr>
+        <p:cNvPr id="1" name=""/>
+        <p:cNvGrpSpPr/>
+        <p:nvPr/>
+      </p:nvGrpSpPr>
+      <p:grpSpPr>
+        <a:xfrm>
+          <a:off x="0" y="0"/>
+          <a:ext cx="0" cy="0"/>
+          <a:chOff x="0" y="0"/>
+          <a:chExt cx="0" cy="0"/>
+        </a:xfrm>
+      </p:grpSpPr>
+      <p:sp>
+        <p:nvSpPr>
+          <p:cNvPr id="83" name="PlaceHolder 1"/>
+          <p:cNvSpPr>
+            <a:spLocks noGrp="1"/>
+          </p:cNvSpPr>
+          <p:nvPr>
+            <p:ph type="title"/>
+          </p:nvPr>
+        </p:nvSpPr>
+        <p:spPr>
+          <a:xfrm>
+            <a:off x="504000" y="301320"/>
+            <a:ext cx="9071280" cy="1262520"/>
+          </a:xfrm>
+          <a:prstGeom prst="rect">
+            <a:avLst/>
+          </a:prstGeom>
+        </p:spPr>
+        <p:txBody>
+          <a:bodyPr lIns="0" rIns="0" tIns="0" bIns="0" anchor="ctr"/>
+          <a:p>
+            <a:pPr algn="ctr"/>
+            <a:endParaRPr/>
+          </a:p>
+        </p:txBody>
+      </p:sp>
+      <p:sp>
+        <p:nvSpPr>
+          <p:cNvPr id="84" name="PlaceHolder 2"/>
+          <p:cNvSpPr>
+            <a:spLocks noGrp="1"/>
+          </p:cNvSpPr>
+          <p:nvPr>
+            <p:ph type="body"/>
+          </p:nvPr>
+        </p:nvSpPr>
+        <p:spPr>
+          <a:xfrm>
+            <a:off x="504000" y="1769040"/>
+            <a:ext cx="4426560" cy="2090880"/>
+          </a:xfrm>
+          <a:prstGeom prst="rect">
+            <a:avLst/>
+          </a:prstGeom>
+        </p:spPr>
+        <p:txBody>
+          <a:bodyPr lIns="0" rIns="0" tIns="0" bIns="0"/>
+          <a:p>
+            <a:endParaRPr/>
+          </a:p>
+        </p:txBody>
+      </p:sp>
+      <p:sp>
+        <p:nvSpPr>
+          <p:cNvPr id="85" name="PlaceHolder 3"/>
+          <p:cNvSpPr>
+            <a:spLocks noGrp="1"/>
+          </p:cNvSpPr>
+          <p:nvPr>
+            <p:ph type="body"/>
+          </p:nvPr>
+        </p:nvSpPr>
+        <p:spPr>
+          <a:xfrm>
+            <a:off x="504000" y="4059000"/>
+            <a:ext cx="4426560" cy="2090880"/>
+          </a:xfrm>
+          <a:prstGeom prst="rect">
+            <a:avLst/>
+          </a:prstGeom>
+        </p:spPr>
+        <p:txBody>
+          <a:bodyPr lIns="0" rIns="0" tIns="0" bIns="0"/>
+          <a:p>
+            <a:endParaRPr/>
+          </a:p>
+        </p:txBody>
+      </p:sp>
+      <p:sp>
+        <p:nvSpPr>
+          <p:cNvPr id="86" name="PlaceHolder 4"/>
+          <p:cNvSpPr>
+            <a:spLocks noGrp="1"/>
+          </p:cNvSpPr>
+          <p:nvPr>
+            <p:ph type="body"/>
+          </p:nvPr>
+        </p:nvSpPr>
+        <p:spPr>
+          <a:xfrm>
+            <a:off x="5152320" y="1769040"/>
+            <a:ext cx="4426560" cy="4384080"/>
+          </a:xfrm>
+          <a:prstGeom prst="rect">
+            <a:avLst/>
+          </a:prstGeom>
+        </p:spPr>
+        <p:txBody>
+          <a:bodyPr lIns="0" rIns="0" tIns="0" bIns="0"/>
+          <a:p>
+            <a:endParaRPr/>
+          </a:p>
+        </p:txBody>
+      </p:sp>
+    </p:spTree>
+  </p:cSld>
+</p:sldLayout>
+</file>
+
+<file path=ppt/slideLayouts/slideLayout32.xml><?xml version="1.0" encoding="utf-8"?>
+<p:sldLayout xmlns:a="http://schemas.openxmlformats.org/drawingml/2006/main" xmlns:p="http://schemas.openxmlformats.org/presentationml/2006/main" xmlns:r="http://schemas.openxmlformats.org/officeDocument/2006/relationships" type="objAndTwoObj" preserve="1">
+  <p:cSld name="Title Content and 2 Content">
+    <p:spTree>
+      <p:nvGrpSpPr>
+        <p:cNvPr id="1" name=""/>
+        <p:cNvGrpSpPr/>
+        <p:nvPr/>
+      </p:nvGrpSpPr>
+      <p:grpSpPr>
+        <a:xfrm>
+          <a:off x="0" y="0"/>
+          <a:ext cx="0" cy="0"/>
+          <a:chOff x="0" y="0"/>
+          <a:chExt cx="0" cy="0"/>
+        </a:xfrm>
+      </p:grpSpPr>
+      <p:sp>
+        <p:nvSpPr>
+          <p:cNvPr id="87" name="PlaceHolder 1"/>
+          <p:cNvSpPr>
+            <a:spLocks noGrp="1"/>
+          </p:cNvSpPr>
+          <p:nvPr>
+            <p:ph type="title"/>
+          </p:nvPr>
+        </p:nvSpPr>
+        <p:spPr>
+          <a:xfrm>
+            <a:off x="504000" y="301320"/>
+            <a:ext cx="9071280" cy="1262520"/>
+          </a:xfrm>
+          <a:prstGeom prst="rect">
+            <a:avLst/>
+          </a:prstGeom>
+        </p:spPr>
+        <p:txBody>
+          <a:bodyPr lIns="0" rIns="0" tIns="0" bIns="0" anchor="ctr"/>
+          <a:p>
+            <a:pPr algn="ctr"/>
+            <a:endParaRPr/>
+          </a:p>
+        </p:txBody>
+      </p:sp>
+      <p:sp>
+        <p:nvSpPr>
+          <p:cNvPr id="88" name="PlaceHolder 2"/>
+          <p:cNvSpPr>
+            <a:spLocks noGrp="1"/>
+          </p:cNvSpPr>
+          <p:nvPr>
+            <p:ph type="body"/>
+          </p:nvPr>
+        </p:nvSpPr>
+        <p:spPr>
+          <a:xfrm>
+            <a:off x="504000" y="1769040"/>
+            <a:ext cx="4426560" cy="4384080"/>
+          </a:xfrm>
+          <a:prstGeom prst="rect">
+            <a:avLst/>
+          </a:prstGeom>
+        </p:spPr>
+        <p:txBody>
+          <a:bodyPr lIns="0" rIns="0" tIns="0" bIns="0"/>
+          <a:p>
+            <a:endParaRPr/>
+          </a:p>
+        </p:txBody>
+      </p:sp>
+      <p:sp>
+        <p:nvSpPr>
+          <p:cNvPr id="89" name="PlaceHolder 3"/>
+          <p:cNvSpPr>
+            <a:spLocks noGrp="1"/>
+          </p:cNvSpPr>
+          <p:nvPr>
+            <p:ph type="body"/>
+          </p:nvPr>
+        </p:nvSpPr>
+        <p:spPr>
+          <a:xfrm>
+            <a:off x="5152320" y="1769040"/>
+            <a:ext cx="4426560" cy="2090880"/>
+          </a:xfrm>
+          <a:prstGeom prst="rect">
+            <a:avLst/>
+          </a:prstGeom>
+        </p:spPr>
+        <p:txBody>
+          <a:bodyPr lIns="0" rIns="0" tIns="0" bIns="0"/>
+          <a:p>
+            <a:endParaRPr/>
+          </a:p>
+        </p:txBody>
+      </p:sp>
+      <p:sp>
+        <p:nvSpPr>
+          <p:cNvPr id="90" name="PlaceHolder 4"/>
+          <p:cNvSpPr>
+            <a:spLocks noGrp="1"/>
+          </p:cNvSpPr>
+          <p:nvPr>
+            <p:ph type="body"/>
+          </p:nvPr>
+        </p:nvSpPr>
+        <p:spPr>
+          <a:xfrm>
+            <a:off x="5152320" y="4059000"/>
+            <a:ext cx="4426560" cy="2090880"/>
+          </a:xfrm>
+          <a:prstGeom prst="rect">
+            <a:avLst/>
+          </a:prstGeom>
+        </p:spPr>
+        <p:txBody>
+          <a:bodyPr lIns="0" rIns="0" tIns="0" bIns="0"/>
+          <a:p>
+            <a:endParaRPr/>
+          </a:p>
+        </p:txBody>
+      </p:sp>
+    </p:spTree>
+  </p:cSld>
+</p:sldLayout>
+</file>
+
+<file path=ppt/slideLayouts/slideLayout33.xml><?xml version="1.0" encoding="utf-8"?>
+<p:sldLayout xmlns:a="http://schemas.openxmlformats.org/drawingml/2006/main" xmlns:p="http://schemas.openxmlformats.org/presentationml/2006/main" xmlns:r="http://schemas.openxmlformats.org/officeDocument/2006/relationships" type="twoObjOverTx" preserve="1">
+  <p:cSld name="Title, 2 Content over Content">
+    <p:spTree>
+      <p:nvGrpSpPr>
+        <p:cNvPr id="1" name=""/>
+        <p:cNvGrpSpPr/>
+        <p:nvPr/>
+      </p:nvGrpSpPr>
+      <p:grpSpPr>
+        <a:xfrm>
+          <a:off x="0" y="0"/>
+          <a:ext cx="0" cy="0"/>
+          <a:chOff x="0" y="0"/>
+          <a:chExt cx="0" cy="0"/>
+        </a:xfrm>
+      </p:grpSpPr>
+      <p:sp>
+        <p:nvSpPr>
+          <p:cNvPr id="91" name="PlaceHolder 1"/>
+          <p:cNvSpPr>
+            <a:spLocks noGrp="1"/>
+          </p:cNvSpPr>
+          <p:nvPr>
+            <p:ph type="title"/>
+          </p:nvPr>
+        </p:nvSpPr>
+        <p:spPr>
+          <a:xfrm>
+            <a:off x="504000" y="301320"/>
+            <a:ext cx="9071280" cy="1262520"/>
+          </a:xfrm>
+          <a:prstGeom prst="rect">
+            <a:avLst/>
+          </a:prstGeom>
+        </p:spPr>
+        <p:txBody>
+          <a:bodyPr lIns="0" rIns="0" tIns="0" bIns="0" anchor="ctr"/>
+          <a:p>
+            <a:pPr algn="ctr"/>
+            <a:endParaRPr/>
+          </a:p>
+        </p:txBody>
+      </p:sp>
+      <p:sp>
+        <p:nvSpPr>
+          <p:cNvPr id="92" name="PlaceHolder 2"/>
+          <p:cNvSpPr>
+            <a:spLocks noGrp="1"/>
+          </p:cNvSpPr>
+          <p:nvPr>
+            <p:ph type="body"/>
+          </p:nvPr>
+        </p:nvSpPr>
+        <p:spPr>
+          <a:xfrm>
+            <a:off x="504000" y="1769040"/>
+            <a:ext cx="4426560" cy="2090880"/>
+          </a:xfrm>
+          <a:prstGeom prst="rect">
+            <a:avLst/>
+          </a:prstGeom>
+        </p:spPr>
+        <p:txBody>
+          <a:bodyPr lIns="0" rIns="0" tIns="0" bIns="0"/>
+          <a:p>
+            <a:endParaRPr/>
+          </a:p>
+        </p:txBody>
+      </p:sp>
+      <p:sp>
+        <p:nvSpPr>
+          <p:cNvPr id="93" name="PlaceHolder 3"/>
+          <p:cNvSpPr>
+            <a:spLocks noGrp="1"/>
+          </p:cNvSpPr>
+          <p:nvPr>
+            <p:ph type="body"/>
+          </p:nvPr>
+        </p:nvSpPr>
+        <p:spPr>
+          <a:xfrm>
+            <a:off x="5152320" y="1769040"/>
+            <a:ext cx="4426560" cy="2090880"/>
+          </a:xfrm>
+          <a:prstGeom prst="rect">
+            <a:avLst/>
+          </a:prstGeom>
+        </p:spPr>
+        <p:txBody>
+          <a:bodyPr lIns="0" rIns="0" tIns="0" bIns="0"/>
+          <a:p>
+            <a:endParaRPr/>
+          </a:p>
+        </p:txBody>
+      </p:sp>
+      <p:sp>
+        <p:nvSpPr>
+          <p:cNvPr id="94" name="PlaceHolder 4"/>
+          <p:cNvSpPr>
+            <a:spLocks noGrp="1"/>
+          </p:cNvSpPr>
+          <p:nvPr>
+            <p:ph type="body"/>
+          </p:nvPr>
+        </p:nvSpPr>
+        <p:spPr>
+          <a:xfrm>
+            <a:off x="504000" y="4059000"/>
+            <a:ext cx="9071280" cy="2090880"/>
+          </a:xfrm>
+          <a:prstGeom prst="rect">
+            <a:avLst/>
+          </a:prstGeom>
+        </p:spPr>
+        <p:txBody>
+          <a:bodyPr lIns="0" rIns="0" tIns="0" bIns="0"/>
+          <a:p>
+            <a:endParaRPr/>
+          </a:p>
+        </p:txBody>
+      </p:sp>
+    </p:spTree>
+  </p:cSld>
+</p:sldLayout>
+</file>
+
+<file path=ppt/slideLayouts/slideLayout34.xml><?xml version="1.0" encoding="utf-8"?>
+<p:sldLayout xmlns:a="http://schemas.openxmlformats.org/drawingml/2006/main" xmlns:p="http://schemas.openxmlformats.org/presentationml/2006/main" xmlns:r="http://schemas.openxmlformats.org/officeDocument/2006/relationships" type="objOverTx" preserve="1">
+  <p:cSld name="Title, Content over Content">
+    <p:spTree>
+      <p:nvGrpSpPr>
+        <p:cNvPr id="1" name=""/>
+        <p:cNvGrpSpPr/>
+        <p:nvPr/>
+      </p:nvGrpSpPr>
+      <p:grpSpPr>
+        <a:xfrm>
+          <a:off x="0" y="0"/>
+          <a:ext cx="0" cy="0"/>
+          <a:chOff x="0" y="0"/>
+          <a:chExt cx="0" cy="0"/>
+        </a:xfrm>
+      </p:grpSpPr>
+      <p:sp>
+        <p:nvSpPr>
+          <p:cNvPr id="95" name="PlaceHolder 1"/>
+          <p:cNvSpPr>
+            <a:spLocks noGrp="1"/>
+          </p:cNvSpPr>
+          <p:nvPr>
+            <p:ph type="title"/>
+          </p:nvPr>
+        </p:nvSpPr>
+        <p:spPr>
+          <a:xfrm>
+            <a:off x="504000" y="301320"/>
+            <a:ext cx="9071280" cy="1262520"/>
+          </a:xfrm>
+          <a:prstGeom prst="rect">
+            <a:avLst/>
+          </a:prstGeom>
+        </p:spPr>
+        <p:txBody>
+          <a:bodyPr lIns="0" rIns="0" tIns="0" bIns="0" anchor="ctr"/>
+          <a:p>
+            <a:pPr algn="ctr"/>
+            <a:endParaRPr/>
+          </a:p>
+        </p:txBody>
+      </p:sp>
+      <p:sp>
+        <p:nvSpPr>
+          <p:cNvPr id="96" name="PlaceHolder 2"/>
+          <p:cNvSpPr>
+            <a:spLocks noGrp="1"/>
+          </p:cNvSpPr>
+          <p:nvPr>
+            <p:ph type="body"/>
+          </p:nvPr>
+        </p:nvSpPr>
+        <p:spPr>
+          <a:xfrm>
+            <a:off x="504000" y="1769040"/>
+            <a:ext cx="9071280" cy="2090880"/>
+          </a:xfrm>
+          <a:prstGeom prst="rect">
+            <a:avLst/>
+          </a:prstGeom>
+        </p:spPr>
+        <p:txBody>
+          <a:bodyPr lIns="0" rIns="0" tIns="0" bIns="0"/>
+          <a:p>
+            <a:endParaRPr/>
+          </a:p>
+        </p:txBody>
+      </p:sp>
+      <p:sp>
+        <p:nvSpPr>
+          <p:cNvPr id="97" name="PlaceHolder 3"/>
+          <p:cNvSpPr>
+            <a:spLocks noGrp="1"/>
+          </p:cNvSpPr>
+          <p:nvPr>
+            <p:ph type="body"/>
+          </p:nvPr>
+        </p:nvSpPr>
+        <p:spPr>
+          <a:xfrm>
+            <a:off x="504000" y="4059000"/>
+            <a:ext cx="9071280" cy="2090880"/>
+          </a:xfrm>
+          <a:prstGeom prst="rect">
+            <a:avLst/>
+          </a:prstGeom>
+        </p:spPr>
+        <p:txBody>
+          <a:bodyPr lIns="0" rIns="0" tIns="0" bIns="0"/>
+          <a:p>
+            <a:endParaRPr/>
+          </a:p>
+        </p:txBody>
+      </p:sp>
+    </p:spTree>
+  </p:cSld>
+</p:sldLayout>
+</file>
+
+<file path=ppt/slideLayouts/slideLayout35.xml><?xml version="1.0" encoding="utf-8"?>
+<p:sldLayout xmlns:a="http://schemas.openxmlformats.org/drawingml/2006/main" xmlns:p="http://schemas.openxmlformats.org/presentationml/2006/main" xmlns:r="http://schemas.openxmlformats.org/officeDocument/2006/relationships" type="fourObj" preserve="1">
+  <p:cSld name="Title, 4 Content">
+    <p:spTree>
+      <p:nvGrpSpPr>
+        <p:cNvPr id="1" name=""/>
+        <p:cNvGrpSpPr/>
+        <p:nvPr/>
+      </p:nvGrpSpPr>
+      <p:grpSpPr>
+        <a:xfrm>
+          <a:off x="0" y="0"/>
+          <a:ext cx="0" cy="0"/>
+          <a:chOff x="0" y="0"/>
+          <a:chExt cx="0" cy="0"/>
+        </a:xfrm>
+      </p:grpSpPr>
+      <p:sp>
+        <p:nvSpPr>
+          <p:cNvPr id="98" name="PlaceHolder 1"/>
+          <p:cNvSpPr>
+            <a:spLocks noGrp="1"/>
+          </p:cNvSpPr>
+          <p:nvPr>
+            <p:ph type="title"/>
+          </p:nvPr>
+        </p:nvSpPr>
+        <p:spPr>
+          <a:xfrm>
+            <a:off x="504000" y="301320"/>
+            <a:ext cx="9071280" cy="1262520"/>
+          </a:xfrm>
+          <a:prstGeom prst="rect">
+            <a:avLst/>
+          </a:prstGeom>
+        </p:spPr>
+        <p:txBody>
+          <a:bodyPr lIns="0" rIns="0" tIns="0" bIns="0" anchor="ctr"/>
+          <a:p>
+            <a:pPr algn="ctr"/>
+            <a:endParaRPr/>
+          </a:p>
+        </p:txBody>
+      </p:sp>
+      <p:sp>
+        <p:nvSpPr>
+          <p:cNvPr id="99" name="PlaceHolder 2"/>
+          <p:cNvSpPr>
+            <a:spLocks noGrp="1"/>
+          </p:cNvSpPr>
+          <p:nvPr>
+            <p:ph type="body"/>
+          </p:nvPr>
+        </p:nvSpPr>
+        <p:spPr>
+          <a:xfrm>
+            <a:off x="504000" y="1769040"/>
+            <a:ext cx="4426560" cy="2090880"/>
+          </a:xfrm>
+          <a:prstGeom prst="rect">
+            <a:avLst/>
+          </a:prstGeom>
+        </p:spPr>
+        <p:txBody>
+          <a:bodyPr lIns="0" rIns="0" tIns="0" bIns="0"/>
+          <a:p>
+            <a:endParaRPr/>
+          </a:p>
+        </p:txBody>
+      </p:sp>
+      <p:sp>
+        <p:nvSpPr>
+          <p:cNvPr id="100" name="PlaceHolder 3"/>
+          <p:cNvSpPr>
+            <a:spLocks noGrp="1"/>
+          </p:cNvSpPr>
+          <p:nvPr>
+            <p:ph type="body"/>
+          </p:nvPr>
+        </p:nvSpPr>
+        <p:spPr>
+          <a:xfrm>
+            <a:off x="5152320" y="1769040"/>
+            <a:ext cx="4426560" cy="2090880"/>
+          </a:xfrm>
+          <a:prstGeom prst="rect">
+            <a:avLst/>
+          </a:prstGeom>
+        </p:spPr>
+        <p:txBody>
+          <a:bodyPr lIns="0" rIns="0" tIns="0" bIns="0"/>
+          <a:p>
+            <a:endParaRPr/>
+          </a:p>
+        </p:txBody>
+      </p:sp>
+      <p:sp>
+        <p:nvSpPr>
+          <p:cNvPr id="101" name="PlaceHolder 4"/>
+          <p:cNvSpPr>
+            <a:spLocks noGrp="1"/>
+          </p:cNvSpPr>
+          <p:nvPr>
+            <p:ph type="body"/>
+          </p:nvPr>
+        </p:nvSpPr>
+        <p:spPr>
+          <a:xfrm>
+            <a:off x="5152320" y="4059000"/>
+            <a:ext cx="4426560" cy="2090880"/>
+          </a:xfrm>
+          <a:prstGeom prst="rect">
+            <a:avLst/>
+          </a:prstGeom>
+        </p:spPr>
+        <p:txBody>
+          <a:bodyPr lIns="0" rIns="0" tIns="0" bIns="0"/>
+          <a:p>
+            <a:endParaRPr/>
+          </a:p>
+        </p:txBody>
+      </p:sp>
+      <p:sp>
+        <p:nvSpPr>
+          <p:cNvPr id="102" name="PlaceHolder 5"/>
+          <p:cNvSpPr>
+            <a:spLocks noGrp="1"/>
+          </p:cNvSpPr>
+          <p:nvPr>
+            <p:ph type="body"/>
+          </p:nvPr>
+        </p:nvSpPr>
+        <p:spPr>
+          <a:xfrm>
+            <a:off x="504000" y="4059000"/>
+            <a:ext cx="4426560" cy="2090880"/>
+          </a:xfrm>
+          <a:prstGeom prst="rect">
+            <a:avLst/>
+          </a:prstGeom>
+        </p:spPr>
+        <p:txBody>
+          <a:bodyPr lIns="0" rIns="0" tIns="0" bIns="0"/>
+          <a:p>
+            <a:endParaRPr/>
+          </a:p>
+        </p:txBody>
+      </p:sp>
+    </p:spTree>
+  </p:cSld>
+</p:sldLayout>
+</file>
+
+<file path=ppt/slideLayouts/slideLayout36.xml><?xml version="1.0" encoding="utf-8"?>
+<p:sldLayout xmlns:a="http://schemas.openxmlformats.org/drawingml/2006/main" xmlns:p="http://schemas.openxmlformats.org/presentationml/2006/main" xmlns:r="http://schemas.openxmlformats.org/officeDocument/2006/relationships" type="blank" preserve="1">
+  <p:cSld name="Title, 6 Content">
+    <p:spTree>
+      <p:nvGrpSpPr>
+        <p:cNvPr id="1" name=""/>
+        <p:cNvGrpSpPr/>
+        <p:nvPr/>
+      </p:nvGrpSpPr>
+      <p:grpSpPr>
+        <a:xfrm>
+          <a:off x="0" y="0"/>
+          <a:ext cx="0" cy="0"/>
+          <a:chOff x="0" y="0"/>
+          <a:chExt cx="0" cy="0"/>
+        </a:xfrm>
+      </p:grpSpPr>
+      <p:sp>
+        <p:nvSpPr>
+          <p:cNvPr id="103" name="PlaceHolder 1"/>
+          <p:cNvSpPr>
+            <a:spLocks noGrp="1"/>
+          </p:cNvSpPr>
+          <p:nvPr>
+            <p:ph type="title"/>
+          </p:nvPr>
+        </p:nvSpPr>
+        <p:spPr>
+          <a:xfrm>
+            <a:off x="504000" y="301320"/>
+            <a:ext cx="9071280" cy="1262520"/>
+          </a:xfrm>
+          <a:prstGeom prst="rect">
+            <a:avLst/>
+          </a:prstGeom>
+        </p:spPr>
+        <p:txBody>
+          <a:bodyPr lIns="0" rIns="0" tIns="0" bIns="0" anchor="ctr"/>
+          <a:p>
+            <a:pPr algn="ctr"/>
+            <a:endParaRPr/>
+          </a:p>
+        </p:txBody>
+      </p:sp>
+      <p:sp>
+        <p:nvSpPr>
+          <p:cNvPr id="104" name="PlaceHolder 2"/>
+          <p:cNvSpPr>
+            <a:spLocks noGrp="1"/>
+          </p:cNvSpPr>
+          <p:nvPr>
+            <p:ph type="body"/>
+          </p:nvPr>
+        </p:nvSpPr>
+        <p:spPr>
+          <a:xfrm>
+            <a:off x="504000" y="1769040"/>
+            <a:ext cx="9071280" cy="4384080"/>
+          </a:xfrm>
+          <a:prstGeom prst="rect">
+            <a:avLst/>
+          </a:prstGeom>
+        </p:spPr>
+        <p:txBody>
+          <a:bodyPr lIns="0" rIns="0" tIns="0" bIns="0"/>
+          <a:p>
+            <a:endParaRPr/>
+          </a:p>
+        </p:txBody>
+      </p:sp>
+      <p:sp>
+        <p:nvSpPr>
+          <p:cNvPr id="105" name="PlaceHolder 3"/>
+          <p:cNvSpPr>
+            <a:spLocks noGrp="1"/>
+          </p:cNvSpPr>
+          <p:nvPr>
+            <p:ph type="body"/>
+          </p:nvPr>
+        </p:nvSpPr>
+        <p:spPr>
+          <a:xfrm>
+            <a:off x="504000" y="1769040"/>
+            <a:ext cx="9071280" cy="4384080"/>
+          </a:xfrm>
+          <a:prstGeom prst="rect">
+            <a:avLst/>
+          </a:prstGeom>
+        </p:spPr>
+        <p:txBody>
+          <a:bodyPr lIns="0" rIns="0" tIns="0" bIns="0"/>
+          <a:p>
+            <a:endParaRPr/>
+          </a:p>
+        </p:txBody>
+      </p:sp>
+      <p:pic>
+        <p:nvPicPr>
+          <p:cNvPr id="106" name="" descr=""/>
+          <p:cNvPicPr/>
+          <p:nvPr/>
+        </p:nvPicPr>
+        <p:blipFill>
+          <a:blip r:embed="rId2"/>
+          <a:stretch>
+            <a:fillRect/>
+          </a:stretch>
+        </p:blipFill>
+        <p:spPr>
+          <a:xfrm>
+            <a:off x="2292120" y="1769040"/>
+            <a:ext cx="5494680" cy="4384080"/>
+          </a:xfrm>
+          <a:prstGeom prst="rect">
+            <a:avLst/>
+          </a:prstGeom>
+          <a:ln>
+            <a:noFill/>
+          </a:ln>
+        </p:spPr>
+      </p:pic>
+      <p:pic>
+        <p:nvPicPr>
+          <p:cNvPr id="107" name="" descr=""/>
+          <p:cNvPicPr/>
+          <p:nvPr/>
+        </p:nvPicPr>
+        <p:blipFill>
+          <a:blip r:embed="rId3"/>
+          <a:stretch>
+            <a:fillRect/>
+          </a:stretch>
+        </p:blipFill>
+        <p:spPr>
+          <a:xfrm>
+            <a:off x="2292120" y="1769040"/>
+            <a:ext cx="5494680" cy="4384080"/>
+          </a:xfrm>
+          <a:prstGeom prst="rect">
+            <a:avLst/>
+          </a:prstGeom>
+          <a:ln>
+            <a:noFill/>
+          </a:ln>
+        </p:spPr>
+      </p:pic>
     </p:spTree>
   </p:cSld>
 </p:sldLayout>
@@ -1717,7 +4041,7 @@
       </p:grpSpPr>
       <p:sp>
         <p:nvSpPr>
-          <p:cNvPr id="9" name="PlaceHolder 1"/>
+          <p:cNvPr id="6" name="PlaceHolder 1"/>
           <p:cNvSpPr>
             <a:spLocks noGrp="1"/>
           </p:cNvSpPr>
@@ -1728,7 +4052,7 @@
         <p:spPr>
           <a:xfrm>
             <a:off x="504000" y="301320"/>
-            <a:ext cx="9071640" cy="1262520"/>
+            <a:ext cx="9071280" cy="1262520"/>
           </a:xfrm>
           <a:prstGeom prst="rect">
             <a:avLst/>
@@ -1744,7 +4068,7 @@
       </p:sp>
       <p:sp>
         <p:nvSpPr>
-          <p:cNvPr id="10" name="PlaceHolder 2"/>
+          <p:cNvPr id="7" name="PlaceHolder 2"/>
           <p:cNvSpPr>
             <a:spLocks noGrp="1"/>
           </p:cNvSpPr>
@@ -1755,7 +4079,7 @@
         <p:spPr>
           <a:xfrm>
             <a:off x="504000" y="1769040"/>
-            <a:ext cx="4426920" cy="4384440"/>
+            <a:ext cx="4426560" cy="4384080"/>
           </a:xfrm>
           <a:prstGeom prst="rect">
             <a:avLst/>
@@ -1770,7 +4094,7 @@
       </p:sp>
       <p:sp>
         <p:nvSpPr>
-          <p:cNvPr id="11" name="PlaceHolder 3"/>
+          <p:cNvPr id="8" name="PlaceHolder 3"/>
           <p:cNvSpPr>
             <a:spLocks noGrp="1"/>
           </p:cNvSpPr>
@@ -1780,8 +4104,8 @@
         </p:nvSpPr>
         <p:spPr>
           <a:xfrm>
-            <a:off x="5152680" y="1769040"/>
-            <a:ext cx="4426920" cy="4384440"/>
+            <a:off x="5152320" y="1769040"/>
+            <a:ext cx="4426560" cy="4384080"/>
           </a:xfrm>
           <a:prstGeom prst="rect">
             <a:avLst/>
@@ -1818,7 +4142,7 @@
       </p:grpSpPr>
       <p:sp>
         <p:nvSpPr>
-          <p:cNvPr id="12" name="PlaceHolder 1"/>
+          <p:cNvPr id="9" name="PlaceHolder 1"/>
           <p:cNvSpPr>
             <a:spLocks noGrp="1"/>
           </p:cNvSpPr>
@@ -1829,7 +4153,7 @@
         <p:spPr>
           <a:xfrm>
             <a:off x="504000" y="301320"/>
-            <a:ext cx="9071640" cy="1262520"/>
+            <a:ext cx="9071280" cy="1262520"/>
           </a:xfrm>
           <a:prstGeom prst="rect">
             <a:avLst/>
@@ -1867,7 +4191,7 @@
       </p:grpSpPr>
       <p:sp>
         <p:nvSpPr>
-          <p:cNvPr id="13" name="PlaceHolder 1"/>
+          <p:cNvPr id="10" name="PlaceHolder 1"/>
           <p:cNvSpPr>
             <a:spLocks noGrp="1"/>
           </p:cNvSpPr>
@@ -1878,7 +4202,7 @@
         <p:spPr>
           <a:xfrm>
             <a:off x="504000" y="301320"/>
-            <a:ext cx="9071640" cy="5852160"/>
+            <a:ext cx="9071280" cy="5852160"/>
           </a:xfrm>
           <a:prstGeom prst="rect">
             <a:avLst/>
@@ -1916,7 +4240,7 @@
       </p:grpSpPr>
       <p:sp>
         <p:nvSpPr>
-          <p:cNvPr id="14" name="PlaceHolder 1"/>
+          <p:cNvPr id="11" name="PlaceHolder 1"/>
           <p:cNvSpPr>
             <a:spLocks noGrp="1"/>
           </p:cNvSpPr>
@@ -1927,7 +4251,7 @@
         <p:spPr>
           <a:xfrm>
             <a:off x="504000" y="301320"/>
-            <a:ext cx="9071640" cy="1262520"/>
+            <a:ext cx="9071280" cy="1262520"/>
           </a:xfrm>
           <a:prstGeom prst="rect">
             <a:avLst/>
@@ -1943,7 +4267,7 @@
       </p:sp>
       <p:sp>
         <p:nvSpPr>
-          <p:cNvPr id="15" name="PlaceHolder 2"/>
+          <p:cNvPr id="12" name="PlaceHolder 2"/>
           <p:cNvSpPr>
             <a:spLocks noGrp="1"/>
           </p:cNvSpPr>
@@ -1954,7 +4278,7 @@
         <p:spPr>
           <a:xfrm>
             <a:off x="504000" y="1769040"/>
-            <a:ext cx="4426920" cy="2091240"/>
+            <a:ext cx="4426560" cy="2090880"/>
           </a:xfrm>
           <a:prstGeom prst="rect">
             <a:avLst/>
@@ -1969,7 +4293,7 @@
       </p:sp>
       <p:sp>
         <p:nvSpPr>
-          <p:cNvPr id="16" name="PlaceHolder 3"/>
+          <p:cNvPr id="13" name="PlaceHolder 3"/>
           <p:cNvSpPr>
             <a:spLocks noGrp="1"/>
           </p:cNvSpPr>
@@ -1979,8 +4303,8 @@
         </p:nvSpPr>
         <p:spPr>
           <a:xfrm>
-            <a:off x="504000" y="4059360"/>
-            <a:ext cx="4426920" cy="2091240"/>
+            <a:off x="504000" y="4059000"/>
+            <a:ext cx="4426560" cy="2090880"/>
           </a:xfrm>
           <a:prstGeom prst="rect">
             <a:avLst/>
@@ -1995,7 +4319,7 @@
       </p:sp>
       <p:sp>
         <p:nvSpPr>
-          <p:cNvPr id="17" name="PlaceHolder 4"/>
+          <p:cNvPr id="14" name="PlaceHolder 4"/>
           <p:cNvSpPr>
             <a:spLocks noGrp="1"/>
           </p:cNvSpPr>
@@ -2005,8 +4329,8 @@
         </p:nvSpPr>
         <p:spPr>
           <a:xfrm>
-            <a:off x="5152680" y="1769040"/>
-            <a:ext cx="4426920" cy="4384440"/>
+            <a:off x="5152320" y="1769040"/>
+            <a:ext cx="4426560" cy="4384080"/>
           </a:xfrm>
           <a:prstGeom prst="rect">
             <a:avLst/>
@@ -2043,7 +4367,7 @@
       </p:grpSpPr>
       <p:sp>
         <p:nvSpPr>
-          <p:cNvPr id="18" name="PlaceHolder 1"/>
+          <p:cNvPr id="15" name="PlaceHolder 1"/>
           <p:cNvSpPr>
             <a:spLocks noGrp="1"/>
           </p:cNvSpPr>
@@ -2054,7 +4378,7 @@
         <p:spPr>
           <a:xfrm>
             <a:off x="504000" y="301320"/>
-            <a:ext cx="9071640" cy="1262520"/>
+            <a:ext cx="9071280" cy="1262520"/>
           </a:xfrm>
           <a:prstGeom prst="rect">
             <a:avLst/>
@@ -2070,7 +4394,7 @@
       </p:sp>
       <p:sp>
         <p:nvSpPr>
-          <p:cNvPr id="19" name="PlaceHolder 2"/>
+          <p:cNvPr id="16" name="PlaceHolder 2"/>
           <p:cNvSpPr>
             <a:spLocks noGrp="1"/>
           </p:cNvSpPr>
@@ -2081,7 +4405,7 @@
         <p:spPr>
           <a:xfrm>
             <a:off x="504000" y="1769040"/>
-            <a:ext cx="4426920" cy="4384440"/>
+            <a:ext cx="4426560" cy="4384080"/>
           </a:xfrm>
           <a:prstGeom prst="rect">
             <a:avLst/>
@@ -2096,7 +4420,7 @@
       </p:sp>
       <p:sp>
         <p:nvSpPr>
-          <p:cNvPr id="20" name="PlaceHolder 3"/>
+          <p:cNvPr id="17" name="PlaceHolder 3"/>
           <p:cNvSpPr>
             <a:spLocks noGrp="1"/>
           </p:cNvSpPr>
@@ -2106,8 +4430,8 @@
         </p:nvSpPr>
         <p:spPr>
           <a:xfrm>
-            <a:off x="5152680" y="1769040"/>
-            <a:ext cx="4426920" cy="2091240"/>
+            <a:off x="5152320" y="1769040"/>
+            <a:ext cx="4426560" cy="2090880"/>
           </a:xfrm>
           <a:prstGeom prst="rect">
             <a:avLst/>
@@ -2122,7 +4446,7 @@
       </p:sp>
       <p:sp>
         <p:nvSpPr>
-          <p:cNvPr id="21" name="PlaceHolder 4"/>
+          <p:cNvPr id="18" name="PlaceHolder 4"/>
           <p:cNvSpPr>
             <a:spLocks noGrp="1"/>
           </p:cNvSpPr>
@@ -2132,8 +4456,8 @@
         </p:nvSpPr>
         <p:spPr>
           <a:xfrm>
-            <a:off x="5152680" y="4059360"/>
-            <a:ext cx="4426920" cy="2091240"/>
+            <a:off x="5152320" y="4059000"/>
+            <a:ext cx="4426560" cy="2090880"/>
           </a:xfrm>
           <a:prstGeom prst="rect">
             <a:avLst/>
@@ -2170,7 +4494,7 @@
       </p:grpSpPr>
       <p:sp>
         <p:nvSpPr>
-          <p:cNvPr id="22" name="PlaceHolder 1"/>
+          <p:cNvPr id="19" name="PlaceHolder 1"/>
           <p:cNvSpPr>
             <a:spLocks noGrp="1"/>
           </p:cNvSpPr>
@@ -2181,7 +4505,7 @@
         <p:spPr>
           <a:xfrm>
             <a:off x="504000" y="301320"/>
-            <a:ext cx="9071640" cy="1262520"/>
+            <a:ext cx="9071280" cy="1262520"/>
           </a:xfrm>
           <a:prstGeom prst="rect">
             <a:avLst/>
@@ -2197,7 +4521,7 @@
       </p:sp>
       <p:sp>
         <p:nvSpPr>
-          <p:cNvPr id="23" name="PlaceHolder 2"/>
+          <p:cNvPr id="20" name="PlaceHolder 2"/>
           <p:cNvSpPr>
             <a:spLocks noGrp="1"/>
           </p:cNvSpPr>
@@ -2208,7 +4532,7 @@
         <p:spPr>
           <a:xfrm>
             <a:off x="504000" y="1769040"/>
-            <a:ext cx="4426920" cy="2091240"/>
+            <a:ext cx="4426560" cy="2090880"/>
           </a:xfrm>
           <a:prstGeom prst="rect">
             <a:avLst/>
@@ -2223,7 +4547,7 @@
       </p:sp>
       <p:sp>
         <p:nvSpPr>
-          <p:cNvPr id="24" name="PlaceHolder 3"/>
+          <p:cNvPr id="21" name="PlaceHolder 3"/>
           <p:cNvSpPr>
             <a:spLocks noGrp="1"/>
           </p:cNvSpPr>
@@ -2233,8 +4557,8 @@
         </p:nvSpPr>
         <p:spPr>
           <a:xfrm>
-            <a:off x="5152680" y="1769040"/>
-            <a:ext cx="4426920" cy="2091240"/>
+            <a:off x="5152320" y="1769040"/>
+            <a:ext cx="4426560" cy="2090880"/>
           </a:xfrm>
           <a:prstGeom prst="rect">
             <a:avLst/>
@@ -2249,7 +4573,7 @@
       </p:sp>
       <p:sp>
         <p:nvSpPr>
-          <p:cNvPr id="25" name="PlaceHolder 4"/>
+          <p:cNvPr id="22" name="PlaceHolder 4"/>
           <p:cNvSpPr>
             <a:spLocks noGrp="1"/>
           </p:cNvSpPr>
@@ -2259,8 +4583,8 @@
         </p:nvSpPr>
         <p:spPr>
           <a:xfrm>
-            <a:off x="504000" y="4059360"/>
-            <a:ext cx="9071640" cy="2091240"/>
+            <a:off x="504000" y="4059000"/>
+            <a:ext cx="9071280" cy="2090880"/>
           </a:xfrm>
           <a:prstGeom prst="rect">
             <a:avLst/>
@@ -2308,7 +4632,7 @@
         <p:spPr>
           <a:xfrm>
             <a:off x="504000" y="301320"/>
-            <a:ext cx="9071640" cy="1262160"/>
+            <a:ext cx="9072000" cy="1261800"/>
           </a:xfrm>
           <a:prstGeom prst="rect">
             <a:avLst/>
@@ -2340,8 +4664,8 @@
         </p:nvSpPr>
         <p:spPr>
           <a:xfrm>
-            <a:off x="504000" y="1769040"/>
-            <a:ext cx="9071640" cy="4384440"/>
+            <a:off x="504000" y="1768680"/>
+            <a:ext cx="9072000" cy="4384080"/>
           </a:xfrm>
           <a:prstGeom prst="rect">
             <a:avLst/>
@@ -2445,104 +4769,6 @@
               </a:rPr>
               <a:t>Seventh Outline Level</a:t>
             </a:r>
-            <a:endParaRPr/>
-          </a:p>
-        </p:txBody>
-      </p:sp>
-      <p:sp>
-        <p:nvSpPr>
-          <p:cNvPr id="2" name="PlaceHolder 3"/>
-          <p:cNvSpPr>
-            <a:spLocks noGrp="1"/>
-          </p:cNvSpPr>
-          <p:nvPr>
-            <p:ph type="dt"/>
-          </p:nvPr>
-        </p:nvSpPr>
-        <p:spPr>
-          <a:xfrm>
-            <a:off x="504000" y="6887160"/>
-            <a:ext cx="2348280" cy="521280"/>
-          </a:xfrm>
-          <a:prstGeom prst="rect">
-            <a:avLst/>
-          </a:prstGeom>
-        </p:spPr>
-        <p:txBody>
-          <a:bodyPr lIns="0" rIns="0" tIns="0" bIns="0"/>
-          <a:p>
-            <a:r>
-              <a:rPr lang="en-US" sz="1400">
-                <a:latin typeface="Times New Roman"/>
-              </a:rPr>
-              <a:t>&lt;date/time&gt;</a:t>
-            </a:r>
-            <a:endParaRPr/>
-          </a:p>
-        </p:txBody>
-      </p:sp>
-      <p:sp>
-        <p:nvSpPr>
-          <p:cNvPr id="3" name="PlaceHolder 4"/>
-          <p:cNvSpPr>
-            <a:spLocks noGrp="1"/>
-          </p:cNvSpPr>
-          <p:nvPr>
-            <p:ph type="ftr"/>
-          </p:nvPr>
-        </p:nvSpPr>
-        <p:spPr>
-          <a:xfrm>
-            <a:off x="3447360" y="6887160"/>
-            <a:ext cx="3195000" cy="521280"/>
-          </a:xfrm>
-          <a:prstGeom prst="rect">
-            <a:avLst/>
-          </a:prstGeom>
-        </p:spPr>
-        <p:txBody>
-          <a:bodyPr lIns="0" rIns="0" tIns="0" bIns="0"/>
-          <a:p>
-            <a:pPr algn="ctr"/>
-            <a:r>
-              <a:rPr lang="en-US" sz="1400">
-                <a:latin typeface="Times New Roman"/>
-              </a:rPr>
-              <a:t>&lt;footer&gt;</a:t>
-            </a:r>
-            <a:endParaRPr/>
-          </a:p>
-        </p:txBody>
-      </p:sp>
-      <p:sp>
-        <p:nvSpPr>
-          <p:cNvPr id="4" name="PlaceHolder 5"/>
-          <p:cNvSpPr>
-            <a:spLocks noGrp="1"/>
-          </p:cNvSpPr>
-          <p:nvPr>
-            <p:ph type="sldNum"/>
-          </p:nvPr>
-        </p:nvSpPr>
-        <p:spPr>
-          <a:xfrm>
-            <a:off x="7227360" y="6887160"/>
-            <a:ext cx="2348280" cy="521280"/>
-          </a:xfrm>
-          <a:prstGeom prst="rect">
-            <a:avLst/>
-          </a:prstGeom>
-        </p:spPr>
-        <p:txBody>
-          <a:bodyPr lIns="0" rIns="0" tIns="0" bIns="0"/>
-          <a:p>
-            <a:pPr algn="r"/>
-            <a:fld id="{5A5110B7-1101-4763-AC0C-5268348E6E1A}" type="slidenum">
-              <a:rPr lang="en-US" sz="1400">
-                <a:latin typeface="Times New Roman"/>
-              </a:rPr>
-              <a:t>&lt;number&gt;</a:t>
-            </a:fld>
             <a:endParaRPr/>
           </a:p>
         </p:txBody>
@@ -2563,6 +4789,386 @@
     <p:sldLayoutId id="2147483658" r:id="rId11"/>
     <p:sldLayoutId id="2147483659" r:id="rId12"/>
     <p:sldLayoutId id="2147483660" r:id="rId13"/>
+  </p:sldLayoutIdLst>
+</p:sldMaster>
+</file>
+
+<file path=ppt/slideMasters/slideMaster2.xml><?xml version="1.0" encoding="utf-8"?>
+<p:sldMaster xmlns:a="http://schemas.openxmlformats.org/drawingml/2006/main" xmlns:p="http://schemas.openxmlformats.org/presentationml/2006/main" xmlns:r="http://schemas.openxmlformats.org/officeDocument/2006/relationships">
+  <p:cSld>
+    <p:spTree>
+      <p:nvGrpSpPr>
+        <p:cNvPr id="1" name=""/>
+        <p:cNvGrpSpPr/>
+        <p:nvPr/>
+      </p:nvGrpSpPr>
+      <p:grpSpPr>
+        <a:xfrm>
+          <a:off x="0" y="0"/>
+          <a:ext cx="0" cy="0"/>
+          <a:chOff x="0" y="0"/>
+          <a:chExt cx="0" cy="0"/>
+        </a:xfrm>
+      </p:grpSpPr>
+      <p:sp>
+        <p:nvSpPr>
+          <p:cNvPr id="36" name="PlaceHolder 1"/>
+          <p:cNvSpPr>
+            <a:spLocks noGrp="1"/>
+          </p:cNvSpPr>
+          <p:nvPr>
+            <p:ph type="title"/>
+          </p:nvPr>
+        </p:nvSpPr>
+        <p:spPr>
+          <a:xfrm>
+            <a:off x="504000" y="301320"/>
+            <a:ext cx="9071280" cy="1262160"/>
+          </a:xfrm>
+          <a:prstGeom prst="rect">
+            <a:avLst/>
+          </a:prstGeom>
+        </p:spPr>
+        <p:txBody>
+          <a:bodyPr lIns="0" rIns="0" tIns="0" bIns="0" anchor="ctr"/>
+          <a:p>
+            <a:r>
+              <a:rPr lang="en-US">
+                <a:latin typeface="Arial"/>
+              </a:rPr>
+              <a:t>Click to edit the title text format</a:t>
+            </a:r>
+            <a:endParaRPr/>
+          </a:p>
+        </p:txBody>
+      </p:sp>
+      <p:sp>
+        <p:nvSpPr>
+          <p:cNvPr id="37" name="PlaceHolder 2"/>
+          <p:cNvSpPr>
+            <a:spLocks noGrp="1"/>
+          </p:cNvSpPr>
+          <p:nvPr>
+            <p:ph type="body"/>
+          </p:nvPr>
+        </p:nvSpPr>
+        <p:spPr>
+          <a:xfrm>
+            <a:off x="504000" y="1768680"/>
+            <a:ext cx="9072000" cy="4384080"/>
+          </a:xfrm>
+          <a:prstGeom prst="rect">
+            <a:avLst/>
+          </a:prstGeom>
+        </p:spPr>
+        <p:txBody>
+          <a:bodyPr lIns="0" rIns="0" tIns="0" bIns="0"/>
+          <a:p>
+            <a:pPr>
+              <a:buSzPct val="45000"/>
+              <a:buFont typeface="StarSymbol"/>
+              <a:buChar char=""/>
+            </a:pPr>
+            <a:r>
+              <a:rPr lang="en-US" sz="3200">
+                <a:latin typeface="Arial"/>
+              </a:rPr>
+              <a:t>Click to edit the outline text format</a:t>
+            </a:r>
+            <a:endParaRPr/>
+          </a:p>
+          <a:p>
+            <a:pPr lvl="1">
+              <a:buSzPct val="75000"/>
+              <a:buFont typeface="StarSymbol"/>
+              <a:buChar char=""/>
+            </a:pPr>
+            <a:r>
+              <a:rPr lang="en-US" sz="2800">
+                <a:latin typeface="Arial"/>
+              </a:rPr>
+              <a:t>Second Outline Level</a:t>
+            </a:r>
+            <a:endParaRPr/>
+          </a:p>
+          <a:p>
+            <a:pPr lvl="2">
+              <a:buSzPct val="45000"/>
+              <a:buFont typeface="StarSymbol"/>
+              <a:buChar char=""/>
+            </a:pPr>
+            <a:r>
+              <a:rPr lang="en-US" sz="2400">
+                <a:latin typeface="Arial"/>
+              </a:rPr>
+              <a:t>Third Outline Level</a:t>
+            </a:r>
+            <a:endParaRPr/>
+          </a:p>
+          <a:p>
+            <a:pPr lvl="3">
+              <a:buSzPct val="75000"/>
+              <a:buFont typeface="StarSymbol"/>
+              <a:buChar char=""/>
+            </a:pPr>
+            <a:r>
+              <a:rPr lang="en-US" sz="2000">
+                <a:latin typeface="Arial"/>
+              </a:rPr>
+              <a:t>Fourth Outline Level</a:t>
+            </a:r>
+            <a:endParaRPr/>
+          </a:p>
+          <a:p>
+            <a:pPr lvl="4">
+              <a:buSzPct val="45000"/>
+              <a:buFont typeface="StarSymbol"/>
+              <a:buChar char=""/>
+            </a:pPr>
+            <a:r>
+              <a:rPr lang="en-US" sz="2000">
+                <a:latin typeface="Arial"/>
+              </a:rPr>
+              <a:t>Fifth Outline Level</a:t>
+            </a:r>
+            <a:endParaRPr/>
+          </a:p>
+          <a:p>
+            <a:pPr lvl="5">
+              <a:buSzPct val="45000"/>
+              <a:buFont typeface="StarSymbol"/>
+              <a:buChar char=""/>
+            </a:pPr>
+            <a:r>
+              <a:rPr lang="en-US" sz="2000">
+                <a:latin typeface="Arial"/>
+              </a:rPr>
+              <a:t>Sixth Outline Level</a:t>
+            </a:r>
+            <a:endParaRPr/>
+          </a:p>
+          <a:p>
+            <a:pPr lvl="6">
+              <a:buSzPct val="45000"/>
+              <a:buFont typeface="StarSymbol"/>
+              <a:buChar char=""/>
+            </a:pPr>
+            <a:r>
+              <a:rPr lang="en-US" sz="2000">
+                <a:latin typeface="Arial"/>
+              </a:rPr>
+              <a:t>Seventh Outline Level</a:t>
+            </a:r>
+            <a:endParaRPr/>
+          </a:p>
+        </p:txBody>
+      </p:sp>
+    </p:spTree>
+  </p:cSld>
+  <p:clrMap bg1="lt1" bg2="lt2" tx1="dk1" tx2="dk2" accent1="accent1" accent2="accent2" accent3="accent3" accent4="accent4" accent5="accent5" accent6="accent6" hlink="hlink" folHlink="folHlink"/>
+  <p:sldLayoutIdLst>
+    <p:sldLayoutId id="2147483662" r:id="rId2"/>
+    <p:sldLayoutId id="2147483663" r:id="rId3"/>
+    <p:sldLayoutId id="2147483664" r:id="rId4"/>
+    <p:sldLayoutId id="2147483665" r:id="rId5"/>
+    <p:sldLayoutId id="2147483666" r:id="rId6"/>
+    <p:sldLayoutId id="2147483667" r:id="rId7"/>
+    <p:sldLayoutId id="2147483668" r:id="rId8"/>
+    <p:sldLayoutId id="2147483669" r:id="rId9"/>
+    <p:sldLayoutId id="2147483670" r:id="rId10"/>
+    <p:sldLayoutId id="2147483671" r:id="rId11"/>
+    <p:sldLayoutId id="2147483672" r:id="rId12"/>
+    <p:sldLayoutId id="2147483673" r:id="rId13"/>
+  </p:sldLayoutIdLst>
+</p:sldMaster>
+</file>
+
+<file path=ppt/slideMasters/slideMaster3.xml><?xml version="1.0" encoding="utf-8"?>
+<p:sldMaster xmlns:a="http://schemas.openxmlformats.org/drawingml/2006/main" xmlns:p="http://schemas.openxmlformats.org/presentationml/2006/main" xmlns:r="http://schemas.openxmlformats.org/officeDocument/2006/relationships">
+  <p:cSld>
+    <p:spTree>
+      <p:nvGrpSpPr>
+        <p:cNvPr id="1" name=""/>
+        <p:cNvGrpSpPr/>
+        <p:nvPr/>
+      </p:nvGrpSpPr>
+      <p:grpSpPr>
+        <a:xfrm>
+          <a:off x="0" y="0"/>
+          <a:ext cx="0" cy="0"/>
+          <a:chOff x="0" y="0"/>
+          <a:chExt cx="0" cy="0"/>
+        </a:xfrm>
+      </p:grpSpPr>
+      <p:sp>
+        <p:nvSpPr>
+          <p:cNvPr id="72" name="PlaceHolder 1"/>
+          <p:cNvSpPr>
+            <a:spLocks noGrp="1"/>
+          </p:cNvSpPr>
+          <p:nvPr>
+            <p:ph type="title"/>
+          </p:nvPr>
+        </p:nvSpPr>
+        <p:spPr>
+          <a:xfrm>
+            <a:off x="504000" y="301320"/>
+            <a:ext cx="9071280" cy="1262160"/>
+          </a:xfrm>
+          <a:prstGeom prst="rect">
+            <a:avLst/>
+          </a:prstGeom>
+        </p:spPr>
+        <p:txBody>
+          <a:bodyPr lIns="0" rIns="0" tIns="0" bIns="0" anchor="ctr"/>
+          <a:p>
+            <a:r>
+              <a:rPr lang="en-US">
+                <a:latin typeface="Arial"/>
+              </a:rPr>
+              <a:t>Click to edit the title text format</a:t>
+            </a:r>
+            <a:endParaRPr/>
+          </a:p>
+        </p:txBody>
+      </p:sp>
+      <p:sp>
+        <p:nvSpPr>
+          <p:cNvPr id="73" name="PlaceHolder 2"/>
+          <p:cNvSpPr>
+            <a:spLocks noGrp="1"/>
+          </p:cNvSpPr>
+          <p:nvPr>
+            <p:ph type="body"/>
+          </p:nvPr>
+        </p:nvSpPr>
+        <p:spPr>
+          <a:xfrm>
+            <a:off x="504000" y="1769040"/>
+            <a:ext cx="9071280" cy="4384080"/>
+          </a:xfrm>
+          <a:prstGeom prst="rect">
+            <a:avLst/>
+          </a:prstGeom>
+        </p:spPr>
+        <p:txBody>
+          <a:bodyPr lIns="0" rIns="0" tIns="0" bIns="0"/>
+          <a:p>
+            <a:pPr>
+              <a:buSzPct val="45000"/>
+              <a:buFont typeface="StarSymbol"/>
+              <a:buChar char=""/>
+            </a:pPr>
+            <a:r>
+              <a:rPr lang="en-US">
+                <a:latin typeface="Arial"/>
+              </a:rPr>
+              <a:t>Click to edit the outline text format</a:t>
+            </a:r>
+            <a:endParaRPr/>
+          </a:p>
+          <a:p>
+            <a:pPr lvl="1">
+              <a:buSzPct val="75000"/>
+              <a:buFont typeface="StarSymbol"/>
+              <a:buChar char=""/>
+            </a:pPr>
+            <a:r>
+              <a:rPr lang="en-US">
+                <a:latin typeface="Arial"/>
+              </a:rPr>
+              <a:t>Second Outline Level</a:t>
+            </a:r>
+            <a:endParaRPr/>
+          </a:p>
+          <a:p>
+            <a:pPr lvl="2">
+              <a:buSzPct val="45000"/>
+              <a:buFont typeface="StarSymbol"/>
+              <a:buChar char=""/>
+            </a:pPr>
+            <a:r>
+              <a:rPr lang="en-US">
+                <a:latin typeface="Arial"/>
+              </a:rPr>
+              <a:t>Third Outline Level</a:t>
+            </a:r>
+            <a:endParaRPr/>
+          </a:p>
+          <a:p>
+            <a:pPr lvl="3">
+              <a:buSzPct val="75000"/>
+              <a:buFont typeface="StarSymbol"/>
+              <a:buChar char=""/>
+            </a:pPr>
+            <a:r>
+              <a:rPr lang="en-US">
+                <a:latin typeface="Arial"/>
+              </a:rPr>
+              <a:t>Fourth Outline Level</a:t>
+            </a:r>
+            <a:endParaRPr/>
+          </a:p>
+          <a:p>
+            <a:pPr lvl="4">
+              <a:buSzPct val="45000"/>
+              <a:buFont typeface="StarSymbol"/>
+              <a:buChar char=""/>
+            </a:pPr>
+            <a:r>
+              <a:rPr lang="en-US">
+                <a:latin typeface="Arial"/>
+              </a:rPr>
+              <a:t>Fifth Outline Level</a:t>
+            </a:r>
+            <a:endParaRPr/>
+          </a:p>
+          <a:p>
+            <a:pPr lvl="5">
+              <a:buSzPct val="45000"/>
+              <a:buFont typeface="StarSymbol"/>
+              <a:buChar char=""/>
+            </a:pPr>
+            <a:r>
+              <a:rPr lang="en-US">
+                <a:latin typeface="Arial"/>
+              </a:rPr>
+              <a:t>Sixth Outline Level</a:t>
+            </a:r>
+            <a:endParaRPr/>
+          </a:p>
+          <a:p>
+            <a:pPr lvl="6">
+              <a:buSzPct val="45000"/>
+              <a:buFont typeface="StarSymbol"/>
+              <a:buChar char=""/>
+            </a:pPr>
+            <a:r>
+              <a:rPr lang="en-US">
+                <a:latin typeface="Arial"/>
+              </a:rPr>
+              <a:t>Seventh Outline Level</a:t>
+            </a:r>
+            <a:endParaRPr/>
+          </a:p>
+        </p:txBody>
+      </p:sp>
+    </p:spTree>
+  </p:cSld>
+  <p:clrMap bg1="lt1" bg2="lt2" tx1="dk1" tx2="dk2" accent1="accent1" accent2="accent2" accent3="accent3" accent4="accent4" accent5="accent5" accent6="accent6" hlink="hlink" folHlink="folHlink"/>
+  <p:sldLayoutIdLst>
+    <p:sldLayoutId id="2147483675" r:id="rId2"/>
+    <p:sldLayoutId id="2147483676" r:id="rId3"/>
+    <p:sldLayoutId id="2147483677" r:id="rId4"/>
+    <p:sldLayoutId id="2147483678" r:id="rId5"/>
+    <p:sldLayoutId id="2147483679" r:id="rId6"/>
+    <p:sldLayoutId id="2147483680" r:id="rId7"/>
+    <p:sldLayoutId id="2147483681" r:id="rId8"/>
+    <p:sldLayoutId id="2147483682" r:id="rId9"/>
+    <p:sldLayoutId id="2147483683" r:id="rId10"/>
+    <p:sldLayoutId id="2147483684" r:id="rId11"/>
+    <p:sldLayoutId id="2147483685" r:id="rId12"/>
+    <p:sldLayoutId id="2147483686" r:id="rId13"/>
   </p:sldLayoutIdLst>
 </p:sldMaster>
 </file>
@@ -2586,23 +5192,31 @@
       </p:grpSpPr>
       <p:sp>
         <p:nvSpPr>
-          <p:cNvPr id="44" name="TextShape 1"/>
-          <p:cNvSpPr txBox="1"/>
+          <p:cNvPr id="113" name="CustomShape 1"/>
+          <p:cNvSpPr/>
           <p:nvPr/>
         </p:nvSpPr>
         <p:spPr>
           <a:xfrm>
             <a:off x="504000" y="301320"/>
-            <a:ext cx="9071640" cy="5851800"/>
-          </a:xfrm>
-          <a:prstGeom prst="rect">
-            <a:avLst/>
-          </a:prstGeom>
+            <a:ext cx="9071280" cy="5851440"/>
+          </a:xfrm>
+          <a:prstGeom prst="rect">
+            <a:avLst/>
+          </a:prstGeom>
+          <a:noFill/>
+          <a:ln>
+            <a:noFill/>
+          </a:ln>
         </p:spPr>
         <p:txBody>
           <a:bodyPr lIns="0" rIns="0" tIns="0" bIns="0" anchor="ctr"/>
           <a:p>
-            <a:pPr algn="ctr"/>
+            <a:pPr algn="ctr">
+              <a:lnSpc>
+                <a:spcPct val="100000"/>
+              </a:lnSpc>
+            </a:pPr>
             <a:r>
               <a:rPr lang="en-US" sz="3200">
                 <a:latin typeface="Arial"/>
@@ -2612,7 +5226,11 @@
             <a:endParaRPr/>
           </a:p>
           <a:p>
-            <a:pPr algn="ctr"/>
+            <a:pPr algn="ctr">
+              <a:lnSpc>
+                <a:spcPct val="100000"/>
+              </a:lnSpc>
+            </a:pPr>
             <a:r>
               <a:rPr lang="en-US" sz="3200">
                 <a:latin typeface="Arial"/>
@@ -2632,6 +5250,483 @@
           <p:childTnLst>
             <p:seq>
               <p:cTn id="2" nodeType="mainSeq"/>
+              <p:prevCondLst>
+                <p:cond delay="0" evt="onPrev">
+                  <p:tgtEl>
+                    <p:sldTgt/>
+                  </p:tgtEl>
+                </p:cond>
+              </p:prevCondLst>
+              <p:nextCondLst>
+                <p:cond delay="0" evt="onNext">
+                  <p:tgtEl>
+                    <p:sldTgt/>
+                  </p:tgtEl>
+                </p:cond>
+              </p:nextCondLst>
+            </p:seq>
+          </p:childTnLst>
+        </p:cTn>
+      </p:par>
+    </p:tnLst>
+  </p:timing>
+</p:sld>
+</file>
+
+<file path=ppt/slides/slide10.xml><?xml version="1.0" encoding="utf-8"?>
+<p:sld xmlns:a="http://schemas.openxmlformats.org/drawingml/2006/main" xmlns:p="http://schemas.openxmlformats.org/presentationml/2006/main" xmlns:r="http://schemas.openxmlformats.org/officeDocument/2006/relationships">
+  <p:cSld>
+    <p:spTree>
+      <p:nvGrpSpPr>
+        <p:cNvPr id="1" name=""/>
+        <p:cNvGrpSpPr/>
+        <p:nvPr/>
+      </p:nvGrpSpPr>
+      <p:grpSpPr>
+        <a:xfrm>
+          <a:off x="0" y="0"/>
+          <a:ext cx="0" cy="0"/>
+          <a:chOff x="0" y="0"/>
+          <a:chExt cx="0" cy="0"/>
+        </a:xfrm>
+      </p:grpSpPr>
+      <p:sp>
+        <p:nvSpPr>
+          <p:cNvPr id="158" name="TextShape 1"/>
+          <p:cNvSpPr txBox="1"/>
+          <p:nvPr/>
+        </p:nvSpPr>
+        <p:spPr>
+          <a:xfrm>
+            <a:off x="504000" y="301320"/>
+            <a:ext cx="9071280" cy="1262160"/>
+          </a:xfrm>
+          <a:prstGeom prst="rect">
+            <a:avLst/>
+          </a:prstGeom>
+        </p:spPr>
+        <p:txBody>
+          <a:bodyPr lIns="0" rIns="0" tIns="0" bIns="0" anchor="ctr"/>
+          <a:p>
+            <a:pPr algn="ctr"/>
+            <a:r>
+              <a:rPr lang="en-US" sz="4400">
+                <a:latin typeface="Arial"/>
+              </a:rPr>
+              <a:t>Creating Graphics Project</a:t>
+            </a:r>
+            <a:endParaRPr/>
+          </a:p>
+        </p:txBody>
+      </p:sp>
+      <p:pic>
+        <p:nvPicPr>
+          <p:cNvPr id="159" name="" descr=""/>
+          <p:cNvPicPr/>
+          <p:nvPr/>
+        </p:nvPicPr>
+        <p:blipFill>
+          <a:blip r:embed="rId1"/>
+          <a:stretch>
+            <a:fillRect/>
+          </a:stretch>
+        </p:blipFill>
+        <p:spPr>
+          <a:xfrm>
+            <a:off x="274320" y="1583640"/>
+            <a:ext cx="9381960" cy="5274360"/>
+          </a:xfrm>
+          <a:prstGeom prst="rect">
+            <a:avLst/>
+          </a:prstGeom>
+          <a:ln>
+            <a:noFill/>
+          </a:ln>
+        </p:spPr>
+      </p:pic>
+      <p:sp>
+        <p:nvSpPr>
+          <p:cNvPr id="160" name="CustomShape 2"/>
+          <p:cNvSpPr/>
+          <p:nvPr/>
+        </p:nvSpPr>
+        <p:spPr>
+          <a:xfrm>
+            <a:off x="3566160" y="5120640"/>
+            <a:ext cx="365760" cy="1097280"/>
+          </a:xfrm>
+          <a:prstGeom prst="downArrow">
+            <a:avLst>
+              <a:gd name="adj1" fmla="val 16200"/>
+              <a:gd name="adj2" fmla="val 5400"/>
+            </a:avLst>
+          </a:prstGeom>
+          <a:solidFill>
+            <a:srgbClr val="729fcf"/>
+          </a:solidFill>
+          <a:ln>
+            <a:solidFill>
+              <a:srgbClr val="3465a4"/>
+            </a:solidFill>
+          </a:ln>
+        </p:spPr>
+      </p:sp>
+      <p:sp>
+        <p:nvSpPr>
+          <p:cNvPr id="161" name="TextShape 3"/>
+          <p:cNvSpPr txBox="1"/>
+          <p:nvPr/>
+        </p:nvSpPr>
+        <p:spPr>
+          <a:xfrm>
+            <a:off x="2149560" y="4504320"/>
+            <a:ext cx="2696760" cy="433440"/>
+          </a:xfrm>
+          <a:prstGeom prst="rect">
+            <a:avLst/>
+          </a:prstGeom>
+        </p:spPr>
+        <p:txBody>
+          <a:bodyPr lIns="90000" rIns="90000" tIns="45000" bIns="45000"/>
+          <a:p>
+            <a:r>
+              <a:rPr b="1" lang="en-US" sz="2400">
+                <a:solidFill>
+                  <a:srgbClr val="009933"/>
+                </a:solidFill>
+                <a:latin typeface="Arial"/>
+              </a:rPr>
+              <a:t>Click Design TAB</a:t>
+            </a:r>
+            <a:endParaRPr/>
+          </a:p>
+        </p:txBody>
+      </p:sp>
+    </p:spTree>
+  </p:cSld>
+  <p:timing>
+    <p:tnLst>
+      <p:par>
+        <p:cTn id="19" dur="indefinite" restart="never" nodeType="tmRoot">
+          <p:childTnLst>
+            <p:seq>
+              <p:cTn id="20" nodeType="mainSeq"/>
+              <p:prevCondLst>
+                <p:cond delay="0" evt="onPrev">
+                  <p:tgtEl>
+                    <p:sldTgt/>
+                  </p:tgtEl>
+                </p:cond>
+              </p:prevCondLst>
+              <p:nextCondLst>
+                <p:cond delay="0" evt="onNext">
+                  <p:tgtEl>
+                    <p:sldTgt/>
+                  </p:tgtEl>
+                </p:cond>
+              </p:nextCondLst>
+            </p:seq>
+          </p:childTnLst>
+        </p:cTn>
+      </p:par>
+    </p:tnLst>
+  </p:timing>
+</p:sld>
+</file>
+
+<file path=ppt/slides/slide11.xml><?xml version="1.0" encoding="utf-8"?>
+<p:sld xmlns:a="http://schemas.openxmlformats.org/drawingml/2006/main" xmlns:p="http://schemas.openxmlformats.org/presentationml/2006/main" xmlns:r="http://schemas.openxmlformats.org/officeDocument/2006/relationships">
+  <p:cSld>
+    <p:spTree>
+      <p:nvGrpSpPr>
+        <p:cNvPr id="1" name=""/>
+        <p:cNvGrpSpPr/>
+        <p:nvPr/>
+      </p:nvGrpSpPr>
+      <p:grpSpPr>
+        <a:xfrm>
+          <a:off x="0" y="0"/>
+          <a:ext cx="0" cy="0"/>
+          <a:chOff x="0" y="0"/>
+          <a:chExt cx="0" cy="0"/>
+        </a:xfrm>
+      </p:grpSpPr>
+      <p:sp>
+        <p:nvSpPr>
+          <p:cNvPr id="162" name="TextShape 1"/>
+          <p:cNvSpPr txBox="1"/>
+          <p:nvPr/>
+        </p:nvSpPr>
+        <p:spPr>
+          <a:xfrm>
+            <a:off x="504000" y="301320"/>
+            <a:ext cx="9071280" cy="1262160"/>
+          </a:xfrm>
+          <a:prstGeom prst="rect">
+            <a:avLst/>
+          </a:prstGeom>
+        </p:spPr>
+        <p:txBody>
+          <a:bodyPr lIns="0" rIns="0" tIns="0" bIns="0" anchor="ctr"/>
+          <a:p>
+            <a:pPr algn="ctr"/>
+            <a:r>
+              <a:rPr lang="en-US" sz="4400">
+                <a:latin typeface="Arial"/>
+              </a:rPr>
+              <a:t>Creating Graphics Project</a:t>
+            </a:r>
+            <a:endParaRPr/>
+          </a:p>
+        </p:txBody>
+      </p:sp>
+      <p:pic>
+        <p:nvPicPr>
+          <p:cNvPr id="163" name="" descr=""/>
+          <p:cNvPicPr/>
+          <p:nvPr/>
+        </p:nvPicPr>
+        <p:blipFill>
+          <a:blip r:embed="rId1"/>
+          <a:stretch>
+            <a:fillRect/>
+          </a:stretch>
+        </p:blipFill>
+        <p:spPr>
+          <a:xfrm>
+            <a:off x="731520" y="1828800"/>
+            <a:ext cx="8981640" cy="4171680"/>
+          </a:xfrm>
+          <a:prstGeom prst="rect">
+            <a:avLst/>
+          </a:prstGeom>
+          <a:ln>
+            <a:noFill/>
+          </a:ln>
+        </p:spPr>
+      </p:pic>
+      <p:sp>
+        <p:nvSpPr>
+          <p:cNvPr id="164" name="TextShape 2"/>
+          <p:cNvSpPr txBox="1"/>
+          <p:nvPr/>
+        </p:nvSpPr>
+        <p:spPr>
+          <a:xfrm>
+            <a:off x="902880" y="6420240"/>
+            <a:ext cx="3684600" cy="602280"/>
+          </a:xfrm>
+          <a:prstGeom prst="rect">
+            <a:avLst/>
+          </a:prstGeom>
+        </p:spPr>
+        <p:txBody>
+          <a:bodyPr lIns="90000" rIns="90000" tIns="45000" bIns="45000"/>
+          <a:p>
+            <a:r>
+              <a:rPr b="1" lang="en-US">
+                <a:solidFill>
+                  <a:srgbClr val="9900ff"/>
+                </a:solidFill>
+                <a:latin typeface="Arial"/>
+              </a:rPr>
+              <a:t>Grab</a:t>
+            </a:r>
+            <a:r>
+              <a:rPr lang="en-US">
+                <a:latin typeface="Arial"/>
+              </a:rPr>
+              <a:t> and </a:t>
+            </a:r>
+            <a:r>
+              <a:rPr b="1" lang="en-US">
+                <a:solidFill>
+                  <a:srgbClr val="007826"/>
+                </a:solidFill>
+                <a:latin typeface="Arial"/>
+              </a:rPr>
+              <a:t>place</a:t>
+            </a:r>
+            <a:r>
+              <a:rPr lang="en-US">
+                <a:latin typeface="Arial"/>
+              </a:rPr>
+              <a:t> Elements</a:t>
+            </a:r>
+            <a:endParaRPr/>
+          </a:p>
+          <a:p>
+            <a:r>
+              <a:rPr b="1" lang="en-US">
+                <a:solidFill>
+                  <a:srgbClr val="ff0000"/>
+                </a:solidFill>
+                <a:latin typeface="Arial"/>
+              </a:rPr>
+              <a:t>Double-click </a:t>
+            </a:r>
+            <a:r>
+              <a:rPr lang="en-US">
+                <a:latin typeface="Arial"/>
+              </a:rPr>
+              <a:t>to add Event listener</a:t>
+            </a:r>
+            <a:endParaRPr/>
+          </a:p>
+        </p:txBody>
+      </p:sp>
+    </p:spTree>
+  </p:cSld>
+  <p:timing>
+    <p:tnLst>
+      <p:par>
+        <p:cTn id="21" dur="indefinite" restart="never" nodeType="tmRoot">
+          <p:childTnLst>
+            <p:seq>
+              <p:cTn id="22" nodeType="mainSeq"/>
+              <p:prevCondLst>
+                <p:cond delay="0" evt="onPrev">
+                  <p:tgtEl>
+                    <p:sldTgt/>
+                  </p:tgtEl>
+                </p:cond>
+              </p:prevCondLst>
+              <p:nextCondLst>
+                <p:cond delay="0" evt="onNext">
+                  <p:tgtEl>
+                    <p:sldTgt/>
+                  </p:tgtEl>
+                </p:cond>
+              </p:nextCondLst>
+            </p:seq>
+          </p:childTnLst>
+        </p:cTn>
+      </p:par>
+    </p:tnLst>
+  </p:timing>
+</p:sld>
+</file>
+
+<file path=ppt/slides/slide12.xml><?xml version="1.0" encoding="utf-8"?>
+<p:sld xmlns:a="http://schemas.openxmlformats.org/drawingml/2006/main" xmlns:p="http://schemas.openxmlformats.org/presentationml/2006/main" xmlns:r="http://schemas.openxmlformats.org/officeDocument/2006/relationships">
+  <p:cSld>
+    <p:spTree>
+      <p:nvGrpSpPr>
+        <p:cNvPr id="1" name=""/>
+        <p:cNvGrpSpPr/>
+        <p:nvPr/>
+      </p:nvGrpSpPr>
+      <p:grpSpPr>
+        <a:xfrm>
+          <a:off x="0" y="0"/>
+          <a:ext cx="0" cy="0"/>
+          <a:chOff x="0" y="0"/>
+          <a:chExt cx="0" cy="0"/>
+        </a:xfrm>
+      </p:grpSpPr>
+      <p:sp>
+        <p:nvSpPr>
+          <p:cNvPr id="165" name="TextShape 1"/>
+          <p:cNvSpPr txBox="1"/>
+          <p:nvPr/>
+        </p:nvSpPr>
+        <p:spPr>
+          <a:xfrm>
+            <a:off x="504000" y="301320"/>
+            <a:ext cx="9071280" cy="1262160"/>
+          </a:xfrm>
+          <a:prstGeom prst="rect">
+            <a:avLst/>
+          </a:prstGeom>
+        </p:spPr>
+        <p:txBody>
+          <a:bodyPr lIns="0" rIns="0" tIns="0" bIns="0" anchor="ctr"/>
+          <a:p>
+            <a:pPr algn="ctr"/>
+            <a:r>
+              <a:rPr lang="en-US" sz="4400">
+                <a:latin typeface="Arial"/>
+              </a:rPr>
+              <a:t>Creating Graphics Project</a:t>
+            </a:r>
+            <a:endParaRPr/>
+          </a:p>
+        </p:txBody>
+      </p:sp>
+      <p:sp>
+        <p:nvSpPr>
+          <p:cNvPr id="166" name="TextShape 2"/>
+          <p:cNvSpPr txBox="1"/>
+          <p:nvPr/>
+        </p:nvSpPr>
+        <p:spPr>
+          <a:xfrm>
+            <a:off x="902880" y="6420240"/>
+            <a:ext cx="3053520" cy="346320"/>
+          </a:xfrm>
+          <a:prstGeom prst="rect">
+            <a:avLst/>
+          </a:prstGeom>
+        </p:spPr>
+        <p:txBody>
+          <a:bodyPr lIns="90000" rIns="90000" tIns="45000" bIns="45000"/>
+          <a:p>
+            <a:r>
+              <a:rPr lang="en-US">
+                <a:latin typeface="Arial"/>
+              </a:rPr>
+              <a:t>Add </a:t>
+            </a:r>
+            <a:r>
+              <a:rPr b="1" lang="en-US">
+                <a:latin typeface="Arial"/>
+              </a:rPr>
+              <a:t>Functionality</a:t>
+            </a:r>
+            <a:r>
+              <a:rPr lang="en-US">
+                <a:latin typeface="Arial"/>
+              </a:rPr>
+              <a:t> to Button</a:t>
+            </a:r>
+            <a:endParaRPr/>
+          </a:p>
+        </p:txBody>
+      </p:sp>
+      <p:pic>
+        <p:nvPicPr>
+          <p:cNvPr id="167" name="" descr=""/>
+          <p:cNvPicPr/>
+          <p:nvPr/>
+        </p:nvPicPr>
+        <p:blipFill>
+          <a:blip r:embed="rId1"/>
+          <a:stretch>
+            <a:fillRect/>
+          </a:stretch>
+        </p:blipFill>
+        <p:spPr>
+          <a:xfrm>
+            <a:off x="1188720" y="1657800"/>
+            <a:ext cx="8343720" cy="4285800"/>
+          </a:xfrm>
+          <a:prstGeom prst="rect">
+            <a:avLst/>
+          </a:prstGeom>
+          <a:ln>
+            <a:noFill/>
+          </a:ln>
+        </p:spPr>
+      </p:pic>
+    </p:spTree>
+  </p:cSld>
+  <p:timing>
+    <p:tnLst>
+      <p:par>
+        <p:cTn id="23" dur="indefinite" restart="never" nodeType="tmRoot">
+          <p:childTnLst>
+            <p:seq>
+              <p:cTn id="24" nodeType="mainSeq"/>
               <p:prevCondLst>
                 <p:cond delay="0" evt="onPrev">
                   <p:tgtEl>
@@ -2674,23 +5769,31 @@
       </p:grpSpPr>
       <p:sp>
         <p:nvSpPr>
-          <p:cNvPr id="45" name="TextShape 1"/>
-          <p:cNvSpPr txBox="1"/>
+          <p:cNvPr id="114" name="CustomShape 1"/>
+          <p:cNvSpPr/>
           <p:nvPr/>
         </p:nvSpPr>
         <p:spPr>
           <a:xfrm>
             <a:off x="504000" y="301320"/>
-            <a:ext cx="9071640" cy="1262160"/>
-          </a:xfrm>
-          <a:prstGeom prst="rect">
-            <a:avLst/>
-          </a:prstGeom>
+            <a:ext cx="9071280" cy="1261800"/>
+          </a:xfrm>
+          <a:prstGeom prst="rect">
+            <a:avLst/>
+          </a:prstGeom>
+          <a:noFill/>
+          <a:ln>
+            <a:noFill/>
+          </a:ln>
         </p:spPr>
         <p:txBody>
           <a:bodyPr lIns="0" rIns="0" tIns="0" bIns="0" anchor="ctr"/>
           <a:p>
-            <a:pPr algn="ctr"/>
+            <a:pPr algn="ctr">
+              <a:lnSpc>
+                <a:spcPct val="100000"/>
+              </a:lnSpc>
+            </a:pPr>
             <a:r>
               <a:rPr lang="en-US" sz="4400">
                 <a:latin typeface="Arial"/>
@@ -2703,26 +5806,33 @@
       </p:sp>
       <p:sp>
         <p:nvSpPr>
-          <p:cNvPr id="46" name="TextShape 2"/>
-          <p:cNvSpPr txBox="1"/>
+          <p:cNvPr id="115" name="CustomShape 2"/>
+          <p:cNvSpPr/>
           <p:nvPr/>
         </p:nvSpPr>
         <p:spPr>
           <a:xfrm>
             <a:off x="504000" y="1769040"/>
-            <a:ext cx="9071640" cy="4384440"/>
-          </a:xfrm>
-          <a:prstGeom prst="rect">
-            <a:avLst/>
-          </a:prstGeom>
+            <a:ext cx="9071280" cy="4384080"/>
+          </a:xfrm>
+          <a:prstGeom prst="rect">
+            <a:avLst/>
+          </a:prstGeom>
+          <a:noFill/>
+          <a:ln>
+            <a:noFill/>
+          </a:ln>
         </p:spPr>
         <p:txBody>
           <a:bodyPr lIns="0" rIns="0" tIns="0" bIns="0"/>
           <a:p>
             <a:pPr>
+              <a:lnSpc>
+                <a:spcPct val="100000"/>
+              </a:lnSpc>
               <a:buSzPct val="45000"/>
               <a:buFont typeface="StarSymbol"/>
-              <a:buChar char=""/>
+              <a:buChar char="l"/>
             </a:pPr>
             <a:r>
               <a:rPr b="1" lang="en-US" sz="3200">
@@ -2753,6 +5863,9 @@
             </a:r>
             <a:r>
               <a:rPr lang="en-US" sz="3200">
+                <a:solidFill>
+                  <a:srgbClr val="007826"/>
+                </a:solidFill>
                 <a:latin typeface="Arial"/>
               </a:rPr>
               <a:t> Exercise</a:t>
@@ -2761,37 +5874,72 @@
           </a:p>
           <a:p>
             <a:pPr lvl="1">
+              <a:lnSpc>
+                <a:spcPct val="100000"/>
+              </a:lnSpc>
               <a:buSzPct val="45000"/>
               <a:buFont typeface="StarSymbol"/>
-              <a:buChar char=""/>
+              <a:buChar char="l"/>
             </a:pPr>
             <a:r>
               <a:rPr lang="en-US" sz="3200">
-                <a:latin typeface="Arial"/>
-              </a:rPr>
-              <a:t>Diffing files</a:t>
-            </a:r>
-            <a:endParaRPr/>
-          </a:p>
-          <a:p>
-            <a:pPr>
+                <a:solidFill>
+                  <a:srgbClr val="007826"/>
+                </a:solidFill>
+                <a:latin typeface="Arial"/>
+              </a:rPr>
+              <a:t>Get Slides</a:t>
+            </a:r>
+            <a:endParaRPr/>
+          </a:p>
+          <a:p>
+            <a:pPr lvl="1">
+              <a:lnSpc>
+                <a:spcPct val="100000"/>
+              </a:lnSpc>
               <a:buSzPct val="45000"/>
               <a:buFont typeface="StarSymbol"/>
-              <a:buChar char=""/>
+              <a:buChar char="l"/>
             </a:pPr>
             <a:r>
               <a:rPr lang="en-US" sz="3200">
-                <a:latin typeface="Arial"/>
-              </a:rPr>
-              <a:t>Downloads</a:t>
-            </a:r>
-            <a:endParaRPr/>
-          </a:p>
-          <a:p>
-            <a:pPr lvl="1">
+                <a:solidFill>
+                  <a:srgbClr val="007826"/>
+                </a:solidFill>
+                <a:latin typeface="Arial"/>
+              </a:rPr>
+              <a:t>Pull Requests</a:t>
+            </a:r>
+            <a:endParaRPr/>
+          </a:p>
+          <a:p>
+            <a:pPr>
+              <a:lnSpc>
+                <a:spcPct val="100000"/>
+              </a:lnSpc>
               <a:buSzPct val="45000"/>
               <a:buFont typeface="StarSymbol"/>
-              <a:buChar char=""/>
+              <a:buChar char="l"/>
+            </a:pPr>
+            <a:r>
+              <a:rPr lang="en-US" sz="3200">
+                <a:solidFill>
+                  <a:srgbClr val="007826"/>
+                </a:solidFill>
+                <a:latin typeface="Arial"/>
+              </a:rPr>
+              <a:t>Downloads</a:t>
+            </a:r>
+            <a:endParaRPr/>
+          </a:p>
+          <a:p>
+            <a:pPr lvl="1">
+              <a:lnSpc>
+                <a:spcPct val="100000"/>
+              </a:lnSpc>
+              <a:buSzPct val="45000"/>
+              <a:buFont typeface="StarSymbol"/>
+              <a:buChar char="l"/>
             </a:pPr>
             <a:r>
               <a:rPr b="1" lang="en-US" sz="3200">
@@ -2804,6 +5952,9 @@
             </a:r>
             <a:r>
               <a:rPr lang="en-US" sz="3200">
+                <a:solidFill>
+                  <a:srgbClr val="990066"/>
+                </a:solidFill>
                 <a:latin typeface="Arial"/>
               </a:rPr>
               <a:t> </a:t>
@@ -2819,6 +5970,9 @@
             </a:r>
             <a:r>
               <a:rPr lang="en-US" sz="3200">
+                <a:solidFill>
+                  <a:srgbClr val="0000cc"/>
+                </a:solidFill>
                 <a:latin typeface="Arial"/>
               </a:rPr>
               <a:t> plugin</a:t>
@@ -2827,9 +5981,12 @@
           </a:p>
           <a:p>
             <a:pPr lvl="1">
+              <a:lnSpc>
+                <a:spcPct val="100000"/>
+              </a:lnSpc>
               <a:buSzPct val="45000"/>
               <a:buFont typeface="StarSymbol"/>
-              <a:buChar char=""/>
+              <a:buChar char="l"/>
             </a:pPr>
             <a:r>
               <a:rPr b="1" lang="en-US" sz="3200">
@@ -2842,6 +5999,9 @@
             </a:r>
             <a:r>
               <a:rPr lang="en-US" sz="3200">
+                <a:solidFill>
+                  <a:srgbClr val="990066"/>
+                </a:solidFill>
                 <a:latin typeface="Arial"/>
               </a:rPr>
               <a:t> </a:t>
@@ -2857,6 +6017,9 @@
             </a:r>
             <a:r>
               <a:rPr lang="en-US" sz="3200">
+                <a:solidFill>
+                  <a:srgbClr val="ff0000"/>
+                </a:solidFill>
                 <a:latin typeface="Arial"/>
               </a:rPr>
               <a:t> plugin</a:t>
@@ -2865,9 +6028,12 @@
           </a:p>
           <a:p>
             <a:pPr lvl="1">
+              <a:lnSpc>
+                <a:spcPct val="100000"/>
+              </a:lnSpc>
               <a:buSzPct val="45000"/>
               <a:buFont typeface="StarSymbol"/>
-              <a:buChar char=""/>
+              <a:buChar char="l"/>
             </a:pPr>
             <a:r>
               <a:rPr b="1" lang="en-US" sz="3200">
@@ -2880,6 +6046,9 @@
             </a:r>
             <a:r>
               <a:rPr lang="en-US" sz="3200">
+                <a:solidFill>
+                  <a:srgbClr val="00cc00"/>
+                </a:solidFill>
                 <a:latin typeface="Arial"/>
               </a:rPr>
               <a:t> Studio</a:t>
@@ -2888,15 +6057,30 @@
           </a:p>
           <a:p>
             <a:pPr>
+              <a:lnSpc>
+                <a:spcPct val="100000"/>
+              </a:lnSpc>
               <a:buSzPct val="45000"/>
               <a:buFont typeface="StarSymbol"/>
-              <a:buChar char=""/>
+              <a:buChar char="l"/>
             </a:pPr>
             <a:r>
               <a:rPr lang="en-US" sz="3200">
-                <a:latin typeface="Arial"/>
-              </a:rPr>
-              <a:t>How to be a </a:t>
+                <a:solidFill>
+                  <a:srgbClr val="000000"/>
+                </a:solidFill>
+                <a:latin typeface="Arial"/>
+              </a:rPr>
+              <a:t>How to</a:t>
+            </a:r>
+            <a:r>
+              <a:rPr lang="en-US" sz="3200">
+                <a:solidFill>
+                  <a:srgbClr val="00cc00"/>
+                </a:solidFill>
+                <a:latin typeface="Arial"/>
+              </a:rPr>
+              <a:t> </a:t>
             </a:r>
             <a:r>
               <a:rPr b="1" lang="en-US" sz="3200">
@@ -2905,7 +6089,7 @@
                 </a:solidFill>
                 <a:latin typeface="Arial"/>
               </a:rPr>
-              <a:t>DJ feat. Avicii</a:t>
+              <a:t>Make a Web Browser</a:t>
             </a:r>
             <a:endParaRPr/>
           </a:p>
@@ -2962,23 +6146,31 @@
       </p:grpSpPr>
       <p:sp>
         <p:nvSpPr>
-          <p:cNvPr id="47" name="TextShape 1"/>
-          <p:cNvSpPr txBox="1"/>
+          <p:cNvPr id="116" name="CustomShape 1"/>
+          <p:cNvSpPr/>
           <p:nvPr/>
         </p:nvSpPr>
         <p:spPr>
           <a:xfrm>
             <a:off x="504000" y="301320"/>
-            <a:ext cx="9071640" cy="1262160"/>
-          </a:xfrm>
-          <a:prstGeom prst="rect">
-            <a:avLst/>
-          </a:prstGeom>
+            <a:ext cx="9071280" cy="1261800"/>
+          </a:xfrm>
+          <a:prstGeom prst="rect">
+            <a:avLst/>
+          </a:prstGeom>
+          <a:noFill/>
+          <a:ln>
+            <a:noFill/>
+          </a:ln>
         </p:spPr>
         <p:txBody>
           <a:bodyPr lIns="0" rIns="0" tIns="0" bIns="0" anchor="ctr"/>
           <a:p>
-            <a:pPr algn="ctr"/>
+            <a:pPr algn="ctr">
+              <a:lnSpc>
+                <a:spcPct val="100000"/>
+              </a:lnSpc>
+            </a:pPr>
             <a:r>
               <a:rPr lang="en-US" sz="4400">
                 <a:latin typeface="Arial"/>
@@ -2991,7 +6183,7 @@
       </p:sp>
       <p:pic>
         <p:nvPicPr>
-          <p:cNvPr id="48" name="" descr=""/>
+          <p:cNvPr id="117" name="" descr=""/>
           <p:cNvPicPr/>
           <p:nvPr/>
         </p:nvPicPr>
@@ -3004,7 +6196,7 @@
         <p:spPr>
           <a:xfrm>
             <a:off x="599040" y="1716840"/>
-            <a:ext cx="8819280" cy="4958280"/>
+            <a:ext cx="8818920" cy="4957920"/>
           </a:xfrm>
           <a:prstGeom prst="rect">
             <a:avLst/>
@@ -3016,42 +6208,46 @@
       </p:pic>
       <p:sp>
         <p:nvSpPr>
-          <p:cNvPr id="49" name="TextShape 2"/>
-          <p:cNvSpPr txBox="1"/>
-          <p:nvPr/>
-        </p:nvSpPr>
-        <p:spPr>
-          <a:xfrm>
-            <a:off x="4023360" y="7060320"/>
-            <a:ext cx="648720" cy="346320"/>
-          </a:xfrm>
-          <a:prstGeom prst="rect">
-            <a:avLst/>
-          </a:prstGeom>
-        </p:spPr>
-        <p:txBody>
-          <a:bodyPr lIns="90000" rIns="90000" tIns="45000" bIns="45000"/>
-          <a:p>
-            <a:r>
-              <a:rPr lang="en-US">
-                <a:latin typeface="Arial"/>
-              </a:rPr>
-              <a:t>Help</a:t>
-            </a:r>
-            <a:endParaRPr/>
-          </a:p>
-        </p:txBody>
-      </p:sp>
-      <p:sp>
-        <p:nvSpPr>
-          <p:cNvPr id="50" name="CustomShape 3"/>
+          <p:cNvPr id="118" name="CustomShape 2"/>
           <p:cNvSpPr/>
           <p:nvPr/>
         </p:nvSpPr>
         <p:spPr>
           <a:xfrm>
+            <a:off x="4023360" y="7060320"/>
+            <a:ext cx="648360" cy="345960"/>
+          </a:xfrm>
+          <a:prstGeom prst="rect">
+            <a:avLst/>
+          </a:prstGeom>
+          <a:noFill/>
+          <a:ln>
+            <a:noFill/>
+          </a:ln>
+        </p:spPr>
+        <p:txBody>
+          <a:bodyPr lIns="90000" rIns="90000" tIns="45000" bIns="45000"/>
+          <a:p>
+            <a:r>
+              <a:rPr lang="en-US">
+                <a:latin typeface="Arial"/>
+              </a:rPr>
+              <a:t>Help</a:t>
+            </a:r>
+            <a:endParaRPr/>
+          </a:p>
+        </p:txBody>
+      </p:sp>
+      <p:sp>
+        <p:nvSpPr>
+          <p:cNvPr id="119" name="CustomShape 3"/>
+          <p:cNvSpPr/>
+          <p:nvPr/>
+        </p:nvSpPr>
+        <p:spPr>
+          <a:xfrm>
             <a:off x="4846320" y="7040880"/>
-            <a:ext cx="457200" cy="427680"/>
+            <a:ext cx="456840" cy="427320"/>
           </a:xfrm>
           <a:prstGeom prst="rightArrow">
             <a:avLst>
@@ -3071,18 +6267,22 @@
       </p:sp>
       <p:sp>
         <p:nvSpPr>
-          <p:cNvPr id="51" name="TextShape 4"/>
-          <p:cNvSpPr txBox="1"/>
+          <p:cNvPr id="120" name="CustomShape 4"/>
+          <p:cNvSpPr/>
           <p:nvPr/>
         </p:nvSpPr>
         <p:spPr>
           <a:xfrm>
             <a:off x="5419800" y="7040880"/>
-            <a:ext cx="2261160" cy="346320"/>
-          </a:xfrm>
-          <a:prstGeom prst="rect">
-            <a:avLst/>
-          </a:prstGeom>
+            <a:ext cx="2260800" cy="345960"/>
+          </a:xfrm>
+          <a:prstGeom prst="rect">
+            <a:avLst/>
+          </a:prstGeom>
+          <a:noFill/>
+          <a:ln>
+            <a:noFill/>
+          </a:ln>
         </p:spPr>
         <p:txBody>
           <a:bodyPr lIns="90000" rIns="90000" tIns="45000" bIns="45000"/>
@@ -3148,23 +6348,31 @@
       </p:grpSpPr>
       <p:sp>
         <p:nvSpPr>
-          <p:cNvPr id="52" name="TextShape 1"/>
-          <p:cNvSpPr txBox="1"/>
+          <p:cNvPr id="121" name="CustomShape 1"/>
+          <p:cNvSpPr/>
           <p:nvPr/>
         </p:nvSpPr>
         <p:spPr>
           <a:xfrm>
             <a:off x="504000" y="301320"/>
-            <a:ext cx="9071640" cy="1262160"/>
-          </a:xfrm>
-          <a:prstGeom prst="rect">
-            <a:avLst/>
-          </a:prstGeom>
+            <a:ext cx="9071280" cy="1261800"/>
+          </a:xfrm>
+          <a:prstGeom prst="rect">
+            <a:avLst/>
+          </a:prstGeom>
+          <a:noFill/>
+          <a:ln>
+            <a:noFill/>
+          </a:ln>
         </p:spPr>
         <p:txBody>
           <a:bodyPr lIns="0" rIns="0" tIns="0" bIns="0" anchor="ctr"/>
           <a:p>
-            <a:pPr algn="ctr"/>
+            <a:pPr algn="ctr">
+              <a:lnSpc>
+                <a:spcPct val="100000"/>
+              </a:lnSpc>
+            </a:pPr>
             <a:r>
               <a:rPr lang="en-US" sz="4400">
                 <a:latin typeface="Arial"/>
@@ -3177,7 +6385,7 @@
       </p:sp>
       <p:pic>
         <p:nvPicPr>
-          <p:cNvPr id="53" name="" descr=""/>
+          <p:cNvPr id="122" name="" descr=""/>
           <p:cNvPicPr/>
           <p:nvPr/>
         </p:nvPicPr>
@@ -3190,7 +6398,7 @@
         <p:spPr>
           <a:xfrm>
             <a:off x="822960" y="1371600"/>
-            <a:ext cx="8067240" cy="3809520"/>
+            <a:ext cx="8066880" cy="3809160"/>
           </a:xfrm>
           <a:prstGeom prst="rect">
             <a:avLst/>
@@ -3202,14 +6410,14 @@
       </p:pic>
       <p:sp>
         <p:nvSpPr>
-          <p:cNvPr id="54" name="CustomShape 2"/>
+          <p:cNvPr id="123" name="CustomShape 2"/>
           <p:cNvSpPr/>
           <p:nvPr/>
         </p:nvSpPr>
         <p:spPr>
           <a:xfrm>
             <a:off x="2377440" y="5486400"/>
-            <a:ext cx="457200" cy="427680"/>
+            <a:ext cx="548640" cy="427320"/>
           </a:xfrm>
           <a:prstGeom prst="rightArrow">
             <a:avLst>
@@ -3229,98 +6437,110 @@
       </p:sp>
       <p:sp>
         <p:nvSpPr>
-          <p:cNvPr id="55" name="TextShape 3"/>
-          <p:cNvSpPr txBox="1"/>
-          <p:nvPr/>
-        </p:nvSpPr>
-        <p:spPr>
-          <a:xfrm>
-            <a:off x="1055160" y="5597280"/>
-            <a:ext cx="1230840" cy="346320"/>
-          </a:xfrm>
-          <a:prstGeom prst="rect">
-            <a:avLst/>
-          </a:prstGeom>
-        </p:spPr>
-        <p:txBody>
-          <a:bodyPr lIns="90000" rIns="90000" tIns="45000" bIns="45000"/>
-          <a:p>
-            <a:r>
-              <a:rPr lang="en-US">
-                <a:latin typeface="Arial"/>
-              </a:rPr>
-              <a:t>Work With</a:t>
-            </a:r>
-            <a:endParaRPr/>
-          </a:p>
-        </p:txBody>
-      </p:sp>
-      <p:sp>
-        <p:nvSpPr>
-          <p:cNvPr id="56" name="TextShape 4"/>
-          <p:cNvSpPr txBox="1"/>
-          <p:nvPr/>
-        </p:nvSpPr>
-        <p:spPr>
-          <a:xfrm>
-            <a:off x="2932920" y="5567760"/>
-            <a:ext cx="2919240" cy="346320"/>
-          </a:xfrm>
-          <a:prstGeom prst="rect">
-            <a:avLst/>
-          </a:prstGeom>
-        </p:spPr>
-        <p:txBody>
-          <a:bodyPr lIns="90000" rIns="90000" tIns="45000" bIns="45000"/>
-          <a:p>
-            <a:r>
-              <a:rPr lang="en-US">
-                <a:latin typeface="Arial"/>
-              </a:rPr>
-              <a:t>Select your Eclipse version</a:t>
-            </a:r>
-            <a:endParaRPr/>
-          </a:p>
-        </p:txBody>
-      </p:sp>
-      <p:sp>
-        <p:nvSpPr>
-          <p:cNvPr id="57" name="TextShape 5"/>
-          <p:cNvSpPr txBox="1"/>
-          <p:nvPr/>
-        </p:nvSpPr>
-        <p:spPr>
-          <a:xfrm>
-            <a:off x="1097280" y="6217920"/>
-            <a:ext cx="3121920" cy="346320"/>
-          </a:xfrm>
-          <a:prstGeom prst="rect">
-            <a:avLst/>
-          </a:prstGeom>
-        </p:spPr>
-        <p:txBody>
-          <a:bodyPr lIns="90000" rIns="90000" tIns="45000" bIns="45000"/>
-          <a:p>
-            <a:r>
-              <a:rPr lang="en-US">
-                <a:latin typeface="Arial"/>
-              </a:rPr>
-              <a:t>Expand General Purpose tab</a:t>
-            </a:r>
-            <a:endParaRPr/>
-          </a:p>
-        </p:txBody>
-      </p:sp>
-      <p:sp>
-        <p:nvSpPr>
-          <p:cNvPr id="58" name="CustomShape 6"/>
+          <p:cNvPr id="124" name="CustomShape 3"/>
           <p:cNvSpPr/>
           <p:nvPr/>
         </p:nvSpPr>
         <p:spPr>
           <a:xfrm>
+            <a:off x="1055160" y="5597280"/>
+            <a:ext cx="1230480" cy="345960"/>
+          </a:xfrm>
+          <a:prstGeom prst="rect">
+            <a:avLst/>
+          </a:prstGeom>
+          <a:noFill/>
+          <a:ln>
+            <a:noFill/>
+          </a:ln>
+        </p:spPr>
+        <p:txBody>
+          <a:bodyPr lIns="90000" rIns="90000" tIns="45000" bIns="45000"/>
+          <a:p>
+            <a:r>
+              <a:rPr lang="en-US">
+                <a:latin typeface="Arial"/>
+              </a:rPr>
+              <a:t>Work With</a:t>
+            </a:r>
+            <a:endParaRPr/>
+          </a:p>
+        </p:txBody>
+      </p:sp>
+      <p:sp>
+        <p:nvSpPr>
+          <p:cNvPr id="125" name="CustomShape 4"/>
+          <p:cNvSpPr/>
+          <p:nvPr/>
+        </p:nvSpPr>
+        <p:spPr>
+          <a:xfrm>
+            <a:off x="2932920" y="5567760"/>
+            <a:ext cx="2918880" cy="345960"/>
+          </a:xfrm>
+          <a:prstGeom prst="rect">
+            <a:avLst/>
+          </a:prstGeom>
+          <a:noFill/>
+          <a:ln>
+            <a:noFill/>
+          </a:ln>
+        </p:spPr>
+        <p:txBody>
+          <a:bodyPr lIns="90000" rIns="90000" tIns="45000" bIns="45000"/>
+          <a:p>
+            <a:r>
+              <a:rPr lang="en-US">
+                <a:latin typeface="Arial"/>
+              </a:rPr>
+              <a:t>Select your Eclipse version</a:t>
+            </a:r>
+            <a:endParaRPr/>
+          </a:p>
+        </p:txBody>
+      </p:sp>
+      <p:sp>
+        <p:nvSpPr>
+          <p:cNvPr id="126" name="CustomShape 5"/>
+          <p:cNvSpPr/>
+          <p:nvPr/>
+        </p:nvSpPr>
+        <p:spPr>
+          <a:xfrm>
+            <a:off x="1097280" y="6217920"/>
+            <a:ext cx="3121560" cy="345960"/>
+          </a:xfrm>
+          <a:prstGeom prst="rect">
+            <a:avLst/>
+          </a:prstGeom>
+          <a:noFill/>
+          <a:ln>
+            <a:noFill/>
+          </a:ln>
+        </p:spPr>
+        <p:txBody>
+          <a:bodyPr lIns="90000" rIns="90000" tIns="45000" bIns="45000"/>
+          <a:p>
+            <a:r>
+              <a:rPr lang="en-US">
+                <a:latin typeface="Arial"/>
+              </a:rPr>
+              <a:t>Expand General Purpose tab</a:t>
+            </a:r>
+            <a:endParaRPr/>
+          </a:p>
+        </p:txBody>
+      </p:sp>
+      <p:sp>
+        <p:nvSpPr>
+          <p:cNvPr id="127" name="CustomShape 6"/>
+          <p:cNvSpPr/>
+          <p:nvPr/>
+        </p:nvSpPr>
+        <p:spPr>
+          <a:xfrm>
             <a:off x="4297680" y="6156000"/>
-            <a:ext cx="457200" cy="427680"/>
+            <a:ext cx="456840" cy="427320"/>
           </a:xfrm>
           <a:prstGeom prst="rightArrow">
             <a:avLst>
@@ -3340,18 +6560,22 @@
       </p:sp>
       <p:sp>
         <p:nvSpPr>
-          <p:cNvPr id="59" name="TextShape 7"/>
-          <p:cNvSpPr txBox="1"/>
+          <p:cNvPr id="128" name="CustomShape 7"/>
+          <p:cNvSpPr/>
           <p:nvPr/>
         </p:nvSpPr>
         <p:spPr>
           <a:xfrm>
             <a:off x="4937760" y="6217920"/>
-            <a:ext cx="5036040" cy="346320"/>
-          </a:xfrm>
-          <a:prstGeom prst="rect">
-            <a:avLst/>
-          </a:prstGeom>
+            <a:ext cx="5035680" cy="345960"/>
+          </a:xfrm>
+          <a:prstGeom prst="rect">
+            <a:avLst/>
+          </a:prstGeom>
+          <a:noFill/>
+          <a:ln>
+            <a:noFill/>
+          </a:ln>
         </p:spPr>
         <p:txBody>
           <a:bodyPr lIns="90000" rIns="90000" tIns="45000" bIns="45000"/>
@@ -3368,18 +6592,22 @@
       </p:sp>
       <p:sp>
         <p:nvSpPr>
-          <p:cNvPr id="60" name="TextShape 8"/>
-          <p:cNvSpPr txBox="1"/>
+          <p:cNvPr id="129" name="CustomShape 8"/>
+          <p:cNvSpPr/>
           <p:nvPr/>
         </p:nvSpPr>
         <p:spPr>
           <a:xfrm>
             <a:off x="731520" y="5577840"/>
-            <a:ext cx="371160" cy="346320"/>
-          </a:xfrm>
-          <a:prstGeom prst="rect">
-            <a:avLst/>
-          </a:prstGeom>
+            <a:ext cx="370800" cy="345960"/>
+          </a:xfrm>
+          <a:prstGeom prst="rect">
+            <a:avLst/>
+          </a:prstGeom>
+          <a:noFill/>
+          <a:ln>
+            <a:noFill/>
+          </a:ln>
         </p:spPr>
         <p:txBody>
           <a:bodyPr lIns="90000" rIns="90000" tIns="45000" bIns="45000"/>
@@ -3396,18 +6624,22 @@
       </p:sp>
       <p:sp>
         <p:nvSpPr>
-          <p:cNvPr id="61" name="TextShape 9"/>
-          <p:cNvSpPr txBox="1"/>
+          <p:cNvPr id="130" name="CustomShape 9"/>
+          <p:cNvSpPr/>
           <p:nvPr/>
         </p:nvSpPr>
         <p:spPr>
           <a:xfrm>
             <a:off x="731520" y="6217920"/>
-            <a:ext cx="371160" cy="529200"/>
-          </a:xfrm>
-          <a:prstGeom prst="rect">
-            <a:avLst/>
-          </a:prstGeom>
+            <a:ext cx="370800" cy="528840"/>
+          </a:xfrm>
+          <a:prstGeom prst="rect">
+            <a:avLst/>
+          </a:prstGeom>
+          <a:noFill/>
+          <a:ln>
+            <a:noFill/>
+          </a:ln>
         </p:spPr>
         <p:txBody>
           <a:bodyPr lIns="90000" rIns="90000" tIns="45000" bIns="45000"/>
@@ -3424,18 +6656,22 @@
       </p:sp>
       <p:sp>
         <p:nvSpPr>
-          <p:cNvPr id="62" name="TextShape 10"/>
-          <p:cNvSpPr txBox="1"/>
+          <p:cNvPr id="131" name="CustomShape 10"/>
+          <p:cNvSpPr/>
           <p:nvPr/>
         </p:nvSpPr>
         <p:spPr>
           <a:xfrm>
             <a:off x="822960" y="6858000"/>
-            <a:ext cx="5560560" cy="346320"/>
-          </a:xfrm>
-          <a:prstGeom prst="rect">
-            <a:avLst/>
-          </a:prstGeom>
+            <a:ext cx="5560200" cy="345960"/>
+          </a:xfrm>
+          <a:prstGeom prst="rect">
+            <a:avLst/>
+          </a:prstGeom>
+          <a:noFill/>
+          <a:ln>
+            <a:noFill/>
+          </a:ln>
         </p:spPr>
         <p:txBody>
           <a:bodyPr lIns="90000" rIns="90000" tIns="45000" bIns="45000"/>
@@ -3501,43 +6737,51 @@
       </p:grpSpPr>
       <p:sp>
         <p:nvSpPr>
-          <p:cNvPr id="63" name="TextShape 1"/>
-          <p:cNvSpPr txBox="1"/>
-          <p:nvPr/>
-        </p:nvSpPr>
-        <p:spPr>
-          <a:xfrm>
-            <a:off x="504000" y="301320"/>
-            <a:ext cx="9071640" cy="1262160"/>
-          </a:xfrm>
-          <a:prstGeom prst="rect">
-            <a:avLst/>
-          </a:prstGeom>
-        </p:spPr>
-        <p:txBody>
-          <a:bodyPr lIns="0" rIns="0" tIns="0" bIns="0" anchor="ctr"/>
-          <a:p>
-            <a:pPr algn="ctr"/>
-            <a:r>
-              <a:rPr lang="en-US" sz="4400">
-                <a:latin typeface="Arial"/>
-              </a:rPr>
-              <a:t>Eclipse PHP Plugin</a:t>
-            </a:r>
-            <a:endParaRPr/>
-          </a:p>
-        </p:txBody>
-      </p:sp>
-      <p:sp>
-        <p:nvSpPr>
-          <p:cNvPr id="64" name="CustomShape 2"/>
+          <p:cNvPr id="132" name="CustomShape 1"/>
           <p:cNvSpPr/>
           <p:nvPr/>
         </p:nvSpPr>
         <p:spPr>
           <a:xfrm>
+            <a:off x="504000" y="301320"/>
+            <a:ext cx="9071280" cy="1261800"/>
+          </a:xfrm>
+          <a:prstGeom prst="rect">
+            <a:avLst/>
+          </a:prstGeom>
+          <a:noFill/>
+          <a:ln>
+            <a:noFill/>
+          </a:ln>
+        </p:spPr>
+        <p:txBody>
+          <a:bodyPr lIns="0" rIns="0" tIns="0" bIns="0" anchor="ctr"/>
+          <a:p>
+            <a:pPr algn="ctr">
+              <a:lnSpc>
+                <a:spcPct val="100000"/>
+              </a:lnSpc>
+            </a:pPr>
+            <a:r>
+              <a:rPr lang="en-US" sz="4400">
+                <a:latin typeface="Arial"/>
+              </a:rPr>
+              <a:t>Eclipse PHP Plugin</a:t>
+            </a:r>
+            <a:endParaRPr/>
+          </a:p>
+        </p:txBody>
+      </p:sp>
+      <p:sp>
+        <p:nvSpPr>
+          <p:cNvPr id="133" name="CustomShape 2"/>
+          <p:cNvSpPr/>
+          <p:nvPr/>
+        </p:nvSpPr>
+        <p:spPr>
+          <a:xfrm>
             <a:off x="2377440" y="5486400"/>
-            <a:ext cx="457200" cy="427680"/>
+            <a:ext cx="456840" cy="427320"/>
           </a:xfrm>
           <a:prstGeom prst="rightArrow">
             <a:avLst>
@@ -3557,98 +6801,110 @@
       </p:sp>
       <p:sp>
         <p:nvSpPr>
-          <p:cNvPr id="65" name="TextShape 3"/>
-          <p:cNvSpPr txBox="1"/>
-          <p:nvPr/>
-        </p:nvSpPr>
-        <p:spPr>
-          <a:xfrm>
-            <a:off x="1055160" y="5597280"/>
-            <a:ext cx="1230840" cy="346320"/>
-          </a:xfrm>
-          <a:prstGeom prst="rect">
-            <a:avLst/>
-          </a:prstGeom>
-        </p:spPr>
-        <p:txBody>
-          <a:bodyPr lIns="90000" rIns="90000" tIns="45000" bIns="45000"/>
-          <a:p>
-            <a:r>
-              <a:rPr lang="en-US">
-                <a:latin typeface="Arial"/>
-              </a:rPr>
-              <a:t>Work With</a:t>
-            </a:r>
-            <a:endParaRPr/>
-          </a:p>
-        </p:txBody>
-      </p:sp>
-      <p:sp>
-        <p:nvSpPr>
-          <p:cNvPr id="66" name="TextShape 4"/>
-          <p:cNvSpPr txBox="1"/>
-          <p:nvPr/>
-        </p:nvSpPr>
-        <p:spPr>
-          <a:xfrm>
-            <a:off x="2932920" y="5567760"/>
-            <a:ext cx="2919240" cy="346320"/>
-          </a:xfrm>
-          <a:prstGeom prst="rect">
-            <a:avLst/>
-          </a:prstGeom>
-        </p:spPr>
-        <p:txBody>
-          <a:bodyPr lIns="90000" rIns="90000" tIns="45000" bIns="45000"/>
-          <a:p>
-            <a:r>
-              <a:rPr lang="en-US">
-                <a:latin typeface="Arial"/>
-              </a:rPr>
-              <a:t>Select your Eclipse version</a:t>
-            </a:r>
-            <a:endParaRPr/>
-          </a:p>
-        </p:txBody>
-      </p:sp>
-      <p:sp>
-        <p:nvSpPr>
-          <p:cNvPr id="67" name="TextShape 5"/>
-          <p:cNvSpPr txBox="1"/>
-          <p:nvPr/>
-        </p:nvSpPr>
-        <p:spPr>
-          <a:xfrm>
-            <a:off x="1134360" y="6237360"/>
-            <a:ext cx="3957120" cy="346320"/>
-          </a:xfrm>
-          <a:prstGeom prst="rect">
-            <a:avLst/>
-          </a:prstGeom>
-        </p:spPr>
-        <p:txBody>
-          <a:bodyPr lIns="90000" rIns="90000" tIns="45000" bIns="45000"/>
-          <a:p>
-            <a:r>
-              <a:rPr lang="en-US">
-                <a:latin typeface="Arial"/>
-              </a:rPr>
-              <a:t>Expand Programming Languages tab</a:t>
-            </a:r>
-            <a:endParaRPr/>
-          </a:p>
-        </p:txBody>
-      </p:sp>
-      <p:sp>
-        <p:nvSpPr>
-          <p:cNvPr id="68" name="CustomShape 6"/>
+          <p:cNvPr id="134" name="CustomShape 3"/>
           <p:cNvSpPr/>
           <p:nvPr/>
         </p:nvSpPr>
         <p:spPr>
           <a:xfrm>
+            <a:off x="1055160" y="5597280"/>
+            <a:ext cx="1230480" cy="345960"/>
+          </a:xfrm>
+          <a:prstGeom prst="rect">
+            <a:avLst/>
+          </a:prstGeom>
+          <a:noFill/>
+          <a:ln>
+            <a:noFill/>
+          </a:ln>
+        </p:spPr>
+        <p:txBody>
+          <a:bodyPr lIns="90000" rIns="90000" tIns="45000" bIns="45000"/>
+          <a:p>
+            <a:r>
+              <a:rPr lang="en-US">
+                <a:latin typeface="Arial"/>
+              </a:rPr>
+              <a:t>Work With</a:t>
+            </a:r>
+            <a:endParaRPr/>
+          </a:p>
+        </p:txBody>
+      </p:sp>
+      <p:sp>
+        <p:nvSpPr>
+          <p:cNvPr id="135" name="CustomShape 4"/>
+          <p:cNvSpPr/>
+          <p:nvPr/>
+        </p:nvSpPr>
+        <p:spPr>
+          <a:xfrm>
+            <a:off x="2932920" y="5567760"/>
+            <a:ext cx="2918880" cy="345960"/>
+          </a:xfrm>
+          <a:prstGeom prst="rect">
+            <a:avLst/>
+          </a:prstGeom>
+          <a:noFill/>
+          <a:ln>
+            <a:noFill/>
+          </a:ln>
+        </p:spPr>
+        <p:txBody>
+          <a:bodyPr lIns="90000" rIns="90000" tIns="45000" bIns="45000"/>
+          <a:p>
+            <a:r>
+              <a:rPr lang="en-US">
+                <a:latin typeface="Arial"/>
+              </a:rPr>
+              <a:t>Select your Eclipse version</a:t>
+            </a:r>
+            <a:endParaRPr/>
+          </a:p>
+        </p:txBody>
+      </p:sp>
+      <p:sp>
+        <p:nvSpPr>
+          <p:cNvPr id="136" name="CustomShape 5"/>
+          <p:cNvSpPr/>
+          <p:nvPr/>
+        </p:nvSpPr>
+        <p:spPr>
+          <a:xfrm>
+            <a:off x="1134360" y="6237360"/>
+            <a:ext cx="3956760" cy="345960"/>
+          </a:xfrm>
+          <a:prstGeom prst="rect">
+            <a:avLst/>
+          </a:prstGeom>
+          <a:noFill/>
+          <a:ln>
+            <a:noFill/>
+          </a:ln>
+        </p:spPr>
+        <p:txBody>
+          <a:bodyPr lIns="90000" rIns="90000" tIns="45000" bIns="45000"/>
+          <a:p>
+            <a:r>
+              <a:rPr lang="en-US">
+                <a:latin typeface="Arial"/>
+              </a:rPr>
+              <a:t>Expand Programming Languages tab</a:t>
+            </a:r>
+            <a:endParaRPr/>
+          </a:p>
+        </p:txBody>
+      </p:sp>
+      <p:sp>
+        <p:nvSpPr>
+          <p:cNvPr id="137" name="CustomShape 6"/>
+          <p:cNvSpPr/>
+          <p:nvPr/>
+        </p:nvSpPr>
+        <p:spPr>
+          <a:xfrm>
             <a:off x="5120640" y="6217920"/>
-            <a:ext cx="457200" cy="427680"/>
+            <a:ext cx="456840" cy="427320"/>
           </a:xfrm>
           <a:prstGeom prst="rightArrow">
             <a:avLst>
@@ -3668,18 +6924,22 @@
       </p:sp>
       <p:sp>
         <p:nvSpPr>
-          <p:cNvPr id="69" name="TextShape 7"/>
-          <p:cNvSpPr txBox="1"/>
+          <p:cNvPr id="138" name="CustomShape 7"/>
+          <p:cNvSpPr/>
           <p:nvPr/>
         </p:nvSpPr>
         <p:spPr>
           <a:xfrm>
             <a:off x="5677560" y="6309360"/>
-            <a:ext cx="4015080" cy="346320"/>
-          </a:xfrm>
-          <a:prstGeom prst="rect">
-            <a:avLst/>
-          </a:prstGeom>
+            <a:ext cx="4014720" cy="345960"/>
+          </a:xfrm>
+          <a:prstGeom prst="rect">
+            <a:avLst/>
+          </a:prstGeom>
+          <a:noFill/>
+          <a:ln>
+            <a:noFill/>
+          </a:ln>
         </p:spPr>
         <p:txBody>
           <a:bodyPr lIns="90000" rIns="90000" tIns="45000" bIns="45000"/>
@@ -3696,18 +6956,22 @@
       </p:sp>
       <p:sp>
         <p:nvSpPr>
-          <p:cNvPr id="70" name="TextShape 8"/>
-          <p:cNvSpPr txBox="1"/>
+          <p:cNvPr id="139" name="CustomShape 8"/>
+          <p:cNvSpPr/>
           <p:nvPr/>
         </p:nvSpPr>
         <p:spPr>
           <a:xfrm>
             <a:off x="731520" y="5577840"/>
-            <a:ext cx="371160" cy="346320"/>
-          </a:xfrm>
-          <a:prstGeom prst="rect">
-            <a:avLst/>
-          </a:prstGeom>
+            <a:ext cx="370800" cy="345960"/>
+          </a:xfrm>
+          <a:prstGeom prst="rect">
+            <a:avLst/>
+          </a:prstGeom>
+          <a:noFill/>
+          <a:ln>
+            <a:noFill/>
+          </a:ln>
         </p:spPr>
         <p:txBody>
           <a:bodyPr lIns="90000" rIns="90000" tIns="45000" bIns="45000"/>
@@ -3724,18 +6988,22 @@
       </p:sp>
       <p:sp>
         <p:nvSpPr>
-          <p:cNvPr id="71" name="TextShape 9"/>
-          <p:cNvSpPr txBox="1"/>
+          <p:cNvPr id="140" name="CustomShape 9"/>
+          <p:cNvSpPr/>
           <p:nvPr/>
         </p:nvSpPr>
         <p:spPr>
           <a:xfrm>
             <a:off x="731520" y="6217920"/>
-            <a:ext cx="371160" cy="529200"/>
-          </a:xfrm>
-          <a:prstGeom prst="rect">
-            <a:avLst/>
-          </a:prstGeom>
+            <a:ext cx="370800" cy="528840"/>
+          </a:xfrm>
+          <a:prstGeom prst="rect">
+            <a:avLst/>
+          </a:prstGeom>
+          <a:noFill/>
+          <a:ln>
+            <a:noFill/>
+          </a:ln>
         </p:spPr>
         <p:txBody>
           <a:bodyPr lIns="90000" rIns="90000" tIns="45000" bIns="45000"/>
@@ -3752,18 +7020,22 @@
       </p:sp>
       <p:sp>
         <p:nvSpPr>
-          <p:cNvPr id="72" name="TextShape 10"/>
-          <p:cNvSpPr txBox="1"/>
+          <p:cNvPr id="141" name="CustomShape 10"/>
+          <p:cNvSpPr/>
           <p:nvPr/>
         </p:nvSpPr>
         <p:spPr>
           <a:xfrm>
             <a:off x="822960" y="6858000"/>
-            <a:ext cx="5560560" cy="346320"/>
-          </a:xfrm>
-          <a:prstGeom prst="rect">
-            <a:avLst/>
-          </a:prstGeom>
+            <a:ext cx="5560200" cy="345960"/>
+          </a:xfrm>
+          <a:prstGeom prst="rect">
+            <a:avLst/>
+          </a:prstGeom>
+          <a:noFill/>
+          <a:ln>
+            <a:noFill/>
+          </a:ln>
         </p:spPr>
         <p:txBody>
           <a:bodyPr lIns="90000" rIns="90000" tIns="45000" bIns="45000"/>
@@ -3780,7 +7052,7 @@
       </p:sp>
       <p:pic>
         <p:nvPicPr>
-          <p:cNvPr id="73" name="" descr=""/>
+          <p:cNvPr id="142" name="" descr=""/>
           <p:cNvPicPr/>
           <p:nvPr/>
         </p:nvPicPr>
@@ -3793,7 +7065,7 @@
         <p:spPr>
           <a:xfrm>
             <a:off x="1005840" y="1463040"/>
-            <a:ext cx="7781400" cy="3914280"/>
+            <a:ext cx="7781040" cy="3913920"/>
           </a:xfrm>
           <a:prstGeom prst="rect">
             <a:avLst/>
@@ -3854,23 +7126,31 @@
       </p:grpSpPr>
       <p:sp>
         <p:nvSpPr>
-          <p:cNvPr id="74" name="TextShape 1"/>
-          <p:cNvSpPr txBox="1"/>
+          <p:cNvPr id="143" name="CustomShape 1"/>
+          <p:cNvSpPr/>
           <p:nvPr/>
         </p:nvSpPr>
         <p:spPr>
           <a:xfrm>
             <a:off x="504000" y="301320"/>
-            <a:ext cx="9071640" cy="1262160"/>
-          </a:xfrm>
-          <a:prstGeom prst="rect">
-            <a:avLst/>
-          </a:prstGeom>
+            <a:ext cx="9071280" cy="1261800"/>
+          </a:xfrm>
+          <a:prstGeom prst="rect">
+            <a:avLst/>
+          </a:prstGeom>
+          <a:noFill/>
+          <a:ln>
+            <a:noFill/>
+          </a:ln>
         </p:spPr>
         <p:txBody>
           <a:bodyPr lIns="0" rIns="0" tIns="0" bIns="0" anchor="ctr"/>
           <a:p>
-            <a:pPr algn="ctr"/>
+            <a:pPr algn="ctr">
+              <a:lnSpc>
+                <a:spcPct val="100000"/>
+              </a:lnSpc>
+            </a:pPr>
             <a:r>
               <a:rPr lang="en-US" sz="4400">
                 <a:latin typeface="Arial"/>
@@ -3883,7 +7163,7 @@
       </p:sp>
       <p:pic>
         <p:nvPicPr>
-          <p:cNvPr id="75" name="" descr=""/>
+          <p:cNvPr id="144" name="" descr=""/>
           <p:cNvPicPr/>
           <p:nvPr/>
         </p:nvPicPr>
@@ -3896,7 +7176,7 @@
         <p:spPr>
           <a:xfrm>
             <a:off x="499320" y="1920240"/>
-            <a:ext cx="4438440" cy="1009440"/>
+            <a:ext cx="4438080" cy="1009080"/>
           </a:xfrm>
           <a:prstGeom prst="rect">
             <a:avLst/>
@@ -3908,7 +7188,7 @@
       </p:pic>
       <p:pic>
         <p:nvPicPr>
-          <p:cNvPr id="76" name="" descr=""/>
+          <p:cNvPr id="145" name="" descr=""/>
           <p:cNvPicPr/>
           <p:nvPr/>
         </p:nvPicPr>
@@ -3921,7 +7201,7 @@
         <p:spPr>
           <a:xfrm>
             <a:off x="2509200" y="3200400"/>
-            <a:ext cx="7457760" cy="3762000"/>
+            <a:ext cx="7457400" cy="3761640"/>
           </a:xfrm>
           <a:prstGeom prst="rect">
             <a:avLst/>
@@ -3933,14 +7213,14 @@
       </p:pic>
       <p:sp>
         <p:nvSpPr>
-          <p:cNvPr id="77" name="CustomShape 2"/>
+          <p:cNvPr id="146" name="CustomShape 2"/>
           <p:cNvSpPr/>
           <p:nvPr/>
         </p:nvSpPr>
         <p:spPr>
           <a:xfrm>
             <a:off x="5212080" y="2103120"/>
-            <a:ext cx="2103120" cy="722520"/>
+            <a:ext cx="2102760" cy="722160"/>
           </a:xfrm>
           <a:prstGeom prst="leftArrow">
             <a:avLst>
@@ -3960,42 +7240,46 @@
       </p:sp>
       <p:sp>
         <p:nvSpPr>
-          <p:cNvPr id="78" name="TextShape 3"/>
-          <p:cNvSpPr txBox="1"/>
-          <p:nvPr/>
-        </p:nvSpPr>
-        <p:spPr>
-          <a:xfrm>
-            <a:off x="7589520" y="2286000"/>
-            <a:ext cx="1320840" cy="346320"/>
-          </a:xfrm>
-          <a:prstGeom prst="rect">
-            <a:avLst/>
-          </a:prstGeom>
-        </p:spPr>
-        <p:txBody>
-          <a:bodyPr lIns="90000" rIns="90000" tIns="45000" bIns="45000"/>
-          <a:p>
-            <a:r>
-              <a:rPr lang="en-US">
-                <a:latin typeface="Arial"/>
-              </a:rPr>
-              <a:t>Follow Link</a:t>
-            </a:r>
-            <a:endParaRPr/>
-          </a:p>
-        </p:txBody>
-      </p:sp>
-      <p:sp>
-        <p:nvSpPr>
-          <p:cNvPr id="79" name="CustomShape 4"/>
+          <p:cNvPr id="147" name="CustomShape 3"/>
           <p:cNvSpPr/>
           <p:nvPr/>
         </p:nvSpPr>
         <p:spPr>
           <a:xfrm>
+            <a:off x="7589520" y="2286000"/>
+            <a:ext cx="1320480" cy="345960"/>
+          </a:xfrm>
+          <a:prstGeom prst="rect">
+            <a:avLst/>
+          </a:prstGeom>
+          <a:noFill/>
+          <a:ln>
+            <a:noFill/>
+          </a:ln>
+        </p:spPr>
+        <p:txBody>
+          <a:bodyPr lIns="90000" rIns="90000" tIns="45000" bIns="45000"/>
+          <a:p>
+            <a:r>
+              <a:rPr lang="en-US">
+                <a:latin typeface="Arial"/>
+              </a:rPr>
+              <a:t>Follow Link</a:t>
+            </a:r>
+            <a:endParaRPr/>
+          </a:p>
+        </p:txBody>
+      </p:sp>
+      <p:sp>
+        <p:nvSpPr>
+          <p:cNvPr id="148" name="CustomShape 4"/>
+          <p:cNvSpPr/>
+          <p:nvPr/>
+        </p:nvSpPr>
+        <p:spPr>
+          <a:xfrm>
             <a:off x="982440" y="5909040"/>
-            <a:ext cx="1463040" cy="548640"/>
+            <a:ext cx="1462680" cy="548280"/>
           </a:xfrm>
           <a:prstGeom prst="rightArrow">
             <a:avLst>
@@ -4015,18 +7299,22 @@
       </p:sp>
       <p:sp>
         <p:nvSpPr>
-          <p:cNvPr id="80" name="TextShape 5"/>
-          <p:cNvSpPr txBox="1"/>
+          <p:cNvPr id="149" name="CustomShape 5"/>
+          <p:cNvSpPr/>
           <p:nvPr/>
         </p:nvSpPr>
         <p:spPr>
           <a:xfrm>
             <a:off x="640080" y="6583680"/>
-            <a:ext cx="1669680" cy="346320"/>
-          </a:xfrm>
-          <a:prstGeom prst="rect">
-            <a:avLst/>
-          </a:prstGeom>
+            <a:ext cx="1669320" cy="345960"/>
+          </a:xfrm>
+          <a:prstGeom prst="rect">
+            <a:avLst/>
+          </a:prstGeom>
+          <a:noFill/>
+          <a:ln>
+            <a:noFill/>
+          </a:ln>
         </p:spPr>
         <p:txBody>
           <a:bodyPr lIns="90000" rIns="90000" tIns="45000" bIns="45000"/>
@@ -4050,6 +7338,371 @@
           <p:childTnLst>
             <p:seq>
               <p:cTn id="12" nodeType="mainSeq"/>
+              <p:prevCondLst>
+                <p:cond delay="0" evt="onPrev">
+                  <p:tgtEl>
+                    <p:sldTgt/>
+                  </p:tgtEl>
+                </p:cond>
+              </p:prevCondLst>
+              <p:nextCondLst>
+                <p:cond delay="0" evt="onNext">
+                  <p:tgtEl>
+                    <p:sldTgt/>
+                  </p:tgtEl>
+                </p:cond>
+              </p:nextCondLst>
+            </p:seq>
+          </p:childTnLst>
+        </p:cTn>
+      </p:par>
+    </p:tnLst>
+  </p:timing>
+</p:sld>
+</file>
+
+<file path=ppt/slides/slide7.xml><?xml version="1.0" encoding="utf-8"?>
+<p:sld xmlns:a="http://schemas.openxmlformats.org/drawingml/2006/main" xmlns:p="http://schemas.openxmlformats.org/presentationml/2006/main" xmlns:r="http://schemas.openxmlformats.org/officeDocument/2006/relationships">
+  <p:cSld>
+    <p:spTree>
+      <p:nvGrpSpPr>
+        <p:cNvPr id="1" name=""/>
+        <p:cNvGrpSpPr/>
+        <p:nvPr/>
+      </p:nvGrpSpPr>
+      <p:grpSpPr>
+        <a:xfrm>
+          <a:off x="0" y="0"/>
+          <a:ext cx="0" cy="0"/>
+          <a:chOff x="0" y="0"/>
+          <a:chExt cx="0" cy="0"/>
+        </a:xfrm>
+      </p:grpSpPr>
+      <p:sp>
+        <p:nvSpPr>
+          <p:cNvPr id="150" name="TextShape 1"/>
+          <p:cNvSpPr txBox="1"/>
+          <p:nvPr/>
+        </p:nvSpPr>
+        <p:spPr>
+          <a:xfrm>
+            <a:off x="504000" y="301320"/>
+            <a:ext cx="9071280" cy="1262160"/>
+          </a:xfrm>
+          <a:prstGeom prst="rect">
+            <a:avLst/>
+          </a:prstGeom>
+        </p:spPr>
+        <p:txBody>
+          <a:bodyPr lIns="0" rIns="0" tIns="0" bIns="0" anchor="ctr"/>
+          <a:p>
+            <a:pPr algn="ctr"/>
+            <a:r>
+              <a:rPr lang="en-US" sz="4400">
+                <a:latin typeface="Arial"/>
+              </a:rPr>
+              <a:t>Creating Graphics Project</a:t>
+            </a:r>
+            <a:endParaRPr/>
+          </a:p>
+        </p:txBody>
+      </p:sp>
+      <p:sp>
+        <p:nvSpPr>
+          <p:cNvPr id="151" name="TextShape 2"/>
+          <p:cNvSpPr txBox="1"/>
+          <p:nvPr/>
+        </p:nvSpPr>
+        <p:spPr>
+          <a:xfrm>
+            <a:off x="2251440" y="6949440"/>
+            <a:ext cx="5612400" cy="346320"/>
+          </a:xfrm>
+          <a:prstGeom prst="rect">
+            <a:avLst/>
+          </a:prstGeom>
+        </p:spPr>
+        <p:txBody>
+          <a:bodyPr lIns="90000" rIns="90000" tIns="45000" bIns="45000"/>
+          <a:p>
+            <a:r>
+              <a:rPr lang="en-US">
+                <a:latin typeface="Arial"/>
+              </a:rPr>
+              <a:t>File → New → Java Project → Create name → Finish</a:t>
+            </a:r>
+            <a:endParaRPr/>
+          </a:p>
+        </p:txBody>
+      </p:sp>
+      <p:pic>
+        <p:nvPicPr>
+          <p:cNvPr id="152" name="" descr=""/>
+          <p:cNvPicPr/>
+          <p:nvPr/>
+        </p:nvPicPr>
+        <p:blipFill>
+          <a:blip r:embed="rId1"/>
+          <a:stretch>
+            <a:fillRect/>
+          </a:stretch>
+        </p:blipFill>
+        <p:spPr>
+          <a:xfrm>
+            <a:off x="310320" y="1360080"/>
+            <a:ext cx="9656280" cy="5428800"/>
+          </a:xfrm>
+          <a:prstGeom prst="rect">
+            <a:avLst/>
+          </a:prstGeom>
+          <a:ln>
+            <a:noFill/>
+          </a:ln>
+        </p:spPr>
+      </p:pic>
+    </p:spTree>
+  </p:cSld>
+  <p:timing>
+    <p:tnLst>
+      <p:par>
+        <p:cTn id="13" dur="indefinite" restart="never" nodeType="tmRoot">
+          <p:childTnLst>
+            <p:seq>
+              <p:cTn id="14" nodeType="mainSeq"/>
+              <p:prevCondLst>
+                <p:cond delay="0" evt="onPrev">
+                  <p:tgtEl>
+                    <p:sldTgt/>
+                  </p:tgtEl>
+                </p:cond>
+              </p:prevCondLst>
+              <p:nextCondLst>
+                <p:cond delay="0" evt="onNext">
+                  <p:tgtEl>
+                    <p:sldTgt/>
+                  </p:tgtEl>
+                </p:cond>
+              </p:nextCondLst>
+            </p:seq>
+          </p:childTnLst>
+        </p:cTn>
+      </p:par>
+    </p:tnLst>
+  </p:timing>
+</p:sld>
+</file>
+
+<file path=ppt/slides/slide8.xml><?xml version="1.0" encoding="utf-8"?>
+<p:sld xmlns:a="http://schemas.openxmlformats.org/drawingml/2006/main" xmlns:p="http://schemas.openxmlformats.org/presentationml/2006/main" xmlns:r="http://schemas.openxmlformats.org/officeDocument/2006/relationships">
+  <p:cSld>
+    <p:spTree>
+      <p:nvGrpSpPr>
+        <p:cNvPr id="1" name=""/>
+        <p:cNvGrpSpPr/>
+        <p:nvPr/>
+      </p:nvGrpSpPr>
+      <p:grpSpPr>
+        <a:xfrm>
+          <a:off x="0" y="0"/>
+          <a:ext cx="0" cy="0"/>
+          <a:chOff x="0" y="0"/>
+          <a:chExt cx="0" cy="0"/>
+        </a:xfrm>
+      </p:grpSpPr>
+      <p:sp>
+        <p:nvSpPr>
+          <p:cNvPr id="153" name="TextShape 1"/>
+          <p:cNvSpPr txBox="1"/>
+          <p:nvPr/>
+        </p:nvSpPr>
+        <p:spPr>
+          <a:xfrm>
+            <a:off x="504000" y="301320"/>
+            <a:ext cx="9071280" cy="1262160"/>
+          </a:xfrm>
+          <a:prstGeom prst="rect">
+            <a:avLst/>
+          </a:prstGeom>
+        </p:spPr>
+        <p:txBody>
+          <a:bodyPr lIns="0" rIns="0" tIns="0" bIns="0" anchor="ctr"/>
+          <a:p>
+            <a:pPr algn="ctr"/>
+            <a:r>
+              <a:rPr lang="en-US" sz="4400">
+                <a:latin typeface="Arial"/>
+              </a:rPr>
+              <a:t>Creating Graphics Project</a:t>
+            </a:r>
+            <a:endParaRPr/>
+          </a:p>
+        </p:txBody>
+      </p:sp>
+      <p:pic>
+        <p:nvPicPr>
+          <p:cNvPr id="154" name="" descr=""/>
+          <p:cNvPicPr/>
+          <p:nvPr/>
+        </p:nvPicPr>
+        <p:blipFill>
+          <a:blip r:embed="rId1"/>
+          <a:stretch>
+            <a:fillRect/>
+          </a:stretch>
+        </p:blipFill>
+        <p:spPr>
+          <a:xfrm>
+            <a:off x="389520" y="1524960"/>
+            <a:ext cx="9486000" cy="5333040"/>
+          </a:xfrm>
+          <a:prstGeom prst="rect">
+            <a:avLst/>
+          </a:prstGeom>
+          <a:ln>
+            <a:noFill/>
+          </a:ln>
+        </p:spPr>
+      </p:pic>
+      <p:sp>
+        <p:nvSpPr>
+          <p:cNvPr id="155" name="TextShape 2"/>
+          <p:cNvSpPr txBox="1"/>
+          <p:nvPr/>
+        </p:nvSpPr>
+        <p:spPr>
+          <a:xfrm>
+            <a:off x="1645920" y="7223760"/>
+            <a:ext cx="2288520" cy="346320"/>
+          </a:xfrm>
+          <a:prstGeom prst="rect">
+            <a:avLst/>
+          </a:prstGeom>
+        </p:spPr>
+        <p:txBody>
+          <a:bodyPr lIns="90000" rIns="90000" tIns="45000" bIns="45000"/>
+          <a:p>
+            <a:r>
+              <a:rPr lang="en-US">
+                <a:latin typeface="Arial"/>
+              </a:rPr>
+              <a:t>File → New → Other</a:t>
+            </a:r>
+            <a:endParaRPr/>
+          </a:p>
+        </p:txBody>
+      </p:sp>
+    </p:spTree>
+  </p:cSld>
+  <p:timing>
+    <p:tnLst>
+      <p:par>
+        <p:cTn id="15" dur="indefinite" restart="never" nodeType="tmRoot">
+          <p:childTnLst>
+            <p:seq>
+              <p:cTn id="16" nodeType="mainSeq"/>
+              <p:prevCondLst>
+                <p:cond delay="0" evt="onPrev">
+                  <p:tgtEl>
+                    <p:sldTgt/>
+                  </p:tgtEl>
+                </p:cond>
+              </p:prevCondLst>
+              <p:nextCondLst>
+                <p:cond delay="0" evt="onNext">
+                  <p:tgtEl>
+                    <p:sldTgt/>
+                  </p:tgtEl>
+                </p:cond>
+              </p:nextCondLst>
+            </p:seq>
+          </p:childTnLst>
+        </p:cTn>
+      </p:par>
+    </p:tnLst>
+  </p:timing>
+</p:sld>
+</file>
+
+<file path=ppt/slides/slide9.xml><?xml version="1.0" encoding="utf-8"?>
+<p:sld xmlns:a="http://schemas.openxmlformats.org/drawingml/2006/main" xmlns:p="http://schemas.openxmlformats.org/presentationml/2006/main" xmlns:r="http://schemas.openxmlformats.org/officeDocument/2006/relationships">
+  <p:cSld>
+    <p:spTree>
+      <p:nvGrpSpPr>
+        <p:cNvPr id="1" name=""/>
+        <p:cNvGrpSpPr/>
+        <p:nvPr/>
+      </p:nvGrpSpPr>
+      <p:grpSpPr>
+        <a:xfrm>
+          <a:off x="0" y="0"/>
+          <a:ext cx="0" cy="0"/>
+          <a:chOff x="0" y="0"/>
+          <a:chExt cx="0" cy="0"/>
+        </a:xfrm>
+      </p:grpSpPr>
+      <p:sp>
+        <p:nvSpPr>
+          <p:cNvPr id="156" name="TextShape 1"/>
+          <p:cNvSpPr txBox="1"/>
+          <p:nvPr/>
+        </p:nvSpPr>
+        <p:spPr>
+          <a:xfrm>
+            <a:off x="504000" y="301320"/>
+            <a:ext cx="9071280" cy="1262160"/>
+          </a:xfrm>
+          <a:prstGeom prst="rect">
+            <a:avLst/>
+          </a:prstGeom>
+        </p:spPr>
+        <p:txBody>
+          <a:bodyPr lIns="0" rIns="0" tIns="0" bIns="0" anchor="ctr"/>
+          <a:p>
+            <a:pPr algn="ctr"/>
+            <a:r>
+              <a:rPr lang="en-US" sz="4400">
+                <a:latin typeface="Arial"/>
+              </a:rPr>
+              <a:t>Creating Graphics Project</a:t>
+            </a:r>
+            <a:endParaRPr/>
+          </a:p>
+        </p:txBody>
+      </p:sp>
+      <p:pic>
+        <p:nvPicPr>
+          <p:cNvPr id="157" name="" descr=""/>
+          <p:cNvPicPr/>
+          <p:nvPr/>
+        </p:nvPicPr>
+        <p:blipFill>
+          <a:blip r:embed="rId1"/>
+          <a:stretch>
+            <a:fillRect/>
+          </a:stretch>
+        </p:blipFill>
+        <p:spPr>
+          <a:xfrm>
+            <a:off x="2160720" y="1463040"/>
+            <a:ext cx="5886000" cy="4847760"/>
+          </a:xfrm>
+          <a:prstGeom prst="rect">
+            <a:avLst/>
+          </a:prstGeom>
+          <a:ln>
+            <a:noFill/>
+          </a:ln>
+        </p:spPr>
+      </p:pic>
+    </p:spTree>
+  </p:cSld>
+  <p:timing>
+    <p:tnLst>
+      <p:par>
+        <p:cTn id="17" dur="indefinite" restart="never" nodeType="tmRoot">
+          <p:childTnLst>
+            <p:seq>
+              <p:cTn id="18" nodeType="mainSeq"/>
               <p:prevCondLst>
                 <p:cond delay="0" evt="onPrev">
                   <p:tgtEl>
@@ -4517,4 +8170,450 @@
     </a:fmtScheme>
   </a:themeElements>
 </a:theme>
+</file>
+
+<file path=ppt/theme/theme3.xml><?xml version="1.0" encoding="utf-8"?>
+<a:theme xmlns:a="http://schemas.openxmlformats.org/drawingml/2006/main" name="Office Theme">
+  <a:themeElements>
+    <a:clrScheme name="Office">
+      <a:dk1>
+        <a:sysClr val="windowText" lastClr="000000"/>
+      </a:dk1>
+      <a:lt1>
+        <a:sysClr val="window" lastClr="FFFFFF"/>
+      </a:lt1>
+      <a:dk2>
+        <a:srgbClr val="1F497D"/>
+      </a:dk2>
+      <a:lt2>
+        <a:srgbClr val="EEECE1"/>
+      </a:lt2>
+      <a:accent1>
+        <a:srgbClr val="4F81BD"/>
+      </a:accent1>
+      <a:accent2>
+        <a:srgbClr val="C0504D"/>
+      </a:accent2>
+      <a:accent3>
+        <a:srgbClr val="9BBB59"/>
+      </a:accent3>
+      <a:accent4>
+        <a:srgbClr val="8064A2"/>
+      </a:accent4>
+      <a:accent5>
+        <a:srgbClr val="4BACC6"/>
+      </a:accent5>
+      <a:accent6>
+        <a:srgbClr val="F79646"/>
+      </a:accent6>
+      <a:hlink>
+        <a:srgbClr val="0000FF"/>
+      </a:hlink>
+      <a:folHlink>
+        <a:srgbClr val="800080"/>
+      </a:folHlink>
+    </a:clrScheme>
+    <a:fontScheme name="Office">
+      <a:majorFont>
+        <a:latin typeface="Arial"/>
+        <a:ea typeface="DejaVu Sans"/>
+        <a:cs typeface="DejaVu Sans"/>
+      </a:majorFont>
+      <a:minorFont>
+        <a:latin typeface="Arial"/>
+        <a:ea typeface="DejaVu Sans"/>
+        <a:cs typeface="DejaVu Sans"/>
+      </a:minorFont>
+    </a:fontScheme>
+    <a:fmtScheme name="Office">
+      <a:fillStyleLst>
+        <a:solidFill>
+          <a:schemeClr val="phClr"/>
+        </a:solidFill>
+        <a:gradFill rotWithShape="1">
+          <a:gsLst>
+            <a:gs pos="0">
+              <a:schemeClr val="phClr">
+                <a:tint val="50000"/>
+                <a:satMod val="300000"/>
+              </a:schemeClr>
+            </a:gs>
+            <a:gs pos="35000">
+              <a:schemeClr val="phClr">
+                <a:tint val="37000"/>
+                <a:satMod val="300000"/>
+              </a:schemeClr>
+            </a:gs>
+            <a:gs pos="100000">
+              <a:schemeClr val="phClr">
+                <a:tint val="15000"/>
+                <a:satMod val="350000"/>
+              </a:schemeClr>
+            </a:gs>
+          </a:gsLst>
+          <a:lin ang="16200000" scaled="1"/>
+        </a:gradFill>
+        <a:gradFill rotWithShape="1">
+          <a:gsLst>
+            <a:gs pos="0">
+              <a:schemeClr val="phClr">
+                <a:shade val="51000"/>
+                <a:satMod val="130000"/>
+              </a:schemeClr>
+            </a:gs>
+            <a:gs pos="80000">
+              <a:schemeClr val="phClr">
+                <a:shade val="93000"/>
+                <a:satMod val="130000"/>
+              </a:schemeClr>
+            </a:gs>
+            <a:gs pos="100000">
+              <a:schemeClr val="phClr">
+                <a:shade val="94000"/>
+                <a:satMod val="135000"/>
+              </a:schemeClr>
+            </a:gs>
+          </a:gsLst>
+          <a:lin ang="16200000" scaled="0"/>
+        </a:gradFill>
+      </a:fillStyleLst>
+      <a:lnStyleLst>
+        <a:ln w="9525" cap="flat" cmpd="sng" algn="ctr">
+          <a:solidFill>
+            <a:schemeClr val="phClr">
+              <a:shade val="95000"/>
+              <a:satMod val="105000"/>
+            </a:schemeClr>
+          </a:solidFill>
+          <a:prstDash val="solid"/>
+        </a:ln>
+        <a:ln w="25400" cap="flat" cmpd="sng" algn="ctr">
+          <a:solidFill>
+            <a:schemeClr val="phClr"/>
+          </a:solidFill>
+          <a:prstDash val="solid"/>
+        </a:ln>
+        <a:ln w="38100" cap="flat" cmpd="sng" algn="ctr">
+          <a:solidFill>
+            <a:schemeClr val="phClr"/>
+          </a:solidFill>
+          <a:prstDash val="solid"/>
+        </a:ln>
+      </a:lnStyleLst>
+      <a:effectStyleLst>
+        <a:effectStyle>
+          <a:effectLst>
+            <a:outerShdw blurRad="40000" dist="20000" dir="5400000" rotWithShape="0">
+              <a:srgbClr val="000000">
+                <a:alpha val="38000"/>
+              </a:srgbClr>
+            </a:outerShdw>
+          </a:effectLst>
+        </a:effectStyle>
+        <a:effectStyle>
+          <a:effectLst>
+            <a:outerShdw blurRad="40000" dist="23000" dir="5400000" rotWithShape="0">
+              <a:srgbClr val="000000">
+                <a:alpha val="35000"/>
+              </a:srgbClr>
+            </a:outerShdw>
+          </a:effectLst>
+        </a:effectStyle>
+        <a:effectStyle>
+          <a:effectLst>
+            <a:outerShdw blurRad="40000" dist="23000" dir="5400000" rotWithShape="0">
+              <a:srgbClr val="000000">
+                <a:alpha val="35000"/>
+              </a:srgbClr>
+            </a:outerShdw>
+          </a:effectLst>
+          <a:scene3d>
+            <a:camera prst="orthographicFront">
+              <a:rot lat="0" lon="0" rev="0"/>
+            </a:camera>
+            <a:lightRig rig="threePt" dir="t">
+              <a:rot lat="0" lon="0" rev="1200000"/>
+            </a:lightRig>
+          </a:scene3d>
+          <a:sp3d>
+            <a:bevelT w="63500" h="25400"/>
+          </a:sp3d>
+        </a:effectStyle>
+      </a:effectStyleLst>
+      <a:bgFillStyleLst>
+        <a:solidFill>
+          <a:schemeClr val="phClr"/>
+        </a:solidFill>
+        <a:gradFill rotWithShape="1">
+          <a:gsLst>
+            <a:gs pos="0">
+              <a:schemeClr val="phClr">
+                <a:tint val="40000"/>
+                <a:satMod val="350000"/>
+              </a:schemeClr>
+            </a:gs>
+            <a:gs pos="40000">
+              <a:schemeClr val="phClr">
+                <a:tint val="45000"/>
+                <a:shade val="99000"/>
+                <a:satMod val="350000"/>
+              </a:schemeClr>
+            </a:gs>
+            <a:gs pos="100000">
+              <a:schemeClr val="phClr">
+                <a:shade val="20000"/>
+                <a:satMod val="255000"/>
+              </a:schemeClr>
+            </a:gs>
+          </a:gsLst>
+          <a:path path="circle">
+            <a:fillToRect l="50000" t="-80000" r="50000" b="180000"/>
+          </a:path>
+        </a:gradFill>
+        <a:gradFill rotWithShape="1">
+          <a:gsLst>
+            <a:gs pos="0">
+              <a:schemeClr val="phClr">
+                <a:tint val="80000"/>
+                <a:satMod val="300000"/>
+              </a:schemeClr>
+            </a:gs>
+            <a:gs pos="100000">
+              <a:schemeClr val="phClr">
+                <a:shade val="30000"/>
+                <a:satMod val="200000"/>
+              </a:schemeClr>
+            </a:gs>
+          </a:gsLst>
+          <a:path path="circle">
+            <a:fillToRect l="50000" t="50000" r="50000" b="50000"/>
+          </a:path>
+        </a:gradFill>
+      </a:bgFillStyleLst>
+    </a:fmtScheme>
+  </a:themeElements>
+</a:theme>
+</file>
+
+<file path=ppt/theme/theme4.xml><?xml version="1.0" encoding="utf-8"?>
+<a:theme xmlns:a="http://schemas.openxmlformats.org/drawingml/2006/main" name="Office Theme">
+  <a:themeElements>
+    <a:clrScheme name="Office">
+      <a:dk1>
+        <a:sysClr val="windowText" lastClr="000000"/>
+      </a:dk1>
+      <a:lt1>
+        <a:sysClr val="window" lastClr="FFFFFF"/>
+      </a:lt1>
+      <a:dk2>
+        <a:srgbClr val="1F497D"/>
+      </a:dk2>
+      <a:lt2>
+        <a:srgbClr val="EEECE1"/>
+      </a:lt2>
+      <a:accent1>
+        <a:srgbClr val="4F81BD"/>
+      </a:accent1>
+      <a:accent2>
+        <a:srgbClr val="C0504D"/>
+      </a:accent2>
+      <a:accent3>
+        <a:srgbClr val="9BBB59"/>
+      </a:accent3>
+      <a:accent4>
+        <a:srgbClr val="8064A2"/>
+      </a:accent4>
+      <a:accent5>
+        <a:srgbClr val="4BACC6"/>
+      </a:accent5>
+      <a:accent6>
+        <a:srgbClr val="F79646"/>
+      </a:accent6>
+      <a:hlink>
+        <a:srgbClr val="0000FF"/>
+      </a:hlink>
+      <a:folHlink>
+        <a:srgbClr val="800080"/>
+      </a:folHlink>
+    </a:clrScheme>
+    <a:fontScheme name="Office">
+      <a:majorFont>
+        <a:latin typeface="Arial"/>
+        <a:ea typeface="DejaVu Sans"/>
+        <a:cs typeface="DejaVu Sans"/>
+      </a:majorFont>
+      <a:minorFont>
+        <a:latin typeface="Arial"/>
+        <a:ea typeface="DejaVu Sans"/>
+        <a:cs typeface="DejaVu Sans"/>
+      </a:minorFont>
+    </a:fontScheme>
+    <a:fmtScheme name="Office">
+      <a:fillStyleLst>
+        <a:solidFill>
+          <a:schemeClr val="phClr"/>
+        </a:solidFill>
+        <a:gradFill rotWithShape="1">
+          <a:gsLst>
+            <a:gs pos="0">
+              <a:schemeClr val="phClr">
+                <a:tint val="50000"/>
+                <a:satMod val="300000"/>
+              </a:schemeClr>
+            </a:gs>
+            <a:gs pos="35000">
+              <a:schemeClr val="phClr">
+                <a:tint val="37000"/>
+                <a:satMod val="300000"/>
+              </a:schemeClr>
+            </a:gs>
+            <a:gs pos="100000">
+              <a:schemeClr val="phClr">
+                <a:tint val="15000"/>
+                <a:satMod val="350000"/>
+              </a:schemeClr>
+            </a:gs>
+          </a:gsLst>
+          <a:lin ang="16200000" scaled="1"/>
+        </a:gradFill>
+        <a:gradFill rotWithShape="1">
+          <a:gsLst>
+            <a:gs pos="0">
+              <a:schemeClr val="phClr">
+                <a:shade val="51000"/>
+                <a:satMod val="130000"/>
+              </a:schemeClr>
+            </a:gs>
+            <a:gs pos="80000">
+              <a:schemeClr val="phClr">
+                <a:shade val="93000"/>
+                <a:satMod val="130000"/>
+              </a:schemeClr>
+            </a:gs>
+            <a:gs pos="100000">
+              <a:schemeClr val="phClr">
+                <a:shade val="94000"/>
+                <a:satMod val="135000"/>
+              </a:schemeClr>
+            </a:gs>
+          </a:gsLst>
+          <a:lin ang="16200000" scaled="0"/>
+        </a:gradFill>
+      </a:fillStyleLst>
+      <a:lnStyleLst>
+        <a:ln w="9525" cap="flat" cmpd="sng" algn="ctr">
+          <a:solidFill>
+            <a:schemeClr val="phClr">
+              <a:shade val="95000"/>
+              <a:satMod val="105000"/>
+            </a:schemeClr>
+          </a:solidFill>
+          <a:prstDash val="solid"/>
+        </a:ln>
+        <a:ln w="25400" cap="flat" cmpd="sng" algn="ctr">
+          <a:solidFill>
+            <a:schemeClr val="phClr"/>
+          </a:solidFill>
+          <a:prstDash val="solid"/>
+        </a:ln>
+        <a:ln w="38100" cap="flat" cmpd="sng" algn="ctr">
+          <a:solidFill>
+            <a:schemeClr val="phClr"/>
+          </a:solidFill>
+          <a:prstDash val="solid"/>
+        </a:ln>
+      </a:lnStyleLst>
+      <a:effectStyleLst>
+        <a:effectStyle>
+          <a:effectLst>
+            <a:outerShdw blurRad="40000" dist="20000" dir="5400000" rotWithShape="0">
+              <a:srgbClr val="000000">
+                <a:alpha val="38000"/>
+              </a:srgbClr>
+            </a:outerShdw>
+          </a:effectLst>
+        </a:effectStyle>
+        <a:effectStyle>
+          <a:effectLst>
+            <a:outerShdw blurRad="40000" dist="23000" dir="5400000" rotWithShape="0">
+              <a:srgbClr val="000000">
+                <a:alpha val="35000"/>
+              </a:srgbClr>
+            </a:outerShdw>
+          </a:effectLst>
+        </a:effectStyle>
+        <a:effectStyle>
+          <a:effectLst>
+            <a:outerShdw blurRad="40000" dist="23000" dir="5400000" rotWithShape="0">
+              <a:srgbClr val="000000">
+                <a:alpha val="35000"/>
+              </a:srgbClr>
+            </a:outerShdw>
+          </a:effectLst>
+          <a:scene3d>
+            <a:camera prst="orthographicFront">
+              <a:rot lat="0" lon="0" rev="0"/>
+            </a:camera>
+            <a:lightRig rig="threePt" dir="t">
+              <a:rot lat="0" lon="0" rev="1200000"/>
+            </a:lightRig>
+          </a:scene3d>
+          <a:sp3d>
+            <a:bevelT w="63500" h="25400"/>
+          </a:sp3d>
+        </a:effectStyle>
+      </a:effectStyleLst>
+      <a:bgFillStyleLst>
+        <a:solidFill>
+          <a:schemeClr val="phClr"/>
+        </a:solidFill>
+        <a:gradFill rotWithShape="1">
+          <a:gsLst>
+            <a:gs pos="0">
+              <a:schemeClr val="phClr">
+                <a:tint val="40000"/>
+                <a:satMod val="350000"/>
+              </a:schemeClr>
+            </a:gs>
+            <a:gs pos="40000">
+              <a:schemeClr val="phClr">
+                <a:tint val="45000"/>
+                <a:shade val="99000"/>
+                <a:satMod val="350000"/>
+              </a:schemeClr>
+            </a:gs>
+            <a:gs pos="100000">
+              <a:schemeClr val="phClr">
+                <a:shade val="20000"/>
+                <a:satMod val="255000"/>
+              </a:schemeClr>
+            </a:gs>
+          </a:gsLst>
+          <a:path path="circle">
+            <a:fillToRect l="50000" t="-80000" r="50000" b="180000"/>
+          </a:path>
+        </a:gradFill>
+        <a:gradFill rotWithShape="1">
+          <a:gsLst>
+            <a:gs pos="0">
+              <a:schemeClr val="phClr">
+                <a:tint val="80000"/>
+                <a:satMod val="300000"/>
+              </a:schemeClr>
+            </a:gs>
+            <a:gs pos="100000">
+              <a:schemeClr val="phClr">
+                <a:shade val="30000"/>
+                <a:satMod val="200000"/>
+              </a:schemeClr>
+            </a:gs>
+          </a:gsLst>
+          <a:path path="circle">
+            <a:fillToRect l="50000" t="50000" r="50000" b="50000"/>
+          </a:path>
+        </a:gradFill>
+      </a:bgFillStyleLst>
+    </a:fmtScheme>
+  </a:themeElements>
+</a:theme>
 </file>
--- a/02 - Setting up your computer cont.pptx
+++ b/02 - Setting up your computer cont.pptx
@@ -197,7 +197,7 @@
           <a:bodyPr lIns="0" rIns="0" tIns="0" bIns="0" anchor="b"/>
           <a:p>
             <a:pPr algn="r"/>
-            <a:fld id="{74F67E91-DA79-43E6-A3BC-C8260B7542E3}" type="slidenum">
+            <a:fld id="{A3DF09EF-8EC3-4DD6-A3DA-2FACB22F4776}" type="slidenum">
               <a:rPr lang="en-US" sz="1400">
                 <a:latin typeface="Times New Roman"/>
               </a:rPr>
@@ -243,7 +243,7 @@
         <p:spPr>
           <a:xfrm>
             <a:off x="777240" y="4777560"/>
-            <a:ext cx="6217200" cy="6304320"/>
+            <a:ext cx="6216840" cy="6303960"/>
           </a:xfrm>
           <a:prstGeom prst="rect">
             <a:avLst/>
@@ -666,7 +666,7 @@
         <p:spPr>
           <a:xfrm>
             <a:off x="777240" y="4777560"/>
-            <a:ext cx="6217200" cy="6304320"/>
+            <a:ext cx="6216840" cy="6303960"/>
           </a:xfrm>
           <a:prstGeom prst="rect">
             <a:avLst/>
@@ -1089,7 +1089,7 @@
         <p:spPr>
           <a:xfrm>
             <a:off x="777240" y="4777560"/>
-            <a:ext cx="6217200" cy="4525560"/>
+            <a:ext cx="6216840" cy="4525200"/>
           </a:xfrm>
           <a:prstGeom prst="rect">
             <a:avLst/>
@@ -1180,7 +1180,7 @@
         <p:spPr>
           <a:xfrm>
             <a:off x="504000" y="301320"/>
-            <a:ext cx="9071280" cy="1262520"/>
+            <a:ext cx="9072000" cy="1262160"/>
           </a:xfrm>
           <a:prstGeom prst="rect">
             <a:avLst/>
@@ -1206,8 +1206,8 @@
         </p:nvSpPr>
         <p:spPr>
           <a:xfrm>
-            <a:off x="504000" y="1769040"/>
-            <a:ext cx="9071280" cy="2090880"/>
+            <a:off x="504000" y="1768680"/>
+            <a:ext cx="9072000" cy="2090880"/>
           </a:xfrm>
           <a:prstGeom prst="rect">
             <a:avLst/>
@@ -1232,8 +1232,8 @@
         </p:nvSpPr>
         <p:spPr>
           <a:xfrm>
-            <a:off x="504000" y="4059000"/>
-            <a:ext cx="9071280" cy="2090880"/>
+            <a:off x="504000" y="4058640"/>
+            <a:ext cx="9072000" cy="2090880"/>
           </a:xfrm>
           <a:prstGeom prst="rect">
             <a:avLst/>
@@ -1281,7 +1281,7 @@
         <p:spPr>
           <a:xfrm>
             <a:off x="504000" y="301320"/>
-            <a:ext cx="9071280" cy="1262520"/>
+            <a:ext cx="9072000" cy="1262160"/>
           </a:xfrm>
           <a:prstGeom prst="rect">
             <a:avLst/>
@@ -1307,8 +1307,8 @@
         </p:nvSpPr>
         <p:spPr>
           <a:xfrm>
-            <a:off x="504000" y="1769040"/>
-            <a:ext cx="4426560" cy="2090880"/>
+            <a:off x="504000" y="1768680"/>
+            <a:ext cx="4426920" cy="2090880"/>
           </a:xfrm>
           <a:prstGeom prst="rect">
             <a:avLst/>
@@ -1333,8 +1333,8 @@
         </p:nvSpPr>
         <p:spPr>
           <a:xfrm>
-            <a:off x="5152320" y="1769040"/>
-            <a:ext cx="4426560" cy="2090880"/>
+            <a:off x="5152680" y="1768680"/>
+            <a:ext cx="4426920" cy="2090880"/>
           </a:xfrm>
           <a:prstGeom prst="rect">
             <a:avLst/>
@@ -1359,8 +1359,8 @@
         </p:nvSpPr>
         <p:spPr>
           <a:xfrm>
-            <a:off x="5152320" y="4059000"/>
-            <a:ext cx="4426560" cy="2090880"/>
+            <a:off x="5152680" y="4058640"/>
+            <a:ext cx="4426920" cy="2090880"/>
           </a:xfrm>
           <a:prstGeom prst="rect">
             <a:avLst/>
@@ -1385,8 +1385,8 @@
         </p:nvSpPr>
         <p:spPr>
           <a:xfrm>
-            <a:off x="504000" y="4059000"/>
-            <a:ext cx="4426560" cy="2090880"/>
+            <a:off x="504000" y="4058640"/>
+            <a:ext cx="4426920" cy="2090880"/>
           </a:xfrm>
           <a:prstGeom prst="rect">
             <a:avLst/>
@@ -1434,7 +1434,7 @@
         <p:spPr>
           <a:xfrm>
             <a:off x="504000" y="301320"/>
-            <a:ext cx="9071280" cy="1262520"/>
+            <a:ext cx="9072000" cy="1262160"/>
           </a:xfrm>
           <a:prstGeom prst="rect">
             <a:avLst/>
@@ -1460,8 +1460,8 @@
         </p:nvSpPr>
         <p:spPr>
           <a:xfrm>
-            <a:off x="504000" y="1769040"/>
-            <a:ext cx="9071280" cy="4384080"/>
+            <a:off x="504000" y="1768680"/>
+            <a:ext cx="9072000" cy="4384080"/>
           </a:xfrm>
           <a:prstGeom prst="rect">
             <a:avLst/>
@@ -1486,8 +1486,8 @@
         </p:nvSpPr>
         <p:spPr>
           <a:xfrm>
-            <a:off x="504000" y="1769040"/>
-            <a:ext cx="9071280" cy="4384080"/>
+            <a:off x="504000" y="1768680"/>
+            <a:ext cx="9072000" cy="4384080"/>
           </a:xfrm>
           <a:prstGeom prst="rect">
             <a:avLst/>
@@ -1514,7 +1514,7 @@
         </p:blipFill>
         <p:spPr>
           <a:xfrm>
-            <a:off x="2292120" y="1769040"/>
+            <a:off x="2292480" y="1768680"/>
             <a:ext cx="5494680" cy="4384080"/>
           </a:xfrm>
           <a:prstGeom prst="rect">
@@ -1539,7 +1539,7 @@
         </p:blipFill>
         <p:spPr>
           <a:xfrm>
-            <a:off x="2292120" y="1769040"/>
+            <a:off x="2292480" y="1768680"/>
             <a:ext cx="5494680" cy="4384080"/>
           </a:xfrm>
           <a:prstGeom prst="rect">
@@ -1607,7 +1607,7 @@
         <p:spPr>
           <a:xfrm>
             <a:off x="504000" y="301320"/>
-            <a:ext cx="9071280" cy="1262520"/>
+            <a:ext cx="9072000" cy="1262160"/>
           </a:xfrm>
           <a:prstGeom prst="rect">
             <a:avLst/>
@@ -1633,8 +1633,8 @@
         </p:nvSpPr>
         <p:spPr>
           <a:xfrm>
-            <a:off x="504000" y="1769040"/>
-            <a:ext cx="9071280" cy="4384440"/>
+            <a:off x="504000" y="1768680"/>
+            <a:ext cx="9072000" cy="4384440"/>
           </a:xfrm>
           <a:prstGeom prst="rect">
             <a:avLst/>
@@ -1683,7 +1683,7 @@
         <p:spPr>
           <a:xfrm>
             <a:off x="504000" y="301320"/>
-            <a:ext cx="9071280" cy="1262520"/>
+            <a:ext cx="9072000" cy="1262160"/>
           </a:xfrm>
           <a:prstGeom prst="rect">
             <a:avLst/>
@@ -1709,8 +1709,8 @@
         </p:nvSpPr>
         <p:spPr>
           <a:xfrm>
-            <a:off x="504000" y="1769040"/>
-            <a:ext cx="9071280" cy="4384080"/>
+            <a:off x="504000" y="1768680"/>
+            <a:ext cx="9072000" cy="4384080"/>
           </a:xfrm>
           <a:prstGeom prst="rect">
             <a:avLst/>
@@ -1758,7 +1758,7 @@
         <p:spPr>
           <a:xfrm>
             <a:off x="504000" y="301320"/>
-            <a:ext cx="9071280" cy="1262520"/>
+            <a:ext cx="9072000" cy="1262160"/>
           </a:xfrm>
           <a:prstGeom prst="rect">
             <a:avLst/>
@@ -1784,8 +1784,8 @@
         </p:nvSpPr>
         <p:spPr>
           <a:xfrm>
-            <a:off x="504000" y="1769040"/>
-            <a:ext cx="4426560" cy="4384080"/>
+            <a:off x="504000" y="1768680"/>
+            <a:ext cx="4426920" cy="4384080"/>
           </a:xfrm>
           <a:prstGeom prst="rect">
             <a:avLst/>
@@ -1810,8 +1810,8 @@
         </p:nvSpPr>
         <p:spPr>
           <a:xfrm>
-            <a:off x="5152320" y="1769040"/>
-            <a:ext cx="4426560" cy="4384080"/>
+            <a:off x="5152680" y="1768680"/>
+            <a:ext cx="4426920" cy="4384080"/>
           </a:xfrm>
           <a:prstGeom prst="rect">
             <a:avLst/>
@@ -1859,7 +1859,7 @@
         <p:spPr>
           <a:xfrm>
             <a:off x="504000" y="301320"/>
-            <a:ext cx="9071280" cy="1262520"/>
+            <a:ext cx="9072000" cy="1262160"/>
           </a:xfrm>
           <a:prstGeom prst="rect">
             <a:avLst/>
@@ -1908,7 +1908,7 @@
         <p:spPr>
           <a:xfrm>
             <a:off x="504000" y="301320"/>
-            <a:ext cx="9071280" cy="5852160"/>
+            <a:ext cx="9072000" cy="5850720"/>
           </a:xfrm>
           <a:prstGeom prst="rect">
             <a:avLst/>
@@ -1957,7 +1957,7 @@
         <p:spPr>
           <a:xfrm>
             <a:off x="504000" y="301320"/>
-            <a:ext cx="9071280" cy="1262520"/>
+            <a:ext cx="9072000" cy="1262160"/>
           </a:xfrm>
           <a:prstGeom prst="rect">
             <a:avLst/>
@@ -1983,8 +1983,8 @@
         </p:nvSpPr>
         <p:spPr>
           <a:xfrm>
-            <a:off x="504000" y="1769040"/>
-            <a:ext cx="4426560" cy="2090880"/>
+            <a:off x="504000" y="1768680"/>
+            <a:ext cx="4426920" cy="2090880"/>
           </a:xfrm>
           <a:prstGeom prst="rect">
             <a:avLst/>
@@ -2009,8 +2009,8 @@
         </p:nvSpPr>
         <p:spPr>
           <a:xfrm>
-            <a:off x="504000" y="4059000"/>
-            <a:ext cx="4426560" cy="2090880"/>
+            <a:off x="504000" y="4058640"/>
+            <a:ext cx="4426920" cy="2090880"/>
           </a:xfrm>
           <a:prstGeom prst="rect">
             <a:avLst/>
@@ -2035,8 +2035,8 @@
         </p:nvSpPr>
         <p:spPr>
           <a:xfrm>
-            <a:off x="5152320" y="1769040"/>
-            <a:ext cx="4426560" cy="4384080"/>
+            <a:off x="5152680" y="1768680"/>
+            <a:ext cx="4426920" cy="4384080"/>
           </a:xfrm>
           <a:prstGeom prst="rect">
             <a:avLst/>
@@ -2084,7 +2084,7 @@
         <p:spPr>
           <a:xfrm>
             <a:off x="504000" y="301320"/>
-            <a:ext cx="9071280" cy="1262520"/>
+            <a:ext cx="9072000" cy="1262160"/>
           </a:xfrm>
           <a:prstGeom prst="rect">
             <a:avLst/>
@@ -2110,8 +2110,8 @@
         </p:nvSpPr>
         <p:spPr>
           <a:xfrm>
-            <a:off x="504000" y="1769040"/>
-            <a:ext cx="9071280" cy="4384440"/>
+            <a:off x="504000" y="1768680"/>
+            <a:ext cx="9072000" cy="4384440"/>
           </a:xfrm>
           <a:prstGeom prst="rect">
             <a:avLst/>
@@ -2160,7 +2160,7 @@
         <p:spPr>
           <a:xfrm>
             <a:off x="504000" y="301320"/>
-            <a:ext cx="9071280" cy="1262520"/>
+            <a:ext cx="9072000" cy="1262160"/>
           </a:xfrm>
           <a:prstGeom prst="rect">
             <a:avLst/>
@@ -2186,8 +2186,8 @@
         </p:nvSpPr>
         <p:spPr>
           <a:xfrm>
-            <a:off x="504000" y="1769040"/>
-            <a:ext cx="4426560" cy="4384080"/>
+            <a:off x="504000" y="1768680"/>
+            <a:ext cx="4426920" cy="4384080"/>
           </a:xfrm>
           <a:prstGeom prst="rect">
             <a:avLst/>
@@ -2212,8 +2212,8 @@
         </p:nvSpPr>
         <p:spPr>
           <a:xfrm>
-            <a:off x="5152320" y="1769040"/>
-            <a:ext cx="4426560" cy="2090880"/>
+            <a:off x="5152680" y="1768680"/>
+            <a:ext cx="4426920" cy="2090880"/>
           </a:xfrm>
           <a:prstGeom prst="rect">
             <a:avLst/>
@@ -2238,8 +2238,8 @@
         </p:nvSpPr>
         <p:spPr>
           <a:xfrm>
-            <a:off x="5152320" y="4059000"/>
-            <a:ext cx="4426560" cy="2090880"/>
+            <a:off x="5152680" y="4058640"/>
+            <a:ext cx="4426920" cy="2090880"/>
           </a:xfrm>
           <a:prstGeom prst="rect">
             <a:avLst/>
@@ -2287,7 +2287,7 @@
         <p:spPr>
           <a:xfrm>
             <a:off x="504000" y="301320"/>
-            <a:ext cx="9071280" cy="1262520"/>
+            <a:ext cx="9072000" cy="1262160"/>
           </a:xfrm>
           <a:prstGeom prst="rect">
             <a:avLst/>
@@ -2313,8 +2313,8 @@
         </p:nvSpPr>
         <p:spPr>
           <a:xfrm>
-            <a:off x="504000" y="1769040"/>
-            <a:ext cx="4426560" cy="2090880"/>
+            <a:off x="504000" y="1768680"/>
+            <a:ext cx="4426920" cy="2090880"/>
           </a:xfrm>
           <a:prstGeom prst="rect">
             <a:avLst/>
@@ -2339,8 +2339,8 @@
         </p:nvSpPr>
         <p:spPr>
           <a:xfrm>
-            <a:off x="5152320" y="1769040"/>
-            <a:ext cx="4426560" cy="2090880"/>
+            <a:off x="5152680" y="1768680"/>
+            <a:ext cx="4426920" cy="2090880"/>
           </a:xfrm>
           <a:prstGeom prst="rect">
             <a:avLst/>
@@ -2365,8 +2365,8 @@
         </p:nvSpPr>
         <p:spPr>
           <a:xfrm>
-            <a:off x="504000" y="4059000"/>
-            <a:ext cx="9071280" cy="2090880"/>
+            <a:off x="504000" y="4058640"/>
+            <a:ext cx="9072000" cy="2090880"/>
           </a:xfrm>
           <a:prstGeom prst="rect">
             <a:avLst/>
@@ -2414,7 +2414,7 @@
         <p:spPr>
           <a:xfrm>
             <a:off x="504000" y="301320"/>
-            <a:ext cx="9071280" cy="1262520"/>
+            <a:ext cx="9072000" cy="1262160"/>
           </a:xfrm>
           <a:prstGeom prst="rect">
             <a:avLst/>
@@ -2440,8 +2440,8 @@
         </p:nvSpPr>
         <p:spPr>
           <a:xfrm>
-            <a:off x="504000" y="1769040"/>
-            <a:ext cx="9071280" cy="2090880"/>
+            <a:off x="504000" y="1768680"/>
+            <a:ext cx="9072000" cy="2090880"/>
           </a:xfrm>
           <a:prstGeom prst="rect">
             <a:avLst/>
@@ -2466,8 +2466,8 @@
         </p:nvSpPr>
         <p:spPr>
           <a:xfrm>
-            <a:off x="504000" y="4059000"/>
-            <a:ext cx="9071280" cy="2090880"/>
+            <a:off x="504000" y="4058640"/>
+            <a:ext cx="9072000" cy="2090880"/>
           </a:xfrm>
           <a:prstGeom prst="rect">
             <a:avLst/>
@@ -2515,7 +2515,7 @@
         <p:spPr>
           <a:xfrm>
             <a:off x="504000" y="301320"/>
-            <a:ext cx="9071280" cy="1262520"/>
+            <a:ext cx="9072000" cy="1262160"/>
           </a:xfrm>
           <a:prstGeom prst="rect">
             <a:avLst/>
@@ -2541,8 +2541,8 @@
         </p:nvSpPr>
         <p:spPr>
           <a:xfrm>
-            <a:off x="504000" y="1769040"/>
-            <a:ext cx="4426560" cy="2090880"/>
+            <a:off x="504000" y="1768680"/>
+            <a:ext cx="4426920" cy="2090880"/>
           </a:xfrm>
           <a:prstGeom prst="rect">
             <a:avLst/>
@@ -2567,8 +2567,8 @@
         </p:nvSpPr>
         <p:spPr>
           <a:xfrm>
-            <a:off x="5152320" y="1769040"/>
-            <a:ext cx="4426560" cy="2090880"/>
+            <a:off x="5152680" y="1768680"/>
+            <a:ext cx="4426920" cy="2090880"/>
           </a:xfrm>
           <a:prstGeom prst="rect">
             <a:avLst/>
@@ -2593,8 +2593,8 @@
         </p:nvSpPr>
         <p:spPr>
           <a:xfrm>
-            <a:off x="5152320" y="4059000"/>
-            <a:ext cx="4426560" cy="2090880"/>
+            <a:off x="5152680" y="4058640"/>
+            <a:ext cx="4426920" cy="2090880"/>
           </a:xfrm>
           <a:prstGeom prst="rect">
             <a:avLst/>
@@ -2619,8 +2619,8 @@
         </p:nvSpPr>
         <p:spPr>
           <a:xfrm>
-            <a:off x="504000" y="4059000"/>
-            <a:ext cx="4426560" cy="2090880"/>
+            <a:off x="504000" y="4058640"/>
+            <a:ext cx="4426920" cy="2090880"/>
           </a:xfrm>
           <a:prstGeom prst="rect">
             <a:avLst/>
@@ -2668,7 +2668,7 @@
         <p:spPr>
           <a:xfrm>
             <a:off x="504000" y="301320"/>
-            <a:ext cx="9071280" cy="1262520"/>
+            <a:ext cx="9072000" cy="1262160"/>
           </a:xfrm>
           <a:prstGeom prst="rect">
             <a:avLst/>
@@ -2694,8 +2694,8 @@
         </p:nvSpPr>
         <p:spPr>
           <a:xfrm>
-            <a:off x="504000" y="1769040"/>
-            <a:ext cx="9071280" cy="4384080"/>
+            <a:off x="504000" y="1768680"/>
+            <a:ext cx="9072000" cy="4384080"/>
           </a:xfrm>
           <a:prstGeom prst="rect">
             <a:avLst/>
@@ -2720,8 +2720,8 @@
         </p:nvSpPr>
         <p:spPr>
           <a:xfrm>
-            <a:off x="504000" y="1769040"/>
-            <a:ext cx="9071280" cy="4384080"/>
+            <a:off x="504000" y="1768680"/>
+            <a:ext cx="9072000" cy="4384080"/>
           </a:xfrm>
           <a:prstGeom prst="rect">
             <a:avLst/>
@@ -2748,7 +2748,7 @@
         </p:blipFill>
         <p:spPr>
           <a:xfrm>
-            <a:off x="2292120" y="1769040"/>
+            <a:off x="2292480" y="1768680"/>
             <a:ext cx="5494680" cy="4384080"/>
           </a:xfrm>
           <a:prstGeom prst="rect">
@@ -2773,7 +2773,7 @@
         </p:blipFill>
         <p:spPr>
           <a:xfrm>
-            <a:off x="2292120" y="1769040"/>
+            <a:off x="2292480" y="1768680"/>
             <a:ext cx="5494680" cy="4384080"/>
           </a:xfrm>
           <a:prstGeom prst="rect">
@@ -2841,7 +2841,7 @@
         <p:spPr>
           <a:xfrm>
             <a:off x="504000" y="301320"/>
-            <a:ext cx="9071280" cy="1262520"/>
+            <a:ext cx="9072000" cy="1262160"/>
           </a:xfrm>
           <a:prstGeom prst="rect">
             <a:avLst/>
@@ -2867,8 +2867,8 @@
         </p:nvSpPr>
         <p:spPr>
           <a:xfrm>
-            <a:off x="504000" y="1769040"/>
-            <a:ext cx="9071280" cy="4384440"/>
+            <a:off x="504000" y="1768680"/>
+            <a:ext cx="9072000" cy="4384440"/>
           </a:xfrm>
           <a:prstGeom prst="rect">
             <a:avLst/>
@@ -2917,7 +2917,7 @@
         <p:spPr>
           <a:xfrm>
             <a:off x="504000" y="301320"/>
-            <a:ext cx="9071280" cy="1262520"/>
+            <a:ext cx="9072000" cy="1262160"/>
           </a:xfrm>
           <a:prstGeom prst="rect">
             <a:avLst/>
@@ -2943,8 +2943,8 @@
         </p:nvSpPr>
         <p:spPr>
           <a:xfrm>
-            <a:off x="504000" y="1769040"/>
-            <a:ext cx="9071280" cy="4384080"/>
+            <a:off x="504000" y="1768680"/>
+            <a:ext cx="9072000" cy="4384080"/>
           </a:xfrm>
           <a:prstGeom prst="rect">
             <a:avLst/>
@@ -2992,7 +2992,7 @@
         <p:spPr>
           <a:xfrm>
             <a:off x="504000" y="301320"/>
-            <a:ext cx="9071280" cy="1262520"/>
+            <a:ext cx="9072000" cy="1262160"/>
           </a:xfrm>
           <a:prstGeom prst="rect">
             <a:avLst/>
@@ -3018,8 +3018,8 @@
         </p:nvSpPr>
         <p:spPr>
           <a:xfrm>
-            <a:off x="504000" y="1769040"/>
-            <a:ext cx="4426560" cy="4384080"/>
+            <a:off x="504000" y="1768680"/>
+            <a:ext cx="4426920" cy="4384080"/>
           </a:xfrm>
           <a:prstGeom prst="rect">
             <a:avLst/>
@@ -3044,8 +3044,8 @@
         </p:nvSpPr>
         <p:spPr>
           <a:xfrm>
-            <a:off x="5152320" y="1769040"/>
-            <a:ext cx="4426560" cy="4384080"/>
+            <a:off x="5152680" y="1768680"/>
+            <a:ext cx="4426920" cy="4384080"/>
           </a:xfrm>
           <a:prstGeom prst="rect">
             <a:avLst/>
@@ -3093,7 +3093,7 @@
         <p:spPr>
           <a:xfrm>
             <a:off x="504000" y="301320"/>
-            <a:ext cx="9071280" cy="1262520"/>
+            <a:ext cx="9072000" cy="1262160"/>
           </a:xfrm>
           <a:prstGeom prst="rect">
             <a:avLst/>
@@ -3142,7 +3142,7 @@
         <p:spPr>
           <a:xfrm>
             <a:off x="504000" y="301320"/>
-            <a:ext cx="9071280" cy="1262520"/>
+            <a:ext cx="9072000" cy="1262160"/>
           </a:xfrm>
           <a:prstGeom prst="rect">
             <a:avLst/>
@@ -3168,8 +3168,8 @@
         </p:nvSpPr>
         <p:spPr>
           <a:xfrm>
-            <a:off x="504000" y="1769040"/>
-            <a:ext cx="9071280" cy="4384080"/>
+            <a:off x="504000" y="1768680"/>
+            <a:ext cx="9072000" cy="4384080"/>
           </a:xfrm>
           <a:prstGeom prst="rect">
             <a:avLst/>
@@ -3217,7 +3217,7 @@
         <p:spPr>
           <a:xfrm>
             <a:off x="504000" y="301320"/>
-            <a:ext cx="9071280" cy="5852160"/>
+            <a:ext cx="9072000" cy="5850720"/>
           </a:xfrm>
           <a:prstGeom prst="rect">
             <a:avLst/>
@@ -3266,7 +3266,7 @@
         <p:spPr>
           <a:xfrm>
             <a:off x="504000" y="301320"/>
-            <a:ext cx="9071280" cy="1262520"/>
+            <a:ext cx="9072000" cy="1262160"/>
           </a:xfrm>
           <a:prstGeom prst="rect">
             <a:avLst/>
@@ -3292,8 +3292,8 @@
         </p:nvSpPr>
         <p:spPr>
           <a:xfrm>
-            <a:off x="504000" y="1769040"/>
-            <a:ext cx="4426560" cy="2090880"/>
+            <a:off x="504000" y="1768680"/>
+            <a:ext cx="4426920" cy="2090880"/>
           </a:xfrm>
           <a:prstGeom prst="rect">
             <a:avLst/>
@@ -3318,8 +3318,8 @@
         </p:nvSpPr>
         <p:spPr>
           <a:xfrm>
-            <a:off x="504000" y="4059000"/>
-            <a:ext cx="4426560" cy="2090880"/>
+            <a:off x="504000" y="4058640"/>
+            <a:ext cx="4426920" cy="2090880"/>
           </a:xfrm>
           <a:prstGeom prst="rect">
             <a:avLst/>
@@ -3344,8 +3344,8 @@
         </p:nvSpPr>
         <p:spPr>
           <a:xfrm>
-            <a:off x="5152320" y="1769040"/>
-            <a:ext cx="4426560" cy="4384080"/>
+            <a:off x="5152680" y="1768680"/>
+            <a:ext cx="4426920" cy="4384080"/>
           </a:xfrm>
           <a:prstGeom prst="rect">
             <a:avLst/>
@@ -3393,7 +3393,7 @@
         <p:spPr>
           <a:xfrm>
             <a:off x="504000" y="301320"/>
-            <a:ext cx="9071280" cy="1262520"/>
+            <a:ext cx="9072000" cy="1262160"/>
           </a:xfrm>
           <a:prstGeom prst="rect">
             <a:avLst/>
@@ -3419,8 +3419,8 @@
         </p:nvSpPr>
         <p:spPr>
           <a:xfrm>
-            <a:off x="504000" y="1769040"/>
-            <a:ext cx="4426560" cy="4384080"/>
+            <a:off x="504000" y="1768680"/>
+            <a:ext cx="4426920" cy="4384080"/>
           </a:xfrm>
           <a:prstGeom prst="rect">
             <a:avLst/>
@@ -3445,8 +3445,8 @@
         </p:nvSpPr>
         <p:spPr>
           <a:xfrm>
-            <a:off x="5152320" y="1769040"/>
-            <a:ext cx="4426560" cy="2090880"/>
+            <a:off x="5152680" y="1768680"/>
+            <a:ext cx="4426920" cy="2090880"/>
           </a:xfrm>
           <a:prstGeom prst="rect">
             <a:avLst/>
@@ -3471,8 +3471,8 @@
         </p:nvSpPr>
         <p:spPr>
           <a:xfrm>
-            <a:off x="5152320" y="4059000"/>
-            <a:ext cx="4426560" cy="2090880"/>
+            <a:off x="5152680" y="4058640"/>
+            <a:ext cx="4426920" cy="2090880"/>
           </a:xfrm>
           <a:prstGeom prst="rect">
             <a:avLst/>
@@ -3520,7 +3520,7 @@
         <p:spPr>
           <a:xfrm>
             <a:off x="504000" y="301320"/>
-            <a:ext cx="9071280" cy="1262520"/>
+            <a:ext cx="9072000" cy="1262160"/>
           </a:xfrm>
           <a:prstGeom prst="rect">
             <a:avLst/>
@@ -3546,8 +3546,8 @@
         </p:nvSpPr>
         <p:spPr>
           <a:xfrm>
-            <a:off x="504000" y="1769040"/>
-            <a:ext cx="4426560" cy="2090880"/>
+            <a:off x="504000" y="1768680"/>
+            <a:ext cx="4426920" cy="2090880"/>
           </a:xfrm>
           <a:prstGeom prst="rect">
             <a:avLst/>
@@ -3572,8 +3572,8 @@
         </p:nvSpPr>
         <p:spPr>
           <a:xfrm>
-            <a:off x="5152320" y="1769040"/>
-            <a:ext cx="4426560" cy="2090880"/>
+            <a:off x="5152680" y="1768680"/>
+            <a:ext cx="4426920" cy="2090880"/>
           </a:xfrm>
           <a:prstGeom prst="rect">
             <a:avLst/>
@@ -3598,8 +3598,8 @@
         </p:nvSpPr>
         <p:spPr>
           <a:xfrm>
-            <a:off x="504000" y="4059000"/>
-            <a:ext cx="9071280" cy="2090880"/>
+            <a:off x="504000" y="4058640"/>
+            <a:ext cx="9072000" cy="2090880"/>
           </a:xfrm>
           <a:prstGeom prst="rect">
             <a:avLst/>
@@ -3647,7 +3647,7 @@
         <p:spPr>
           <a:xfrm>
             <a:off x="504000" y="301320"/>
-            <a:ext cx="9071280" cy="1262520"/>
+            <a:ext cx="9072000" cy="1262160"/>
           </a:xfrm>
           <a:prstGeom prst="rect">
             <a:avLst/>
@@ -3673,8 +3673,8 @@
         </p:nvSpPr>
         <p:spPr>
           <a:xfrm>
-            <a:off x="504000" y="1769040"/>
-            <a:ext cx="9071280" cy="2090880"/>
+            <a:off x="504000" y="1768680"/>
+            <a:ext cx="9072000" cy="2090880"/>
           </a:xfrm>
           <a:prstGeom prst="rect">
             <a:avLst/>
@@ -3699,8 +3699,8 @@
         </p:nvSpPr>
         <p:spPr>
           <a:xfrm>
-            <a:off x="504000" y="4059000"/>
-            <a:ext cx="9071280" cy="2090880"/>
+            <a:off x="504000" y="4058640"/>
+            <a:ext cx="9072000" cy="2090880"/>
           </a:xfrm>
           <a:prstGeom prst="rect">
             <a:avLst/>
@@ -3748,7 +3748,7 @@
         <p:spPr>
           <a:xfrm>
             <a:off x="504000" y="301320"/>
-            <a:ext cx="9071280" cy="1262520"/>
+            <a:ext cx="9072000" cy="1262160"/>
           </a:xfrm>
           <a:prstGeom prst="rect">
             <a:avLst/>
@@ -3774,8 +3774,8 @@
         </p:nvSpPr>
         <p:spPr>
           <a:xfrm>
-            <a:off x="504000" y="1769040"/>
-            <a:ext cx="4426560" cy="2090880"/>
+            <a:off x="504000" y="1768680"/>
+            <a:ext cx="4426920" cy="2090880"/>
           </a:xfrm>
           <a:prstGeom prst="rect">
             <a:avLst/>
@@ -3800,8 +3800,8 @@
         </p:nvSpPr>
         <p:spPr>
           <a:xfrm>
-            <a:off x="5152320" y="1769040"/>
-            <a:ext cx="4426560" cy="2090880"/>
+            <a:off x="5152680" y="1768680"/>
+            <a:ext cx="4426920" cy="2090880"/>
           </a:xfrm>
           <a:prstGeom prst="rect">
             <a:avLst/>
@@ -3826,8 +3826,8 @@
         </p:nvSpPr>
         <p:spPr>
           <a:xfrm>
-            <a:off x="5152320" y="4059000"/>
-            <a:ext cx="4426560" cy="2090880"/>
+            <a:off x="5152680" y="4058640"/>
+            <a:ext cx="4426920" cy="2090880"/>
           </a:xfrm>
           <a:prstGeom prst="rect">
             <a:avLst/>
@@ -3852,8 +3852,8 @@
         </p:nvSpPr>
         <p:spPr>
           <a:xfrm>
-            <a:off x="504000" y="4059000"/>
-            <a:ext cx="4426560" cy="2090880"/>
+            <a:off x="504000" y="4058640"/>
+            <a:ext cx="4426920" cy="2090880"/>
           </a:xfrm>
           <a:prstGeom prst="rect">
             <a:avLst/>
@@ -3901,7 +3901,7 @@
         <p:spPr>
           <a:xfrm>
             <a:off x="504000" y="301320"/>
-            <a:ext cx="9071280" cy="1262520"/>
+            <a:ext cx="9072000" cy="1262160"/>
           </a:xfrm>
           <a:prstGeom prst="rect">
             <a:avLst/>
@@ -3927,8 +3927,8 @@
         </p:nvSpPr>
         <p:spPr>
           <a:xfrm>
-            <a:off x="504000" y="1769040"/>
-            <a:ext cx="9071280" cy="4384080"/>
+            <a:off x="504000" y="1768680"/>
+            <a:ext cx="9072000" cy="4384080"/>
           </a:xfrm>
           <a:prstGeom prst="rect">
             <a:avLst/>
@@ -3953,8 +3953,8 @@
         </p:nvSpPr>
         <p:spPr>
           <a:xfrm>
-            <a:off x="504000" y="1769040"/>
-            <a:ext cx="9071280" cy="4384080"/>
+            <a:off x="504000" y="1768680"/>
+            <a:ext cx="9072000" cy="4384080"/>
           </a:xfrm>
           <a:prstGeom prst="rect">
             <a:avLst/>
@@ -3981,7 +3981,7 @@
         </p:blipFill>
         <p:spPr>
           <a:xfrm>
-            <a:off x="2292120" y="1769040"/>
+            <a:off x="2292480" y="1768680"/>
             <a:ext cx="5494680" cy="4384080"/>
           </a:xfrm>
           <a:prstGeom prst="rect">
@@ -4006,7 +4006,7 @@
         </p:blipFill>
         <p:spPr>
           <a:xfrm>
-            <a:off x="2292120" y="1769040"/>
+            <a:off x="2292480" y="1768680"/>
             <a:ext cx="5494680" cy="4384080"/>
           </a:xfrm>
           <a:prstGeom prst="rect">
@@ -4052,7 +4052,7 @@
         <p:spPr>
           <a:xfrm>
             <a:off x="504000" y="301320"/>
-            <a:ext cx="9071280" cy="1262520"/>
+            <a:ext cx="9072000" cy="1262160"/>
           </a:xfrm>
           <a:prstGeom prst="rect">
             <a:avLst/>
@@ -4078,8 +4078,8 @@
         </p:nvSpPr>
         <p:spPr>
           <a:xfrm>
-            <a:off x="504000" y="1769040"/>
-            <a:ext cx="4426560" cy="4384080"/>
+            <a:off x="504000" y="1768680"/>
+            <a:ext cx="4426920" cy="4384080"/>
           </a:xfrm>
           <a:prstGeom prst="rect">
             <a:avLst/>
@@ -4104,8 +4104,8 @@
         </p:nvSpPr>
         <p:spPr>
           <a:xfrm>
-            <a:off x="5152320" y="1769040"/>
-            <a:ext cx="4426560" cy="4384080"/>
+            <a:off x="5152680" y="1768680"/>
+            <a:ext cx="4426920" cy="4384080"/>
           </a:xfrm>
           <a:prstGeom prst="rect">
             <a:avLst/>
@@ -4153,7 +4153,7 @@
         <p:spPr>
           <a:xfrm>
             <a:off x="504000" y="301320"/>
-            <a:ext cx="9071280" cy="1262520"/>
+            <a:ext cx="9072000" cy="1262160"/>
           </a:xfrm>
           <a:prstGeom prst="rect">
             <a:avLst/>
@@ -4202,7 +4202,7 @@
         <p:spPr>
           <a:xfrm>
             <a:off x="504000" y="301320"/>
-            <a:ext cx="9071280" cy="5852160"/>
+            <a:ext cx="9072000" cy="5850720"/>
           </a:xfrm>
           <a:prstGeom prst="rect">
             <a:avLst/>
@@ -4251,7 +4251,7 @@
         <p:spPr>
           <a:xfrm>
             <a:off x="504000" y="301320"/>
-            <a:ext cx="9071280" cy="1262520"/>
+            <a:ext cx="9072000" cy="1262160"/>
           </a:xfrm>
           <a:prstGeom prst="rect">
             <a:avLst/>
@@ -4277,8 +4277,8 @@
         </p:nvSpPr>
         <p:spPr>
           <a:xfrm>
-            <a:off x="504000" y="1769040"/>
-            <a:ext cx="4426560" cy="2090880"/>
+            <a:off x="504000" y="1768680"/>
+            <a:ext cx="4426920" cy="2090880"/>
           </a:xfrm>
           <a:prstGeom prst="rect">
             <a:avLst/>
@@ -4303,8 +4303,8 @@
         </p:nvSpPr>
         <p:spPr>
           <a:xfrm>
-            <a:off x="504000" y="4059000"/>
-            <a:ext cx="4426560" cy="2090880"/>
+            <a:off x="504000" y="4058640"/>
+            <a:ext cx="4426920" cy="2090880"/>
           </a:xfrm>
           <a:prstGeom prst="rect">
             <a:avLst/>
@@ -4329,8 +4329,8 @@
         </p:nvSpPr>
         <p:spPr>
           <a:xfrm>
-            <a:off x="5152320" y="1769040"/>
-            <a:ext cx="4426560" cy="4384080"/>
+            <a:off x="5152680" y="1768680"/>
+            <a:ext cx="4426920" cy="4384080"/>
           </a:xfrm>
           <a:prstGeom prst="rect">
             <a:avLst/>
@@ -4378,7 +4378,7 @@
         <p:spPr>
           <a:xfrm>
             <a:off x="504000" y="301320"/>
-            <a:ext cx="9071280" cy="1262520"/>
+            <a:ext cx="9072000" cy="1262160"/>
           </a:xfrm>
           <a:prstGeom prst="rect">
             <a:avLst/>
@@ -4404,8 +4404,8 @@
         </p:nvSpPr>
         <p:spPr>
           <a:xfrm>
-            <a:off x="504000" y="1769040"/>
-            <a:ext cx="4426560" cy="4384080"/>
+            <a:off x="504000" y="1768680"/>
+            <a:ext cx="4426920" cy="4384080"/>
           </a:xfrm>
           <a:prstGeom prst="rect">
             <a:avLst/>
@@ -4430,8 +4430,8 @@
         </p:nvSpPr>
         <p:spPr>
           <a:xfrm>
-            <a:off x="5152320" y="1769040"/>
-            <a:ext cx="4426560" cy="2090880"/>
+            <a:off x="5152680" y="1768680"/>
+            <a:ext cx="4426920" cy="2090880"/>
           </a:xfrm>
           <a:prstGeom prst="rect">
             <a:avLst/>
@@ -4456,8 +4456,8 @@
         </p:nvSpPr>
         <p:spPr>
           <a:xfrm>
-            <a:off x="5152320" y="4059000"/>
-            <a:ext cx="4426560" cy="2090880"/>
+            <a:off x="5152680" y="4058640"/>
+            <a:ext cx="4426920" cy="2090880"/>
           </a:xfrm>
           <a:prstGeom prst="rect">
             <a:avLst/>
@@ -4505,7 +4505,7 @@
         <p:spPr>
           <a:xfrm>
             <a:off x="504000" y="301320"/>
-            <a:ext cx="9071280" cy="1262520"/>
+            <a:ext cx="9072000" cy="1262160"/>
           </a:xfrm>
           <a:prstGeom prst="rect">
             <a:avLst/>
@@ -4531,8 +4531,8 @@
         </p:nvSpPr>
         <p:spPr>
           <a:xfrm>
-            <a:off x="504000" y="1769040"/>
-            <a:ext cx="4426560" cy="2090880"/>
+            <a:off x="504000" y="1768680"/>
+            <a:ext cx="4426920" cy="2090880"/>
           </a:xfrm>
           <a:prstGeom prst="rect">
             <a:avLst/>
@@ -4557,8 +4557,8 @@
         </p:nvSpPr>
         <p:spPr>
           <a:xfrm>
-            <a:off x="5152320" y="1769040"/>
-            <a:ext cx="4426560" cy="2090880"/>
+            <a:off x="5152680" y="1768680"/>
+            <a:ext cx="4426920" cy="2090880"/>
           </a:xfrm>
           <a:prstGeom prst="rect">
             <a:avLst/>
@@ -4583,8 +4583,8 @@
         </p:nvSpPr>
         <p:spPr>
           <a:xfrm>
-            <a:off x="504000" y="4059000"/>
-            <a:ext cx="9071280" cy="2090880"/>
+            <a:off x="504000" y="4058640"/>
+            <a:ext cx="9072000" cy="2090880"/>
           </a:xfrm>
           <a:prstGeom prst="rect">
             <a:avLst/>
@@ -4823,7 +4823,7 @@
         <p:spPr>
           <a:xfrm>
             <a:off x="504000" y="301320"/>
-            <a:ext cx="9071280" cy="1262160"/>
+            <a:ext cx="9070920" cy="1262160"/>
           </a:xfrm>
           <a:prstGeom prst="rect">
             <a:avLst/>
@@ -4854,8 +4854,8 @@
         </p:nvSpPr>
         <p:spPr>
           <a:xfrm>
-            <a:off x="504000" y="1768680"/>
-            <a:ext cx="9072000" cy="4384080"/>
+            <a:off x="504000" y="1769040"/>
+            <a:ext cx="9070920" cy="4383720"/>
           </a:xfrm>
           <a:prstGeom prst="rect">
             <a:avLst/>
@@ -4870,7 +4870,7 @@
               <a:buChar char=""/>
             </a:pPr>
             <a:r>
-              <a:rPr lang="en-US" sz="3200">
+              <a:rPr lang="en-US">
                 <a:latin typeface="Arial"/>
               </a:rPr>
               <a:t>Click to edit the outline text format</a:t>
@@ -4884,7 +4884,7 @@
               <a:buChar char=""/>
             </a:pPr>
             <a:r>
-              <a:rPr lang="en-US" sz="2800">
+              <a:rPr lang="en-US">
                 <a:latin typeface="Arial"/>
               </a:rPr>
               <a:t>Second Outline Level</a:t>
@@ -4898,7 +4898,7 @@
               <a:buChar char=""/>
             </a:pPr>
             <a:r>
-              <a:rPr lang="en-US" sz="2400">
+              <a:rPr lang="en-US">
                 <a:latin typeface="Arial"/>
               </a:rPr>
               <a:t>Third Outline Level</a:t>
@@ -4912,7 +4912,7 @@
               <a:buChar char=""/>
             </a:pPr>
             <a:r>
-              <a:rPr lang="en-US" sz="2000">
+              <a:rPr lang="en-US">
                 <a:latin typeface="Arial"/>
               </a:rPr>
               <a:t>Fourth Outline Level</a:t>
@@ -4926,7 +4926,7 @@
               <a:buChar char=""/>
             </a:pPr>
             <a:r>
-              <a:rPr lang="en-US" sz="2000">
+              <a:rPr lang="en-US">
                 <a:latin typeface="Arial"/>
               </a:rPr>
               <a:t>Fifth Outline Level</a:t>
@@ -4940,7 +4940,7 @@
               <a:buChar char=""/>
             </a:pPr>
             <a:r>
-              <a:rPr lang="en-US" sz="2000">
+              <a:rPr lang="en-US">
                 <a:latin typeface="Arial"/>
               </a:rPr>
               <a:t>Sixth Outline Level</a:t>
@@ -4954,7 +4954,7 @@
               <a:buChar char=""/>
             </a:pPr>
             <a:r>
-              <a:rPr lang="en-US" sz="2000">
+              <a:rPr lang="en-US">
                 <a:latin typeface="Arial"/>
               </a:rPr>
               <a:t>Seventh Outline Level</a:t>
@@ -5013,7 +5013,7 @@
         <p:spPr>
           <a:xfrm>
             <a:off x="504000" y="301320"/>
-            <a:ext cx="9071280" cy="1262160"/>
+            <a:ext cx="9072000" cy="1261800"/>
           </a:xfrm>
           <a:prstGeom prst="rect">
             <a:avLst/>
@@ -5022,8 +5022,9 @@
         <p:txBody>
           <a:bodyPr lIns="0" rIns="0" tIns="0" bIns="0" anchor="ctr"/>
           <a:p>
-            <a:r>
-              <a:rPr lang="en-US">
+            <a:pPr algn="ctr"/>
+            <a:r>
+              <a:rPr lang="en-US" sz="4400">
                 <a:latin typeface="Arial"/>
               </a:rPr>
               <a:t>Click to edit the title text format</a:t>
@@ -5044,8 +5045,8 @@
         </p:nvSpPr>
         <p:spPr>
           <a:xfrm>
-            <a:off x="504000" y="1769040"/>
-            <a:ext cx="9071280" cy="4384080"/>
+            <a:off x="504000" y="1768680"/>
+            <a:ext cx="9072000" cy="4384080"/>
           </a:xfrm>
           <a:prstGeom prst="rect">
             <a:avLst/>
@@ -5060,7 +5061,7 @@
               <a:buChar char=""/>
             </a:pPr>
             <a:r>
-              <a:rPr lang="en-US">
+              <a:rPr lang="en-US" sz="3200">
                 <a:latin typeface="Arial"/>
               </a:rPr>
               <a:t>Click to edit the outline text format</a:t>
@@ -5074,7 +5075,7 @@
               <a:buChar char=""/>
             </a:pPr>
             <a:r>
-              <a:rPr lang="en-US">
+              <a:rPr lang="en-US" sz="2800">
                 <a:latin typeface="Arial"/>
               </a:rPr>
               <a:t>Second Outline Level</a:t>
@@ -5088,7 +5089,7 @@
               <a:buChar char=""/>
             </a:pPr>
             <a:r>
-              <a:rPr lang="en-US">
+              <a:rPr lang="en-US" sz="2400">
                 <a:latin typeface="Arial"/>
               </a:rPr>
               <a:t>Third Outline Level</a:t>
@@ -5102,7 +5103,7 @@
               <a:buChar char=""/>
             </a:pPr>
             <a:r>
-              <a:rPr lang="en-US">
+              <a:rPr lang="en-US" sz="2000">
                 <a:latin typeface="Arial"/>
               </a:rPr>
               <a:t>Fourth Outline Level</a:t>
@@ -5116,7 +5117,7 @@
               <a:buChar char=""/>
             </a:pPr>
             <a:r>
-              <a:rPr lang="en-US">
+              <a:rPr lang="en-US" sz="2000">
                 <a:latin typeface="Arial"/>
               </a:rPr>
               <a:t>Fifth Outline Level</a:t>
@@ -5130,7 +5131,7 @@
               <a:buChar char=""/>
             </a:pPr>
             <a:r>
-              <a:rPr lang="en-US">
+              <a:rPr lang="en-US" sz="2000">
                 <a:latin typeface="Arial"/>
               </a:rPr>
               <a:t>Sixth Outline Level</a:t>
@@ -5144,7 +5145,7 @@
               <a:buChar char=""/>
             </a:pPr>
             <a:r>
-              <a:rPr lang="en-US">
+              <a:rPr lang="en-US" sz="2000">
                 <a:latin typeface="Arial"/>
               </a:rPr>
               <a:t>Seventh Outline Level</a:t>
@@ -5199,7 +5200,7 @@
         <p:spPr>
           <a:xfrm>
             <a:off x="504000" y="301320"/>
-            <a:ext cx="9071280" cy="5851440"/>
+            <a:ext cx="9070920" cy="5851080"/>
           </a:xfrm>
           <a:prstGeom prst="rect">
             <a:avLst/>
@@ -5292,23 +5293,31 @@
       </p:grpSpPr>
       <p:sp>
         <p:nvSpPr>
-          <p:cNvPr id="158" name="TextShape 1"/>
-          <p:cNvSpPr txBox="1"/>
+          <p:cNvPr id="158" name="CustomShape 1"/>
+          <p:cNvSpPr/>
           <p:nvPr/>
         </p:nvSpPr>
         <p:spPr>
           <a:xfrm>
             <a:off x="504000" y="301320"/>
-            <a:ext cx="9071280" cy="1262160"/>
-          </a:xfrm>
-          <a:prstGeom prst="rect">
-            <a:avLst/>
-          </a:prstGeom>
+            <a:ext cx="9070920" cy="1261800"/>
+          </a:xfrm>
+          <a:prstGeom prst="rect">
+            <a:avLst/>
+          </a:prstGeom>
+          <a:noFill/>
+          <a:ln>
+            <a:noFill/>
+          </a:ln>
         </p:spPr>
         <p:txBody>
           <a:bodyPr lIns="0" rIns="0" tIns="0" bIns="0" anchor="ctr"/>
           <a:p>
-            <a:pPr algn="ctr"/>
+            <a:pPr algn="ctr">
+              <a:lnSpc>
+                <a:spcPct val="100000"/>
+              </a:lnSpc>
+            </a:pPr>
             <a:r>
               <a:rPr lang="en-US" sz="4400">
                 <a:latin typeface="Arial"/>
@@ -5334,7 +5343,7 @@
         <p:spPr>
           <a:xfrm>
             <a:off x="274320" y="1583640"/>
-            <a:ext cx="9381960" cy="5274360"/>
+            <a:ext cx="9381600" cy="5274000"/>
           </a:xfrm>
           <a:prstGeom prst="rect">
             <a:avLst/>
@@ -5353,7 +5362,7 @@
         <p:spPr>
           <a:xfrm>
             <a:off x="3566160" y="5120640"/>
-            <a:ext cx="365760" cy="1097280"/>
+            <a:ext cx="365400" cy="1096920"/>
           </a:xfrm>
           <a:prstGeom prst="downArrow">
             <a:avLst>
@@ -5373,18 +5382,22 @@
       </p:sp>
       <p:sp>
         <p:nvSpPr>
-          <p:cNvPr id="161" name="TextShape 3"/>
-          <p:cNvSpPr txBox="1"/>
+          <p:cNvPr id="161" name="CustomShape 3"/>
+          <p:cNvSpPr/>
           <p:nvPr/>
         </p:nvSpPr>
         <p:spPr>
           <a:xfrm>
             <a:off x="2149560" y="4504320"/>
-            <a:ext cx="2696760" cy="433440"/>
-          </a:xfrm>
-          <a:prstGeom prst="rect">
-            <a:avLst/>
-          </a:prstGeom>
+            <a:ext cx="2696400" cy="433080"/>
+          </a:xfrm>
+          <a:prstGeom prst="rect">
+            <a:avLst/>
+          </a:prstGeom>
+          <a:noFill/>
+          <a:ln>
+            <a:noFill/>
+          </a:ln>
         </p:spPr>
         <p:txBody>
           <a:bodyPr lIns="90000" rIns="90000" tIns="45000" bIns="45000"/>
@@ -5453,23 +5466,31 @@
       </p:grpSpPr>
       <p:sp>
         <p:nvSpPr>
-          <p:cNvPr id="162" name="TextShape 1"/>
-          <p:cNvSpPr txBox="1"/>
+          <p:cNvPr id="162" name="CustomShape 1"/>
+          <p:cNvSpPr/>
           <p:nvPr/>
         </p:nvSpPr>
         <p:spPr>
           <a:xfrm>
             <a:off x="504000" y="301320"/>
-            <a:ext cx="9071280" cy="1262160"/>
-          </a:xfrm>
-          <a:prstGeom prst="rect">
-            <a:avLst/>
-          </a:prstGeom>
+            <a:ext cx="9070920" cy="1261800"/>
+          </a:xfrm>
+          <a:prstGeom prst="rect">
+            <a:avLst/>
+          </a:prstGeom>
+          <a:noFill/>
+          <a:ln>
+            <a:noFill/>
+          </a:ln>
         </p:spPr>
         <p:txBody>
           <a:bodyPr lIns="0" rIns="0" tIns="0" bIns="0" anchor="ctr"/>
           <a:p>
-            <a:pPr algn="ctr"/>
+            <a:pPr algn="ctr">
+              <a:lnSpc>
+                <a:spcPct val="100000"/>
+              </a:lnSpc>
+            </a:pPr>
             <a:r>
               <a:rPr lang="en-US" sz="4400">
                 <a:latin typeface="Arial"/>
@@ -5495,7 +5516,7 @@
         <p:spPr>
           <a:xfrm>
             <a:off x="731520" y="1828800"/>
-            <a:ext cx="8981640" cy="4171680"/>
+            <a:ext cx="8981280" cy="4171320"/>
           </a:xfrm>
           <a:prstGeom prst="rect">
             <a:avLst/>
@@ -5507,18 +5528,22 @@
       </p:pic>
       <p:sp>
         <p:nvSpPr>
-          <p:cNvPr id="164" name="TextShape 2"/>
-          <p:cNvSpPr txBox="1"/>
+          <p:cNvPr id="164" name="CustomShape 2"/>
+          <p:cNvSpPr/>
           <p:nvPr/>
         </p:nvSpPr>
         <p:spPr>
           <a:xfrm>
             <a:off x="902880" y="6420240"/>
-            <a:ext cx="3684600" cy="602280"/>
-          </a:xfrm>
-          <a:prstGeom prst="rect">
-            <a:avLst/>
-          </a:prstGeom>
+            <a:ext cx="3684240" cy="601920"/>
+          </a:xfrm>
+          <a:prstGeom prst="rect">
+            <a:avLst/>
+          </a:prstGeom>
+          <a:noFill/>
+          <a:ln>
+            <a:noFill/>
+          </a:ln>
         </p:spPr>
         <p:txBody>
           <a:bodyPr lIns="90000" rIns="90000" tIns="45000" bIns="45000"/>
@@ -5534,6 +5559,9 @@
             </a:r>
             <a:r>
               <a:rPr lang="en-US">
+                <a:solidFill>
+                  <a:srgbClr val="9900ff"/>
+                </a:solidFill>
                 <a:latin typeface="Arial"/>
               </a:rPr>
               <a:t> and </a:t>
@@ -5549,6 +5577,9 @@
             </a:r>
             <a:r>
               <a:rPr lang="en-US">
+                <a:solidFill>
+                  <a:srgbClr val="007826"/>
+                </a:solidFill>
                 <a:latin typeface="Arial"/>
               </a:rPr>
               <a:t> Elements</a:t>
@@ -5567,6 +5598,9 @@
             </a:r>
             <a:r>
               <a:rPr lang="en-US">
+                <a:solidFill>
+                  <a:srgbClr val="ff0000"/>
+                </a:solidFill>
                 <a:latin typeface="Arial"/>
               </a:rPr>
               <a:t>to add Event listener</a:t>
@@ -5626,23 +5660,31 @@
       </p:grpSpPr>
       <p:sp>
         <p:nvSpPr>
-          <p:cNvPr id="165" name="TextShape 1"/>
-          <p:cNvSpPr txBox="1"/>
+          <p:cNvPr id="165" name="CustomShape 1"/>
+          <p:cNvSpPr/>
           <p:nvPr/>
         </p:nvSpPr>
         <p:spPr>
           <a:xfrm>
             <a:off x="504000" y="301320"/>
-            <a:ext cx="9071280" cy="1262160"/>
-          </a:xfrm>
-          <a:prstGeom prst="rect">
-            <a:avLst/>
-          </a:prstGeom>
+            <a:ext cx="9070920" cy="1261800"/>
+          </a:xfrm>
+          <a:prstGeom prst="rect">
+            <a:avLst/>
+          </a:prstGeom>
+          <a:noFill/>
+          <a:ln>
+            <a:noFill/>
+          </a:ln>
         </p:spPr>
         <p:txBody>
           <a:bodyPr lIns="0" rIns="0" tIns="0" bIns="0" anchor="ctr"/>
           <a:p>
-            <a:pPr algn="ctr"/>
+            <a:pPr algn="ctr">
+              <a:lnSpc>
+                <a:spcPct val="100000"/>
+              </a:lnSpc>
+            </a:pPr>
             <a:r>
               <a:rPr lang="en-US" sz="4400">
                 <a:latin typeface="Arial"/>
@@ -5655,18 +5697,22 @@
       </p:sp>
       <p:sp>
         <p:nvSpPr>
-          <p:cNvPr id="166" name="TextShape 2"/>
-          <p:cNvSpPr txBox="1"/>
+          <p:cNvPr id="166" name="CustomShape 2"/>
+          <p:cNvSpPr/>
           <p:nvPr/>
         </p:nvSpPr>
         <p:spPr>
           <a:xfrm>
             <a:off x="902880" y="6420240"/>
-            <a:ext cx="3053520" cy="346320"/>
-          </a:xfrm>
-          <a:prstGeom prst="rect">
-            <a:avLst/>
-          </a:prstGeom>
+            <a:ext cx="3053160" cy="345960"/>
+          </a:xfrm>
+          <a:prstGeom prst="rect">
+            <a:avLst/>
+          </a:prstGeom>
+          <a:noFill/>
+          <a:ln>
+            <a:noFill/>
+          </a:ln>
         </p:spPr>
         <p:txBody>
           <a:bodyPr lIns="90000" rIns="90000" tIns="45000" bIns="45000"/>
@@ -5708,7 +5754,7 @@
         <p:spPr>
           <a:xfrm>
             <a:off x="1188720" y="1657800"/>
-            <a:ext cx="8343720" cy="4285800"/>
+            <a:ext cx="8343360" cy="4285440"/>
           </a:xfrm>
           <a:prstGeom prst="rect">
             <a:avLst/>
@@ -5776,7 +5822,7 @@
         <p:spPr>
           <a:xfrm>
             <a:off x="504000" y="301320"/>
-            <a:ext cx="9071280" cy="1261800"/>
+            <a:ext cx="9070920" cy="1261440"/>
           </a:xfrm>
           <a:prstGeom prst="rect">
             <a:avLst/>
@@ -5813,7 +5859,7 @@
         <p:spPr>
           <a:xfrm>
             <a:off x="504000" y="1769040"/>
-            <a:ext cx="9071280" cy="4384080"/>
+            <a:ext cx="9070920" cy="4383720"/>
           </a:xfrm>
           <a:prstGeom prst="rect">
             <a:avLst/>
@@ -6153,7 +6199,7 @@
         <p:spPr>
           <a:xfrm>
             <a:off x="504000" y="301320"/>
-            <a:ext cx="9071280" cy="1261800"/>
+            <a:ext cx="9070920" cy="1261440"/>
           </a:xfrm>
           <a:prstGeom prst="rect">
             <a:avLst/>
@@ -6196,7 +6242,7 @@
         <p:spPr>
           <a:xfrm>
             <a:off x="599040" y="1716840"/>
-            <a:ext cx="8818920" cy="4957920"/>
+            <a:ext cx="8818560" cy="4957560"/>
           </a:xfrm>
           <a:prstGeom prst="rect">
             <a:avLst/>
@@ -6215,7 +6261,7 @@
         <p:spPr>
           <a:xfrm>
             <a:off x="4023360" y="7060320"/>
-            <a:ext cx="648360" cy="345960"/>
+            <a:ext cx="648000" cy="345600"/>
           </a:xfrm>
           <a:prstGeom prst="rect">
             <a:avLst/>
@@ -6247,7 +6293,7 @@
         <p:spPr>
           <a:xfrm>
             <a:off x="4846320" y="7040880"/>
-            <a:ext cx="456840" cy="427320"/>
+            <a:ext cx="456480" cy="426960"/>
           </a:xfrm>
           <a:prstGeom prst="rightArrow">
             <a:avLst>
@@ -6274,7 +6320,7 @@
         <p:spPr>
           <a:xfrm>
             <a:off x="5419800" y="7040880"/>
-            <a:ext cx="2260800" cy="345960"/>
+            <a:ext cx="2260440" cy="345600"/>
           </a:xfrm>
           <a:prstGeom prst="rect">
             <a:avLst/>
@@ -6355,7 +6401,7 @@
         <p:spPr>
           <a:xfrm>
             <a:off x="504000" y="301320"/>
-            <a:ext cx="9071280" cy="1261800"/>
+            <a:ext cx="9070920" cy="1261440"/>
           </a:xfrm>
           <a:prstGeom prst="rect">
             <a:avLst/>
@@ -6398,7 +6444,7 @@
         <p:spPr>
           <a:xfrm>
             <a:off x="822960" y="1371600"/>
-            <a:ext cx="8066880" cy="3809160"/>
+            <a:ext cx="8066520" cy="3808800"/>
           </a:xfrm>
           <a:prstGeom prst="rect">
             <a:avLst/>
@@ -6417,7 +6463,7 @@
         <p:spPr>
           <a:xfrm>
             <a:off x="2377440" y="5486400"/>
-            <a:ext cx="548640" cy="427320"/>
+            <a:ext cx="548280" cy="426960"/>
           </a:xfrm>
           <a:prstGeom prst="rightArrow">
             <a:avLst>
@@ -6444,7 +6490,7 @@
         <p:spPr>
           <a:xfrm>
             <a:off x="1055160" y="5597280"/>
-            <a:ext cx="1230480" cy="345960"/>
+            <a:ext cx="1230120" cy="345600"/>
           </a:xfrm>
           <a:prstGeom prst="rect">
             <a:avLst/>
@@ -6476,7 +6522,7 @@
         <p:spPr>
           <a:xfrm>
             <a:off x="2932920" y="5567760"/>
-            <a:ext cx="2918880" cy="345960"/>
+            <a:ext cx="2918520" cy="345600"/>
           </a:xfrm>
           <a:prstGeom prst="rect">
             <a:avLst/>
@@ -6508,7 +6554,7 @@
         <p:spPr>
           <a:xfrm>
             <a:off x="1097280" y="6217920"/>
-            <a:ext cx="3121560" cy="345960"/>
+            <a:ext cx="3121200" cy="345600"/>
           </a:xfrm>
           <a:prstGeom prst="rect">
             <a:avLst/>
@@ -6540,7 +6586,7 @@
         <p:spPr>
           <a:xfrm>
             <a:off x="4297680" y="6156000"/>
-            <a:ext cx="456840" cy="427320"/>
+            <a:ext cx="456480" cy="426960"/>
           </a:xfrm>
           <a:prstGeom prst="rightArrow">
             <a:avLst>
@@ -6567,7 +6613,7 @@
         <p:spPr>
           <a:xfrm>
             <a:off x="4937760" y="6217920"/>
-            <a:ext cx="5035680" cy="345960"/>
+            <a:ext cx="5035320" cy="345600"/>
           </a:xfrm>
           <a:prstGeom prst="rect">
             <a:avLst/>
@@ -6599,7 +6645,7 @@
         <p:spPr>
           <a:xfrm>
             <a:off x="731520" y="5577840"/>
-            <a:ext cx="370800" cy="345960"/>
+            <a:ext cx="370440" cy="345600"/>
           </a:xfrm>
           <a:prstGeom prst="rect">
             <a:avLst/>
@@ -6631,7 +6677,7 @@
         <p:spPr>
           <a:xfrm>
             <a:off x="731520" y="6217920"/>
-            <a:ext cx="370800" cy="528840"/>
+            <a:ext cx="370440" cy="528480"/>
           </a:xfrm>
           <a:prstGeom prst="rect">
             <a:avLst/>
@@ -6663,7 +6709,7 @@
         <p:spPr>
           <a:xfrm>
             <a:off x="822960" y="6858000"/>
-            <a:ext cx="5560200" cy="345960"/>
+            <a:ext cx="5559840" cy="345600"/>
           </a:xfrm>
           <a:prstGeom prst="rect">
             <a:avLst/>
@@ -6744,7 +6790,7 @@
         <p:spPr>
           <a:xfrm>
             <a:off x="504000" y="301320"/>
-            <a:ext cx="9071280" cy="1261800"/>
+            <a:ext cx="9070920" cy="1261440"/>
           </a:xfrm>
           <a:prstGeom prst="rect">
             <a:avLst/>
@@ -6781,7 +6827,7 @@
         <p:spPr>
           <a:xfrm>
             <a:off x="2377440" y="5486400"/>
-            <a:ext cx="456840" cy="427320"/>
+            <a:ext cx="456480" cy="426960"/>
           </a:xfrm>
           <a:prstGeom prst="rightArrow">
             <a:avLst>
@@ -6808,7 +6854,7 @@
         <p:spPr>
           <a:xfrm>
             <a:off x="1055160" y="5597280"/>
-            <a:ext cx="1230480" cy="345960"/>
+            <a:ext cx="1230120" cy="345600"/>
           </a:xfrm>
           <a:prstGeom prst="rect">
             <a:avLst/>
@@ -6840,7 +6886,7 @@
         <p:spPr>
           <a:xfrm>
             <a:off x="2932920" y="5567760"/>
-            <a:ext cx="2918880" cy="345960"/>
+            <a:ext cx="2918520" cy="345600"/>
           </a:xfrm>
           <a:prstGeom prst="rect">
             <a:avLst/>
@@ -6872,7 +6918,7 @@
         <p:spPr>
           <a:xfrm>
             <a:off x="1134360" y="6237360"/>
-            <a:ext cx="3956760" cy="345960"/>
+            <a:ext cx="3956400" cy="345600"/>
           </a:xfrm>
           <a:prstGeom prst="rect">
             <a:avLst/>
@@ -6904,7 +6950,7 @@
         <p:spPr>
           <a:xfrm>
             <a:off x="5120640" y="6217920"/>
-            <a:ext cx="456840" cy="427320"/>
+            <a:ext cx="456480" cy="426960"/>
           </a:xfrm>
           <a:prstGeom prst="rightArrow">
             <a:avLst>
@@ -6931,7 +6977,7 @@
         <p:spPr>
           <a:xfrm>
             <a:off x="5677560" y="6309360"/>
-            <a:ext cx="4014720" cy="345960"/>
+            <a:ext cx="4014360" cy="345600"/>
           </a:xfrm>
           <a:prstGeom prst="rect">
             <a:avLst/>
@@ -6963,7 +7009,7 @@
         <p:spPr>
           <a:xfrm>
             <a:off x="731520" y="5577840"/>
-            <a:ext cx="370800" cy="345960"/>
+            <a:ext cx="370440" cy="345600"/>
           </a:xfrm>
           <a:prstGeom prst="rect">
             <a:avLst/>
@@ -6995,7 +7041,7 @@
         <p:spPr>
           <a:xfrm>
             <a:off x="731520" y="6217920"/>
-            <a:ext cx="370800" cy="528840"/>
+            <a:ext cx="370440" cy="528480"/>
           </a:xfrm>
           <a:prstGeom prst="rect">
             <a:avLst/>
@@ -7027,7 +7073,7 @@
         <p:spPr>
           <a:xfrm>
             <a:off x="822960" y="6858000"/>
-            <a:ext cx="5560200" cy="345960"/>
+            <a:ext cx="5559840" cy="345600"/>
           </a:xfrm>
           <a:prstGeom prst="rect">
             <a:avLst/>
@@ -7065,7 +7111,7 @@
         <p:spPr>
           <a:xfrm>
             <a:off x="1005840" y="1463040"/>
-            <a:ext cx="7781040" cy="3913920"/>
+            <a:ext cx="7780680" cy="3913560"/>
           </a:xfrm>
           <a:prstGeom prst="rect">
             <a:avLst/>
@@ -7133,7 +7179,7 @@
         <p:spPr>
           <a:xfrm>
             <a:off x="504000" y="301320"/>
-            <a:ext cx="9071280" cy="1261800"/>
+            <a:ext cx="9070920" cy="1261440"/>
           </a:xfrm>
           <a:prstGeom prst="rect">
             <a:avLst/>
@@ -7176,7 +7222,7 @@
         <p:spPr>
           <a:xfrm>
             <a:off x="499320" y="1920240"/>
-            <a:ext cx="4438080" cy="1009080"/>
+            <a:ext cx="4437720" cy="1008720"/>
           </a:xfrm>
           <a:prstGeom prst="rect">
             <a:avLst/>
@@ -7201,7 +7247,7 @@
         <p:spPr>
           <a:xfrm>
             <a:off x="2509200" y="3200400"/>
-            <a:ext cx="7457400" cy="3761640"/>
+            <a:ext cx="7457040" cy="3761280"/>
           </a:xfrm>
           <a:prstGeom prst="rect">
             <a:avLst/>
@@ -7220,7 +7266,7 @@
         <p:spPr>
           <a:xfrm>
             <a:off x="5212080" y="2103120"/>
-            <a:ext cx="2102760" cy="722160"/>
+            <a:ext cx="2102400" cy="721800"/>
           </a:xfrm>
           <a:prstGeom prst="leftArrow">
             <a:avLst>
@@ -7247,7 +7293,7 @@
         <p:spPr>
           <a:xfrm>
             <a:off x="7589520" y="2286000"/>
-            <a:ext cx="1320480" cy="345960"/>
+            <a:ext cx="1320120" cy="345600"/>
           </a:xfrm>
           <a:prstGeom prst="rect">
             <a:avLst/>
@@ -7279,7 +7325,7 @@
         <p:spPr>
           <a:xfrm>
             <a:off x="982440" y="5909040"/>
-            <a:ext cx="1462680" cy="548280"/>
+            <a:ext cx="1462320" cy="547920"/>
           </a:xfrm>
           <a:prstGeom prst="rightArrow">
             <a:avLst>
@@ -7306,7 +7352,7 @@
         <p:spPr>
           <a:xfrm>
             <a:off x="640080" y="6583680"/>
-            <a:ext cx="1669320" cy="345960"/>
+            <a:ext cx="1668960" cy="345600"/>
           </a:xfrm>
           <a:prstGeom prst="rect">
             <a:avLst/>
@@ -7380,23 +7426,31 @@
       </p:grpSpPr>
       <p:sp>
         <p:nvSpPr>
-          <p:cNvPr id="150" name="TextShape 1"/>
-          <p:cNvSpPr txBox="1"/>
+          <p:cNvPr id="150" name="CustomShape 1"/>
+          <p:cNvSpPr/>
           <p:nvPr/>
         </p:nvSpPr>
         <p:spPr>
           <a:xfrm>
             <a:off x="504000" y="301320"/>
-            <a:ext cx="9071280" cy="1262160"/>
-          </a:xfrm>
-          <a:prstGeom prst="rect">
-            <a:avLst/>
-          </a:prstGeom>
+            <a:ext cx="9070920" cy="1261800"/>
+          </a:xfrm>
+          <a:prstGeom prst="rect">
+            <a:avLst/>
+          </a:prstGeom>
+          <a:noFill/>
+          <a:ln>
+            <a:noFill/>
+          </a:ln>
         </p:spPr>
         <p:txBody>
           <a:bodyPr lIns="0" rIns="0" tIns="0" bIns="0" anchor="ctr"/>
           <a:p>
-            <a:pPr algn="ctr"/>
+            <a:pPr algn="ctr">
+              <a:lnSpc>
+                <a:spcPct val="100000"/>
+              </a:lnSpc>
+            </a:pPr>
             <a:r>
               <a:rPr lang="en-US" sz="4400">
                 <a:latin typeface="Arial"/>
@@ -7409,18 +7463,22 @@
       </p:sp>
       <p:sp>
         <p:nvSpPr>
-          <p:cNvPr id="151" name="TextShape 2"/>
-          <p:cNvSpPr txBox="1"/>
+          <p:cNvPr id="151" name="CustomShape 2"/>
+          <p:cNvSpPr/>
           <p:nvPr/>
         </p:nvSpPr>
         <p:spPr>
           <a:xfrm>
             <a:off x="2251440" y="6949440"/>
-            <a:ext cx="5612400" cy="346320"/>
-          </a:xfrm>
-          <a:prstGeom prst="rect">
-            <a:avLst/>
-          </a:prstGeom>
+            <a:ext cx="5612040" cy="345960"/>
+          </a:xfrm>
+          <a:prstGeom prst="rect">
+            <a:avLst/>
+          </a:prstGeom>
+          <a:noFill/>
+          <a:ln>
+            <a:noFill/>
+          </a:ln>
         </p:spPr>
         <p:txBody>
           <a:bodyPr lIns="90000" rIns="90000" tIns="45000" bIns="45000"/>
@@ -7450,7 +7508,7 @@
         <p:spPr>
           <a:xfrm>
             <a:off x="310320" y="1360080"/>
-            <a:ext cx="9656280" cy="5428800"/>
+            <a:ext cx="9655920" cy="5428440"/>
           </a:xfrm>
           <a:prstGeom prst="rect">
             <a:avLst/>
@@ -7511,23 +7569,31 @@
       </p:grpSpPr>
       <p:sp>
         <p:nvSpPr>
-          <p:cNvPr id="153" name="TextShape 1"/>
-          <p:cNvSpPr txBox="1"/>
+          <p:cNvPr id="153" name="CustomShape 1"/>
+          <p:cNvSpPr/>
           <p:nvPr/>
         </p:nvSpPr>
         <p:spPr>
           <a:xfrm>
             <a:off x="504000" y="301320"/>
-            <a:ext cx="9071280" cy="1262160"/>
-          </a:xfrm>
-          <a:prstGeom prst="rect">
-            <a:avLst/>
-          </a:prstGeom>
+            <a:ext cx="9070920" cy="1261800"/>
+          </a:xfrm>
+          <a:prstGeom prst="rect">
+            <a:avLst/>
+          </a:prstGeom>
+          <a:noFill/>
+          <a:ln>
+            <a:noFill/>
+          </a:ln>
         </p:spPr>
         <p:txBody>
           <a:bodyPr lIns="0" rIns="0" tIns="0" bIns="0" anchor="ctr"/>
           <a:p>
-            <a:pPr algn="ctr"/>
+            <a:pPr algn="ctr">
+              <a:lnSpc>
+                <a:spcPct val="100000"/>
+              </a:lnSpc>
+            </a:pPr>
             <a:r>
               <a:rPr lang="en-US" sz="4400">
                 <a:latin typeface="Arial"/>
@@ -7553,7 +7619,7 @@
         <p:spPr>
           <a:xfrm>
             <a:off x="389520" y="1524960"/>
-            <a:ext cx="9486000" cy="5333040"/>
+            <a:ext cx="9485640" cy="5332680"/>
           </a:xfrm>
           <a:prstGeom prst="rect">
             <a:avLst/>
@@ -7565,18 +7631,22 @@
       </p:pic>
       <p:sp>
         <p:nvSpPr>
-          <p:cNvPr id="155" name="TextShape 2"/>
-          <p:cNvSpPr txBox="1"/>
+          <p:cNvPr id="155" name="CustomShape 2"/>
+          <p:cNvSpPr/>
           <p:nvPr/>
         </p:nvSpPr>
         <p:spPr>
           <a:xfrm>
             <a:off x="1645920" y="7223760"/>
-            <a:ext cx="2288520" cy="346320"/>
-          </a:xfrm>
-          <a:prstGeom prst="rect">
-            <a:avLst/>
-          </a:prstGeom>
+            <a:ext cx="2288160" cy="345960"/>
+          </a:xfrm>
+          <a:prstGeom prst="rect">
+            <a:avLst/>
+          </a:prstGeom>
+          <a:noFill/>
+          <a:ln>
+            <a:noFill/>
+          </a:ln>
         </p:spPr>
         <p:txBody>
           <a:bodyPr lIns="90000" rIns="90000" tIns="45000" bIns="45000"/>
@@ -7642,23 +7712,31 @@
       </p:grpSpPr>
       <p:sp>
         <p:nvSpPr>
-          <p:cNvPr id="156" name="TextShape 1"/>
-          <p:cNvSpPr txBox="1"/>
+          <p:cNvPr id="156" name="CustomShape 1"/>
+          <p:cNvSpPr/>
           <p:nvPr/>
         </p:nvSpPr>
         <p:spPr>
           <a:xfrm>
             <a:off x="504000" y="301320"/>
-            <a:ext cx="9071280" cy="1262160"/>
-          </a:xfrm>
-          <a:prstGeom prst="rect">
-            <a:avLst/>
-          </a:prstGeom>
+            <a:ext cx="9070920" cy="1261800"/>
+          </a:xfrm>
+          <a:prstGeom prst="rect">
+            <a:avLst/>
+          </a:prstGeom>
+          <a:noFill/>
+          <a:ln>
+            <a:noFill/>
+          </a:ln>
         </p:spPr>
         <p:txBody>
           <a:bodyPr lIns="0" rIns="0" tIns="0" bIns="0" anchor="ctr"/>
           <a:p>
-            <a:pPr algn="ctr"/>
+            <a:pPr algn="ctr">
+              <a:lnSpc>
+                <a:spcPct val="100000"/>
+              </a:lnSpc>
+            </a:pPr>
             <a:r>
               <a:rPr lang="en-US" sz="4400">
                 <a:latin typeface="Arial"/>
@@ -7684,7 +7762,7 @@
         <p:spPr>
           <a:xfrm>
             <a:off x="2160720" y="1463040"/>
-            <a:ext cx="5886000" cy="4847760"/>
+            <a:ext cx="5885640" cy="4847400"/>
           </a:xfrm>
           <a:prstGeom prst="rect">
             <a:avLst/>
